--- a/content/2017/06/11/imicc.pptx
+++ b/content/2017/06/11/imicc.pptx
@@ -5,7 +5,7 @@
     <p:sldMasterId id="2147483648" r:id="rId1"/>
   </p:sldMasterIdLst>
   <p:notesMasterIdLst>
-    <p:notesMasterId r:id="rId9"/>
+    <p:notesMasterId r:id="rId10"/>
   </p:notesMasterIdLst>
   <p:sldIdLst>
     <p:sldId id="256" r:id="rId2"/>
@@ -13,8 +13,9 @@
     <p:sldId id="258" r:id="rId4"/>
     <p:sldId id="260" r:id="rId5"/>
     <p:sldId id="259" r:id="rId6"/>
-    <p:sldId id="261" r:id="rId7"/>
-    <p:sldId id="262" r:id="rId8"/>
+    <p:sldId id="263" r:id="rId7"/>
+    <p:sldId id="261" r:id="rId8"/>
+    <p:sldId id="262" r:id="rId9"/>
   </p:sldIdLst>
   <p:sldSz cx="9144000" cy="6858000" type="screen4x3"/>
   <p:notesSz cx="6858000" cy="9144000"/>
@@ -900,6 +901,90 @@
             <a:fld id="{063EEBA0-F138-8A47-8AF2-8CE3D86DD42A}" type="slidenum">
               <a:rPr kumimoji="1" lang="ja-JP" altLang="en-US" smtClean="0"/>
               <a:t>7</a:t>
+            </a:fld>
+            <a:endParaRPr kumimoji="1" lang="ja-JP" altLang="en-US"/>
+          </a:p>
+        </p:txBody>
+      </p:sp>
+    </p:spTree>
+    <p:extLst>
+      <p:ext uri="{BB962C8B-B14F-4D97-AF65-F5344CB8AC3E}">
+        <p14:creationId xmlns:p14="http://schemas.microsoft.com/office/powerpoint/2010/main" val="388761849"/>
+      </p:ext>
+    </p:extLst>
+  </p:cSld>
+  <p:clrMapOvr>
+    <a:masterClrMapping/>
+  </p:clrMapOvr>
+</p:notes>
+</file>
+
+<file path=ppt/notesSlides/notesSlide6.xml><?xml version="1.0" encoding="utf-8"?>
+<p:notes xmlns:a="http://schemas.openxmlformats.org/drawingml/2006/main" xmlns:r="http://schemas.openxmlformats.org/officeDocument/2006/relationships" xmlns:p="http://schemas.openxmlformats.org/presentationml/2006/main">
+  <p:cSld>
+    <p:spTree>
+      <p:nvGrpSpPr>
+        <p:cNvPr id="1" name=""/>
+        <p:cNvGrpSpPr/>
+        <p:nvPr/>
+      </p:nvGrpSpPr>
+      <p:grpSpPr>
+        <a:xfrm>
+          <a:off x="0" y="0"/>
+          <a:ext cx="0" cy="0"/>
+          <a:chOff x="0" y="0"/>
+          <a:chExt cx="0" cy="0"/>
+        </a:xfrm>
+      </p:grpSpPr>
+      <p:sp>
+        <p:nvSpPr>
+          <p:cNvPr id="2" name="スライド イメージ プレースホルダー 1"/>
+          <p:cNvSpPr>
+            <a:spLocks noGrp="1" noRot="1" noChangeAspect="1"/>
+          </p:cNvSpPr>
+          <p:nvPr>
+            <p:ph type="sldImg"/>
+          </p:nvPr>
+        </p:nvSpPr>
+        <p:spPr/>
+      </p:sp>
+      <p:sp>
+        <p:nvSpPr>
+          <p:cNvPr id="3" name="ノート プレースホルダー 2"/>
+          <p:cNvSpPr>
+            <a:spLocks noGrp="1"/>
+          </p:cNvSpPr>
+          <p:nvPr>
+            <p:ph type="body" idx="1"/>
+          </p:nvPr>
+        </p:nvSpPr>
+        <p:spPr/>
+        <p:txBody>
+          <a:bodyPr/>
+          <a:lstStyle/>
+          <a:p>
+            <a:endParaRPr kumimoji="1" lang="ja-JP" altLang="en-US" dirty="0"/>
+          </a:p>
+        </p:txBody>
+      </p:sp>
+      <p:sp>
+        <p:nvSpPr>
+          <p:cNvPr id="4" name="スライド番号プレースホルダー 3"/>
+          <p:cNvSpPr>
+            <a:spLocks noGrp="1"/>
+          </p:cNvSpPr>
+          <p:nvPr>
+            <p:ph type="sldNum" sz="quarter" idx="10"/>
+          </p:nvPr>
+        </p:nvSpPr>
+        <p:spPr/>
+        <p:txBody>
+          <a:bodyPr/>
+          <a:lstStyle/>
+          <a:p>
+            <a:fld id="{063EEBA0-F138-8A47-8AF2-8CE3D86DD42A}" type="slidenum">
+              <a:rPr kumimoji="1" lang="ja-JP" altLang="en-US" smtClean="0"/>
+              <a:t>8</a:t>
             </a:fld>
             <a:endParaRPr kumimoji="1" lang="ja-JP" altLang="en-US"/>
           </a:p>
@@ -7251,11 +7336,11 @@
           <a:lstStyle/>
           <a:p>
             <a:r>
-              <a:rPr lang="en-US" altLang="ja-JP" dirty="0" smtClean="0"/>
+              <a:rPr lang="en-US" altLang="ja-JP" dirty="0"/>
               <a:t>-auto-orient </a:t>
             </a:r>
             <a:r>
-              <a:rPr lang="ja-JP" altLang="en-US" dirty="0" smtClean="0"/>
+              <a:rPr lang="ja-JP" altLang="en-US" dirty="0"/>
               <a:t>向きを反映</a:t>
             </a:r>
             <a:endParaRPr kumimoji="1" lang="ja-JP" altLang="en-US" dirty="0"/>
@@ -7289,8 +7374,8 @@
         </p:nvSpPr>
         <p:spPr>
           <a:xfrm>
-            <a:off x="962787" y="2253156"/>
-            <a:ext cx="4918555" cy="802955"/>
+            <a:off x="893321" y="2253156"/>
+            <a:ext cx="4988022" cy="802955"/>
           </a:xfrm>
           <a:prstGeom prst="rect">
             <a:avLst/>
@@ -7357,7 +7442,7 @@
         </p:nvSpPr>
         <p:spPr>
           <a:xfrm>
-            <a:off x="1594071" y="3563801"/>
+            <a:off x="1594071" y="2387954"/>
             <a:ext cx="881885" cy="533359"/>
           </a:xfrm>
           <a:prstGeom prst="rect">
@@ -7457,7 +7542,7 @@
         </p:nvSpPr>
         <p:spPr>
           <a:xfrm>
-            <a:off x="2584040" y="3563801"/>
+            <a:off x="2584040" y="2387954"/>
             <a:ext cx="982597" cy="533359"/>
           </a:xfrm>
           <a:prstGeom prst="rect">
@@ -7523,7 +7608,7 @@
         </p:nvSpPr>
         <p:spPr>
           <a:xfrm>
-            <a:off x="2729018" y="3270461"/>
+            <a:off x="2729018" y="2094614"/>
             <a:ext cx="669792" cy="407385"/>
           </a:xfrm>
           <a:prstGeom prst="rect">
@@ -7597,7 +7682,7 @@
         </p:nvSpPr>
         <p:spPr>
           <a:xfrm>
-            <a:off x="1687439" y="3279352"/>
+            <a:off x="1687439" y="2103505"/>
             <a:ext cx="669792" cy="407385"/>
           </a:xfrm>
           <a:prstGeom prst="rect">
@@ -7671,7 +7756,7 @@
         </p:nvSpPr>
         <p:spPr>
           <a:xfrm>
-            <a:off x="893320" y="4231958"/>
+            <a:off x="893320" y="3056111"/>
             <a:ext cx="794119" cy="507690"/>
           </a:xfrm>
           <a:prstGeom prst="wedgeEllipseCallout">
@@ -7756,7 +7841,7 @@
         </p:nvSpPr>
         <p:spPr>
           <a:xfrm>
-            <a:off x="1594071" y="4388396"/>
+            <a:off x="1594071" y="3212549"/>
             <a:ext cx="794119" cy="507690"/>
           </a:xfrm>
           <a:prstGeom prst="wedgeEllipseCallout">
@@ -7841,7 +7926,7 @@
         </p:nvSpPr>
         <p:spPr>
           <a:xfrm>
-            <a:off x="2475956" y="4359830"/>
+            <a:off x="2475956" y="3183983"/>
             <a:ext cx="794119" cy="507690"/>
           </a:xfrm>
           <a:prstGeom prst="wedgeEllipseCallout">
@@ -7940,60 +8025,6 @@
           </a:p>
         </p:txBody>
       </p:sp>
-      <p:sp>
-        <p:nvSpPr>
-          <p:cNvPr id="10" name="乗算記号 9"/>
-          <p:cNvSpPr/>
-          <p:nvPr/>
-        </p:nvSpPr>
-        <p:spPr>
-          <a:xfrm>
-            <a:off x="1038714" y="1972618"/>
-            <a:ext cx="2696533" cy="1480842"/>
-          </a:xfrm>
-          <a:prstGeom prst="mathMultiply">
-            <a:avLst>
-              <a:gd name="adj1" fmla="val 8654"/>
-            </a:avLst>
-          </a:prstGeom>
-          <a:gradFill>
-            <a:gsLst>
-              <a:gs pos="0">
-                <a:srgbClr val="FF0000"/>
-              </a:gs>
-              <a:gs pos="100000">
-                <a:srgbClr val="FF6600"/>
-              </a:gs>
-            </a:gsLst>
-          </a:gradFill>
-        </p:spPr>
-        <p:style>
-          <a:lnRef idx="1">
-            <a:schemeClr val="accent1"/>
-          </a:lnRef>
-          <a:fillRef idx="3">
-            <a:schemeClr val="accent1"/>
-          </a:fillRef>
-          <a:effectRef idx="2">
-            <a:schemeClr val="accent1"/>
-          </a:effectRef>
-          <a:fontRef idx="minor">
-            <a:schemeClr val="lt1"/>
-          </a:fontRef>
-        </p:style>
-        <p:txBody>
-          <a:bodyPr rtlCol="0" anchor="ctr"/>
-          <a:lstStyle/>
-          <a:p>
-            <a:pPr algn="ctr"/>
-            <a:endParaRPr kumimoji="1" lang="ja-JP" altLang="en-US">
-              <a:latin typeface="ヒラギノ丸ゴ ProN W4"/>
-              <a:ea typeface="ヒラギノ丸ゴ ProN W4"/>
-              <a:cs typeface="ヒラギノ丸ゴ ProN W4"/>
-            </a:endParaRPr>
-          </a:p>
-        </p:txBody>
-      </p:sp>
       <p:cxnSp>
         <p:nvCxnSpPr>
           <p:cNvPr id="15" name="直線矢印コネクタ 14"/>
@@ -8002,8 +8033,8 @@
         </p:nvCxnSpPr>
         <p:spPr>
           <a:xfrm flipV="1">
-            <a:off x="3313607" y="3270387"/>
-            <a:ext cx="843280" cy="1221942"/>
+            <a:off x="3270075" y="2922310"/>
+            <a:ext cx="743125" cy="471131"/>
           </a:xfrm>
           <a:prstGeom prst="straightConnector1">
             <a:avLst/>
@@ -8035,7 +8066,7 @@
         </p:nvSpPr>
         <p:spPr>
           <a:xfrm>
-            <a:off x="3812632" y="3717675"/>
+            <a:off x="3566637" y="3082313"/>
             <a:ext cx="1161338" cy="637926"/>
           </a:xfrm>
           <a:prstGeom prst="rect">
@@ -8087,10 +8118,64 @@
           </a:p>
         </p:txBody>
       </p:sp>
+      <p:sp>
+        <p:nvSpPr>
+          <p:cNvPr id="17" name="乗算記号 16"/>
+          <p:cNvSpPr/>
+          <p:nvPr/>
+        </p:nvSpPr>
+        <p:spPr>
+          <a:xfrm>
+            <a:off x="2026658" y="3056111"/>
+            <a:ext cx="1693087" cy="951461"/>
+          </a:xfrm>
+          <a:prstGeom prst="mathMultiply">
+            <a:avLst>
+              <a:gd name="adj1" fmla="val 8654"/>
+            </a:avLst>
+          </a:prstGeom>
+          <a:gradFill>
+            <a:gsLst>
+              <a:gs pos="0">
+                <a:srgbClr val="FF0000"/>
+              </a:gs>
+              <a:gs pos="100000">
+                <a:srgbClr val="FF6600"/>
+              </a:gs>
+            </a:gsLst>
+          </a:gradFill>
+        </p:spPr>
+        <p:style>
+          <a:lnRef idx="1">
+            <a:schemeClr val="accent1"/>
+          </a:lnRef>
+          <a:fillRef idx="3">
+            <a:schemeClr val="accent1"/>
+          </a:fillRef>
+          <a:effectRef idx="2">
+            <a:schemeClr val="accent1"/>
+          </a:effectRef>
+          <a:fontRef idx="minor">
+            <a:schemeClr val="lt1"/>
+          </a:fontRef>
+        </p:style>
+        <p:txBody>
+          <a:bodyPr rtlCol="0" anchor="ctr"/>
+          <a:lstStyle/>
+          <a:p>
+            <a:pPr algn="ctr"/>
+            <a:endParaRPr kumimoji="1" lang="ja-JP" altLang="en-US">
+              <a:latin typeface="ヒラギノ丸ゴ ProN W4"/>
+              <a:ea typeface="ヒラギノ丸ゴ ProN W4"/>
+              <a:cs typeface="ヒラギノ丸ゴ ProN W4"/>
+            </a:endParaRPr>
+          </a:p>
+        </p:txBody>
+      </p:sp>
     </p:spTree>
     <p:extLst>
       <p:ext uri="{BB962C8B-B14F-4D97-AF65-F5344CB8AC3E}">
-        <p14:creationId xmlns:p14="http://schemas.microsoft.com/office/powerpoint/2010/main" val="3713998719"/>
+        <p14:creationId xmlns:p14="http://schemas.microsoft.com/office/powerpoint/2010/main" val="233287878"/>
       </p:ext>
     </p:extLst>
   </p:cSld>
@@ -8134,6 +8219,888 @@
           <a:p>
             <a:r>
               <a:rPr lang="en-US" altLang="ja-JP" dirty="0" smtClean="0"/>
+              <a:t>-auto-orient </a:t>
+            </a:r>
+            <a:r>
+              <a:rPr lang="ja-JP" altLang="en-US" dirty="0" smtClean="0"/>
+              <a:t>向きを反映</a:t>
+            </a:r>
+            <a:endParaRPr kumimoji="1" lang="ja-JP" altLang="en-US" dirty="0"/>
+          </a:p>
+        </p:txBody>
+      </p:sp>
+      <p:sp>
+        <p:nvSpPr>
+          <p:cNvPr id="3" name="コンテンツ プレースホルダー 2"/>
+          <p:cNvSpPr>
+            <a:spLocks noGrp="1"/>
+          </p:cNvSpPr>
+          <p:nvPr>
+            <p:ph idx="1"/>
+          </p:nvPr>
+        </p:nvSpPr>
+        <p:spPr/>
+        <p:txBody>
+          <a:bodyPr/>
+          <a:lstStyle/>
+          <a:p>
+            <a:endParaRPr kumimoji="1" lang="ja-JP" altLang="en-US" dirty="0"/>
+          </a:p>
+        </p:txBody>
+      </p:sp>
+      <p:sp>
+        <p:nvSpPr>
+          <p:cNvPr id="4" name="正方形/長方形 3"/>
+          <p:cNvSpPr/>
+          <p:nvPr/>
+        </p:nvSpPr>
+        <p:spPr>
+          <a:xfrm>
+            <a:off x="962787" y="2253156"/>
+            <a:ext cx="4918555" cy="802955"/>
+          </a:xfrm>
+          <a:prstGeom prst="rect">
+            <a:avLst/>
+          </a:prstGeom>
+          <a:gradFill>
+            <a:gsLst>
+              <a:gs pos="0">
+                <a:srgbClr val="FF6600"/>
+              </a:gs>
+              <a:gs pos="100000">
+                <a:schemeClr val="accent6">
+                  <a:lumMod val="60000"/>
+                  <a:lumOff val="40000"/>
+                </a:schemeClr>
+              </a:gs>
+            </a:gsLst>
+          </a:gradFill>
+        </p:spPr>
+        <p:style>
+          <a:lnRef idx="1">
+            <a:schemeClr val="accent1"/>
+          </a:lnRef>
+          <a:fillRef idx="3">
+            <a:schemeClr val="accent1"/>
+          </a:fillRef>
+          <a:effectRef idx="2">
+            <a:schemeClr val="accent1"/>
+          </a:effectRef>
+          <a:fontRef idx="minor">
+            <a:schemeClr val="lt1"/>
+          </a:fontRef>
+        </p:style>
+        <p:txBody>
+          <a:bodyPr rtlCol="0" anchor="t" anchorCtr="0"/>
+          <a:lstStyle/>
+          <a:p>
+            <a:r>
+              <a:rPr lang="en-US" altLang="ja-JP" dirty="0" smtClean="0">
+                <a:solidFill>
+                  <a:srgbClr val="000000"/>
+                </a:solidFill>
+                <a:latin typeface="ヒラギノ丸ゴ ProN W4"/>
+                <a:ea typeface="ヒラギノ丸ゴ ProN W4"/>
+                <a:cs typeface="ヒラギノ丸ゴ ProN W4"/>
+              </a:rPr>
+              <a:t>JPEG</a:t>
+            </a:r>
+            <a:endParaRPr kumimoji="1" lang="ja-JP" altLang="en-US" dirty="0">
+              <a:solidFill>
+                <a:srgbClr val="000000"/>
+              </a:solidFill>
+              <a:latin typeface="ヒラギノ丸ゴ ProN W4"/>
+              <a:ea typeface="ヒラギノ丸ゴ ProN W4"/>
+              <a:cs typeface="ヒラギノ丸ゴ ProN W4"/>
+            </a:endParaRPr>
+          </a:p>
+        </p:txBody>
+      </p:sp>
+      <p:sp>
+        <p:nvSpPr>
+          <p:cNvPr id="5" name="正方形/長方形 4"/>
+          <p:cNvSpPr/>
+          <p:nvPr/>
+        </p:nvSpPr>
+        <p:spPr>
+          <a:xfrm>
+            <a:off x="1594071" y="3563801"/>
+            <a:ext cx="881885" cy="533359"/>
+          </a:xfrm>
+          <a:prstGeom prst="rect">
+            <a:avLst/>
+          </a:prstGeom>
+        </p:spPr>
+        <p:style>
+          <a:lnRef idx="1">
+            <a:schemeClr val="accent1"/>
+          </a:lnRef>
+          <a:fillRef idx="3">
+            <a:schemeClr val="accent1"/>
+          </a:fillRef>
+          <a:effectRef idx="2">
+            <a:schemeClr val="accent1"/>
+          </a:effectRef>
+          <a:fontRef idx="minor">
+            <a:schemeClr val="lt1"/>
+          </a:fontRef>
+        </p:style>
+        <p:txBody>
+          <a:bodyPr wrap="none" rtlCol="0" anchor="ctr"/>
+          <a:lstStyle/>
+          <a:p>
+            <a:pPr algn="ctr"/>
+            <a:r>
+              <a:rPr kumimoji="1" lang="en-US" altLang="ja-JP" sz="1400" dirty="0" err="1" smtClean="0">
+                <a:latin typeface="ヒラギノ丸ゴ ProN W4"/>
+                <a:ea typeface="ヒラギノ丸ゴ ProN W4"/>
+                <a:cs typeface="ヒラギノ丸ゴ ProN W4"/>
+              </a:rPr>
+              <a:t>Exif</a:t>
+            </a:r>
+            <a:endParaRPr kumimoji="1" lang="ja-JP" altLang="en-US" sz="1400" dirty="0">
+              <a:latin typeface="ヒラギノ丸ゴ ProN W4"/>
+              <a:ea typeface="ヒラギノ丸ゴ ProN W4"/>
+              <a:cs typeface="ヒラギノ丸ゴ ProN W4"/>
+            </a:endParaRPr>
+          </a:p>
+        </p:txBody>
+      </p:sp>
+      <p:sp>
+        <p:nvSpPr>
+          <p:cNvPr id="6" name="正方形/長方形 5"/>
+          <p:cNvSpPr/>
+          <p:nvPr/>
+        </p:nvSpPr>
+        <p:spPr>
+          <a:xfrm>
+            <a:off x="3719745" y="2388951"/>
+            <a:ext cx="1972457" cy="533359"/>
+          </a:xfrm>
+          <a:prstGeom prst="rect">
+            <a:avLst/>
+          </a:prstGeom>
+        </p:spPr>
+        <p:style>
+          <a:lnRef idx="1">
+            <a:schemeClr val="accent1"/>
+          </a:lnRef>
+          <a:fillRef idx="3">
+            <a:schemeClr val="accent1"/>
+          </a:fillRef>
+          <a:effectRef idx="2">
+            <a:schemeClr val="accent1"/>
+          </a:effectRef>
+          <a:fontRef idx="minor">
+            <a:schemeClr val="lt1"/>
+          </a:fontRef>
+        </p:style>
+        <p:txBody>
+          <a:bodyPr wrap="none" rtlCol="0" anchor="ctr"/>
+          <a:lstStyle/>
+          <a:p>
+            <a:pPr algn="ctr"/>
+            <a:r>
+              <a:rPr kumimoji="1" lang="ja-JP" altLang="en-US" sz="1400" dirty="0" smtClean="0">
+                <a:latin typeface="ヒラギノ丸ゴ ProN W4"/>
+                <a:ea typeface="ヒラギノ丸ゴ ProN W4"/>
+                <a:cs typeface="ヒラギノ丸ゴ ProN W4"/>
+              </a:rPr>
+              <a:t>画像データ</a:t>
+            </a:r>
+            <a:endParaRPr kumimoji="1" lang="ja-JP" altLang="en-US" sz="1400" dirty="0">
+              <a:latin typeface="ヒラギノ丸ゴ ProN W4"/>
+              <a:ea typeface="ヒラギノ丸ゴ ProN W4"/>
+              <a:cs typeface="ヒラギノ丸ゴ ProN W4"/>
+            </a:endParaRPr>
+          </a:p>
+        </p:txBody>
+      </p:sp>
+      <p:sp>
+        <p:nvSpPr>
+          <p:cNvPr id="7" name="正方形/長方形 6"/>
+          <p:cNvSpPr/>
+          <p:nvPr/>
+        </p:nvSpPr>
+        <p:spPr>
+          <a:xfrm>
+            <a:off x="2584040" y="3563801"/>
+            <a:ext cx="982597" cy="533359"/>
+          </a:xfrm>
+          <a:prstGeom prst="rect">
+            <a:avLst/>
+          </a:prstGeom>
+        </p:spPr>
+        <p:style>
+          <a:lnRef idx="1">
+            <a:schemeClr val="accent1"/>
+          </a:lnRef>
+          <a:fillRef idx="3">
+            <a:schemeClr val="accent1"/>
+          </a:fillRef>
+          <a:effectRef idx="2">
+            <a:schemeClr val="accent1"/>
+          </a:effectRef>
+          <a:fontRef idx="minor">
+            <a:schemeClr val="lt1"/>
+          </a:fontRef>
+        </p:style>
+        <p:txBody>
+          <a:bodyPr wrap="none" rtlCol="0" anchor="ctr"/>
+          <a:lstStyle/>
+          <a:p>
+            <a:pPr algn="ctr"/>
+            <a:r>
+              <a:rPr kumimoji="1" lang="en-US" altLang="ja-JP" sz="1400" dirty="0" smtClean="0">
+                <a:latin typeface="ヒラギノ丸ゴ ProN W4"/>
+                <a:ea typeface="ヒラギノ丸ゴ ProN W4"/>
+                <a:cs typeface="ヒラギノ丸ゴ ProN W4"/>
+              </a:rPr>
+              <a:t>ICC</a:t>
+            </a:r>
+            <a:r>
+              <a:rPr lang="en-US" altLang="en-US" sz="1400" dirty="0">
+                <a:latin typeface="ヒラギノ丸ゴ ProN W4"/>
+                <a:ea typeface="ヒラギノ丸ゴ ProN W4"/>
+                <a:cs typeface="ヒラギノ丸ゴ ProN W4"/>
+              </a:rPr>
+              <a:t> </a:t>
+            </a:r>
+            <a:r>
+              <a:rPr lang="en-US" altLang="en-US" sz="1400" dirty="0" smtClean="0">
+                <a:latin typeface="ヒラギノ丸ゴ ProN W4"/>
+                <a:ea typeface="ヒラギノ丸ゴ ProN W4"/>
+                <a:cs typeface="ヒラギノ丸ゴ ProN W4"/>
+              </a:rPr>
+              <a:t>Profile</a:t>
+            </a:r>
+            <a:endParaRPr kumimoji="1" lang="ja-JP" altLang="en-US" sz="1400" dirty="0">
+              <a:latin typeface="ヒラギノ丸ゴ ProN W4"/>
+              <a:ea typeface="ヒラギノ丸ゴ ProN W4"/>
+              <a:cs typeface="ヒラギノ丸ゴ ProN W4"/>
+            </a:endParaRPr>
+          </a:p>
+        </p:txBody>
+      </p:sp>
+      <p:sp>
+        <p:nvSpPr>
+          <p:cNvPr id="8" name="正方形/長方形 7"/>
+          <p:cNvSpPr/>
+          <p:nvPr/>
+        </p:nvSpPr>
+        <p:spPr>
+          <a:xfrm>
+            <a:off x="2729018" y="3270461"/>
+            <a:ext cx="669792" cy="407385"/>
+          </a:xfrm>
+          <a:prstGeom prst="rect">
+            <a:avLst/>
+          </a:prstGeom>
+          <a:gradFill>
+            <a:gsLst>
+              <a:gs pos="0">
+                <a:srgbClr val="FF6600"/>
+              </a:gs>
+              <a:gs pos="100000">
+                <a:schemeClr val="accent6">
+                  <a:lumMod val="60000"/>
+                  <a:lumOff val="40000"/>
+                </a:schemeClr>
+              </a:gs>
+            </a:gsLst>
+          </a:gradFill>
+        </p:spPr>
+        <p:style>
+          <a:lnRef idx="1">
+            <a:schemeClr val="accent1"/>
+          </a:lnRef>
+          <a:fillRef idx="3">
+            <a:schemeClr val="accent1"/>
+          </a:fillRef>
+          <a:effectRef idx="2">
+            <a:schemeClr val="accent1"/>
+          </a:effectRef>
+          <a:fontRef idx="minor">
+            <a:schemeClr val="lt1"/>
+          </a:fontRef>
+        </p:style>
+        <p:txBody>
+          <a:bodyPr rtlCol="0" anchor="ctr"/>
+          <a:lstStyle/>
+          <a:p>
+            <a:pPr algn="ctr"/>
+            <a:r>
+              <a:rPr kumimoji="1" lang="en-US" altLang="ja-JP" sz="1200" dirty="0" smtClean="0">
+                <a:latin typeface="ヒラギノ丸ゴ ProN W4"/>
+                <a:ea typeface="ヒラギノ丸ゴ ProN W4"/>
+                <a:cs typeface="ヒラギノ丸ゴ ProN W4"/>
+              </a:rPr>
+              <a:t>APP2</a:t>
+            </a:r>
+          </a:p>
+          <a:p>
+            <a:pPr algn="ctr"/>
+            <a:r>
+              <a:rPr lang="en-US" altLang="ja-JP" sz="1200" dirty="0" smtClean="0">
+                <a:latin typeface="ヒラギノ丸ゴ ProN W4"/>
+                <a:ea typeface="ヒラギノ丸ゴ ProN W4"/>
+                <a:cs typeface="ヒラギノ丸ゴ ProN W4"/>
+              </a:rPr>
+              <a:t>ffe2</a:t>
+            </a:r>
+            <a:endParaRPr kumimoji="1" lang="ja-JP" altLang="en-US" sz="1200" dirty="0">
+              <a:latin typeface="ヒラギノ丸ゴ ProN W4"/>
+              <a:ea typeface="ヒラギノ丸ゴ ProN W4"/>
+              <a:cs typeface="ヒラギノ丸ゴ ProN W4"/>
+            </a:endParaRPr>
+          </a:p>
+        </p:txBody>
+      </p:sp>
+      <p:sp>
+        <p:nvSpPr>
+          <p:cNvPr id="9" name="正方形/長方形 8"/>
+          <p:cNvSpPr/>
+          <p:nvPr/>
+        </p:nvSpPr>
+        <p:spPr>
+          <a:xfrm>
+            <a:off x="1687439" y="3279352"/>
+            <a:ext cx="669792" cy="407385"/>
+          </a:xfrm>
+          <a:prstGeom prst="rect">
+            <a:avLst/>
+          </a:prstGeom>
+          <a:gradFill>
+            <a:gsLst>
+              <a:gs pos="0">
+                <a:srgbClr val="FF6600"/>
+              </a:gs>
+              <a:gs pos="100000">
+                <a:schemeClr val="accent6">
+                  <a:lumMod val="60000"/>
+                  <a:lumOff val="40000"/>
+                </a:schemeClr>
+              </a:gs>
+            </a:gsLst>
+          </a:gradFill>
+        </p:spPr>
+        <p:style>
+          <a:lnRef idx="1">
+            <a:schemeClr val="accent1"/>
+          </a:lnRef>
+          <a:fillRef idx="3">
+            <a:schemeClr val="accent1"/>
+          </a:fillRef>
+          <a:effectRef idx="2">
+            <a:schemeClr val="accent1"/>
+          </a:effectRef>
+          <a:fontRef idx="minor">
+            <a:schemeClr val="lt1"/>
+          </a:fontRef>
+        </p:style>
+        <p:txBody>
+          <a:bodyPr rtlCol="0" anchor="ctr"/>
+          <a:lstStyle/>
+          <a:p>
+            <a:pPr algn="ctr"/>
+            <a:r>
+              <a:rPr kumimoji="1" lang="en-US" altLang="ja-JP" sz="1200" dirty="0" smtClean="0">
+                <a:latin typeface="ヒラギノ丸ゴ ProN W4"/>
+                <a:ea typeface="ヒラギノ丸ゴ ProN W4"/>
+                <a:cs typeface="ヒラギノ丸ゴ ProN W4"/>
+              </a:rPr>
+              <a:t>APP1</a:t>
+            </a:r>
+          </a:p>
+          <a:p>
+            <a:pPr algn="ctr"/>
+            <a:r>
+              <a:rPr lang="en-US" altLang="ja-JP" sz="1200" dirty="0" smtClean="0">
+                <a:latin typeface="ヒラギノ丸ゴ ProN W4"/>
+                <a:ea typeface="ヒラギノ丸ゴ ProN W4"/>
+                <a:cs typeface="ヒラギノ丸ゴ ProN W4"/>
+              </a:rPr>
+              <a:t>ffe1</a:t>
+            </a:r>
+            <a:endParaRPr kumimoji="1" lang="ja-JP" altLang="en-US" sz="1200" dirty="0">
+              <a:latin typeface="ヒラギノ丸ゴ ProN W4"/>
+              <a:ea typeface="ヒラギノ丸ゴ ProN W4"/>
+              <a:cs typeface="ヒラギノ丸ゴ ProN W4"/>
+            </a:endParaRPr>
+          </a:p>
+        </p:txBody>
+      </p:sp>
+      <p:sp>
+        <p:nvSpPr>
+          <p:cNvPr id="12" name="円形吹き出し 11"/>
+          <p:cNvSpPr/>
+          <p:nvPr/>
+        </p:nvSpPr>
+        <p:spPr>
+          <a:xfrm>
+            <a:off x="893320" y="4231958"/>
+            <a:ext cx="794119" cy="507690"/>
+          </a:xfrm>
+          <a:prstGeom prst="wedgeEllipseCallout">
+            <a:avLst>
+              <a:gd name="adj1" fmla="val 46239"/>
+              <a:gd name="adj2" fmla="val -80382"/>
+            </a:avLst>
+          </a:prstGeom>
+          <a:gradFill flip="none" rotWithShape="1">
+            <a:gsLst>
+              <a:gs pos="58000">
+                <a:schemeClr val="accent6">
+                  <a:lumMod val="40000"/>
+                  <a:lumOff val="60000"/>
+                </a:schemeClr>
+              </a:gs>
+              <a:gs pos="0">
+                <a:schemeClr val="accent6">
+                  <a:lumMod val="40000"/>
+                  <a:lumOff val="60000"/>
+                </a:schemeClr>
+              </a:gs>
+              <a:gs pos="90000">
+                <a:schemeClr val="accent6">
+                  <a:lumMod val="60000"/>
+                  <a:lumOff val="40000"/>
+                </a:schemeClr>
+              </a:gs>
+            </a:gsLst>
+            <a:path path="circle">
+              <a:fillToRect l="50000" t="50000" r="50000" b="50000"/>
+            </a:path>
+            <a:tileRect/>
+          </a:gradFill>
+        </p:spPr>
+        <p:style>
+          <a:lnRef idx="1">
+            <a:schemeClr val="accent1"/>
+          </a:lnRef>
+          <a:fillRef idx="3">
+            <a:schemeClr val="accent1"/>
+          </a:fillRef>
+          <a:effectRef idx="2">
+            <a:schemeClr val="accent1"/>
+          </a:effectRef>
+          <a:fontRef idx="minor">
+            <a:schemeClr val="lt1"/>
+          </a:fontRef>
+        </p:style>
+        <p:txBody>
+          <a:bodyPr wrap="none" rtlCol="0" anchor="ctr"/>
+          <a:lstStyle/>
+          <a:p>
+            <a:pPr algn="ctr"/>
+            <a:r>
+              <a:rPr kumimoji="1" lang="ja-JP" altLang="en-US" sz="1600" dirty="0" smtClean="0">
+                <a:solidFill>
+                  <a:srgbClr val="000000"/>
+                </a:solidFill>
+                <a:latin typeface="ヒラギノ丸ゴ ProN W4"/>
+                <a:ea typeface="ヒラギノ丸ゴ ProN W4"/>
+                <a:cs typeface="ヒラギノ丸ゴ ProN W4"/>
+              </a:rPr>
+              <a:t>撮影日時</a:t>
+            </a:r>
+            <a:endParaRPr kumimoji="1" lang="ja-JP" altLang="en-US" sz="1600" dirty="0">
+              <a:solidFill>
+                <a:srgbClr val="000000"/>
+              </a:solidFill>
+              <a:latin typeface="ヒラギノ丸ゴ ProN W4"/>
+              <a:ea typeface="ヒラギノ丸ゴ ProN W4"/>
+              <a:cs typeface="ヒラギノ丸ゴ ProN W4"/>
+            </a:endParaRPr>
+          </a:p>
+        </p:txBody>
+      </p:sp>
+      <p:sp>
+        <p:nvSpPr>
+          <p:cNvPr id="13" name="円形吹き出し 12"/>
+          <p:cNvSpPr/>
+          <p:nvPr/>
+        </p:nvSpPr>
+        <p:spPr>
+          <a:xfrm>
+            <a:off x="1594071" y="4388396"/>
+            <a:ext cx="794119" cy="507690"/>
+          </a:xfrm>
+          <a:prstGeom prst="wedgeEllipseCallout">
+            <a:avLst>
+              <a:gd name="adj1" fmla="val -3665"/>
+              <a:gd name="adj2" fmla="val -124737"/>
+            </a:avLst>
+          </a:prstGeom>
+          <a:gradFill flip="none" rotWithShape="1">
+            <a:gsLst>
+              <a:gs pos="58000">
+                <a:schemeClr val="accent6">
+                  <a:lumMod val="40000"/>
+                  <a:lumOff val="60000"/>
+                </a:schemeClr>
+              </a:gs>
+              <a:gs pos="0">
+                <a:schemeClr val="accent6">
+                  <a:lumMod val="40000"/>
+                  <a:lumOff val="60000"/>
+                </a:schemeClr>
+              </a:gs>
+              <a:gs pos="90000">
+                <a:schemeClr val="accent6">
+                  <a:lumMod val="60000"/>
+                  <a:lumOff val="40000"/>
+                </a:schemeClr>
+              </a:gs>
+            </a:gsLst>
+            <a:path path="circle">
+              <a:fillToRect l="50000" t="50000" r="50000" b="50000"/>
+            </a:path>
+            <a:tileRect/>
+          </a:gradFill>
+        </p:spPr>
+        <p:style>
+          <a:lnRef idx="1">
+            <a:schemeClr val="accent1"/>
+          </a:lnRef>
+          <a:fillRef idx="3">
+            <a:schemeClr val="accent1"/>
+          </a:fillRef>
+          <a:effectRef idx="2">
+            <a:schemeClr val="accent1"/>
+          </a:effectRef>
+          <a:fontRef idx="minor">
+            <a:schemeClr val="lt1"/>
+          </a:fontRef>
+        </p:style>
+        <p:txBody>
+          <a:bodyPr wrap="none" rtlCol="0" anchor="ctr"/>
+          <a:lstStyle/>
+          <a:p>
+            <a:pPr algn="ctr"/>
+            <a:r>
+              <a:rPr kumimoji="1" lang="ja-JP" altLang="en-US" sz="1600" dirty="0" smtClean="0">
+                <a:solidFill>
+                  <a:srgbClr val="000000"/>
+                </a:solidFill>
+                <a:latin typeface="ヒラギノ丸ゴ ProN W4"/>
+                <a:ea typeface="ヒラギノ丸ゴ ProN W4"/>
+                <a:cs typeface="ヒラギノ丸ゴ ProN W4"/>
+              </a:rPr>
+              <a:t>撮影場所</a:t>
+            </a:r>
+            <a:endParaRPr kumimoji="1" lang="ja-JP" altLang="en-US" sz="1600" dirty="0">
+              <a:solidFill>
+                <a:srgbClr val="000000"/>
+              </a:solidFill>
+              <a:latin typeface="ヒラギノ丸ゴ ProN W4"/>
+              <a:ea typeface="ヒラギノ丸ゴ ProN W4"/>
+              <a:cs typeface="ヒラギノ丸ゴ ProN W4"/>
+            </a:endParaRPr>
+          </a:p>
+        </p:txBody>
+      </p:sp>
+      <p:sp>
+        <p:nvSpPr>
+          <p:cNvPr id="14" name="円形吹き出し 13"/>
+          <p:cNvSpPr/>
+          <p:nvPr/>
+        </p:nvSpPr>
+        <p:spPr>
+          <a:xfrm>
+            <a:off x="2475956" y="4359830"/>
+            <a:ext cx="794119" cy="507690"/>
+          </a:xfrm>
+          <a:prstGeom prst="wedgeEllipseCallout">
+            <a:avLst>
+              <a:gd name="adj1" fmla="val -81923"/>
+              <a:gd name="adj2" fmla="val -133608"/>
+            </a:avLst>
+          </a:prstGeom>
+          <a:gradFill flip="none" rotWithShape="1">
+            <a:gsLst>
+              <a:gs pos="58000">
+                <a:schemeClr val="accent6">
+                  <a:lumMod val="40000"/>
+                  <a:lumOff val="60000"/>
+                </a:schemeClr>
+              </a:gs>
+              <a:gs pos="0">
+                <a:schemeClr val="accent6">
+                  <a:lumMod val="40000"/>
+                  <a:lumOff val="60000"/>
+                </a:schemeClr>
+              </a:gs>
+              <a:gs pos="90000">
+                <a:schemeClr val="accent6">
+                  <a:lumMod val="60000"/>
+                  <a:lumOff val="40000"/>
+                </a:schemeClr>
+              </a:gs>
+            </a:gsLst>
+            <a:path path="circle">
+              <a:fillToRect l="50000" t="50000" r="50000" b="50000"/>
+            </a:path>
+            <a:tileRect/>
+          </a:gradFill>
+        </p:spPr>
+        <p:style>
+          <a:lnRef idx="1">
+            <a:schemeClr val="accent1"/>
+          </a:lnRef>
+          <a:fillRef idx="3">
+            <a:schemeClr val="accent1"/>
+          </a:fillRef>
+          <a:effectRef idx="2">
+            <a:schemeClr val="accent1"/>
+          </a:effectRef>
+          <a:fontRef idx="minor">
+            <a:schemeClr val="lt1"/>
+          </a:fontRef>
+        </p:style>
+        <p:txBody>
+          <a:bodyPr wrap="none" rtlCol="0" anchor="ctr"/>
+          <a:lstStyle/>
+          <a:p>
+            <a:pPr algn="ctr"/>
+            <a:r>
+              <a:rPr lang="ja-JP" altLang="en-US" sz="1600" dirty="0" smtClean="0">
+                <a:solidFill>
+                  <a:srgbClr val="000000"/>
+                </a:solidFill>
+                <a:latin typeface="ヒラギノ丸ゴ ProN W4"/>
+                <a:ea typeface="ヒラギノ丸ゴ ProN W4"/>
+                <a:cs typeface="ヒラギノ丸ゴ ProN W4"/>
+              </a:rPr>
+              <a:t>画像の</a:t>
+            </a:r>
+            <a:endParaRPr lang="en-US" altLang="ja-JP" sz="1600" dirty="0" smtClean="0">
+              <a:solidFill>
+                <a:srgbClr val="000000"/>
+              </a:solidFill>
+              <a:latin typeface="ヒラギノ丸ゴ ProN W4"/>
+              <a:ea typeface="ヒラギノ丸ゴ ProN W4"/>
+              <a:cs typeface="ヒラギノ丸ゴ ProN W4"/>
+            </a:endParaRPr>
+          </a:p>
+          <a:p>
+            <a:pPr algn="ctr"/>
+            <a:r>
+              <a:rPr lang="ja-JP" altLang="en-US" sz="1600" dirty="0" smtClean="0">
+                <a:solidFill>
+                  <a:srgbClr val="000000"/>
+                </a:solidFill>
+                <a:latin typeface="ヒラギノ丸ゴ ProN W4"/>
+                <a:ea typeface="ヒラギノ丸ゴ ProN W4"/>
+                <a:cs typeface="ヒラギノ丸ゴ ProN W4"/>
+              </a:rPr>
+              <a:t>向き</a:t>
+            </a:r>
+            <a:endParaRPr kumimoji="1" lang="ja-JP" altLang="en-US" sz="1600" dirty="0">
+              <a:solidFill>
+                <a:srgbClr val="000000"/>
+              </a:solidFill>
+              <a:latin typeface="ヒラギノ丸ゴ ProN W4"/>
+              <a:ea typeface="ヒラギノ丸ゴ ProN W4"/>
+              <a:cs typeface="ヒラギノ丸ゴ ProN W4"/>
+            </a:endParaRPr>
+          </a:p>
+        </p:txBody>
+      </p:sp>
+      <p:sp>
+        <p:nvSpPr>
+          <p:cNvPr id="10" name="乗算記号 9"/>
+          <p:cNvSpPr/>
+          <p:nvPr/>
+        </p:nvSpPr>
+        <p:spPr>
+          <a:xfrm>
+            <a:off x="1038714" y="1972618"/>
+            <a:ext cx="2696533" cy="1480842"/>
+          </a:xfrm>
+          <a:prstGeom prst="mathMultiply">
+            <a:avLst>
+              <a:gd name="adj1" fmla="val 8654"/>
+            </a:avLst>
+          </a:prstGeom>
+          <a:gradFill>
+            <a:gsLst>
+              <a:gs pos="0">
+                <a:srgbClr val="FF0000"/>
+              </a:gs>
+              <a:gs pos="100000">
+                <a:srgbClr val="FF6600"/>
+              </a:gs>
+            </a:gsLst>
+          </a:gradFill>
+        </p:spPr>
+        <p:style>
+          <a:lnRef idx="1">
+            <a:schemeClr val="accent1"/>
+          </a:lnRef>
+          <a:fillRef idx="3">
+            <a:schemeClr val="accent1"/>
+          </a:fillRef>
+          <a:effectRef idx="2">
+            <a:schemeClr val="accent1"/>
+          </a:effectRef>
+          <a:fontRef idx="minor">
+            <a:schemeClr val="lt1"/>
+          </a:fontRef>
+        </p:style>
+        <p:txBody>
+          <a:bodyPr rtlCol="0" anchor="ctr"/>
+          <a:lstStyle/>
+          <a:p>
+            <a:pPr algn="ctr"/>
+            <a:endParaRPr kumimoji="1" lang="ja-JP" altLang="en-US">
+              <a:latin typeface="ヒラギノ丸ゴ ProN W4"/>
+              <a:ea typeface="ヒラギノ丸ゴ ProN W4"/>
+              <a:cs typeface="ヒラギノ丸ゴ ProN W4"/>
+            </a:endParaRPr>
+          </a:p>
+        </p:txBody>
+      </p:sp>
+      <p:cxnSp>
+        <p:nvCxnSpPr>
+          <p:cNvPr id="15" name="直線矢印コネクタ 14"/>
+          <p:cNvCxnSpPr/>
+          <p:nvPr/>
+        </p:nvCxnSpPr>
+        <p:spPr>
+          <a:xfrm flipV="1">
+            <a:off x="3313607" y="3270387"/>
+            <a:ext cx="843280" cy="1221942"/>
+          </a:xfrm>
+          <a:prstGeom prst="straightConnector1">
+            <a:avLst/>
+          </a:prstGeom>
+          <a:ln>
+            <a:tailEnd type="arrow"/>
+          </a:ln>
+        </p:spPr>
+        <p:style>
+          <a:lnRef idx="2">
+            <a:schemeClr val="accent1"/>
+          </a:lnRef>
+          <a:fillRef idx="0">
+            <a:schemeClr val="accent1"/>
+          </a:fillRef>
+          <a:effectRef idx="1">
+            <a:schemeClr val="accent1"/>
+          </a:effectRef>
+          <a:fontRef idx="minor">
+            <a:schemeClr val="tx1"/>
+          </a:fontRef>
+        </p:style>
+      </p:cxnSp>
+      <p:sp>
+        <p:nvSpPr>
+          <p:cNvPr id="16" name="正方形/長方形 15"/>
+          <p:cNvSpPr/>
+          <p:nvPr/>
+        </p:nvSpPr>
+        <p:spPr>
+          <a:xfrm>
+            <a:off x="3812632" y="3717675"/>
+            <a:ext cx="1161338" cy="637926"/>
+          </a:xfrm>
+          <a:prstGeom prst="rect">
+            <a:avLst/>
+          </a:prstGeom>
+          <a:noFill/>
+          <a:ln>
+            <a:noFill/>
+          </a:ln>
+        </p:spPr>
+        <p:style>
+          <a:lnRef idx="1">
+            <a:schemeClr val="accent1"/>
+          </a:lnRef>
+          <a:fillRef idx="3">
+            <a:schemeClr val="accent1"/>
+          </a:fillRef>
+          <a:effectRef idx="2">
+            <a:schemeClr val="accent1"/>
+          </a:effectRef>
+          <a:fontRef idx="minor">
+            <a:schemeClr val="lt1"/>
+          </a:fontRef>
+        </p:style>
+        <p:txBody>
+          <a:bodyPr wrap="none" rtlCol="0" anchor="ctr" anchorCtr="0"/>
+          <a:lstStyle/>
+          <a:p>
+            <a:pPr algn="ctr"/>
+            <a:r>
+              <a:rPr kumimoji="1" lang="ja-JP" altLang="en-US" dirty="0" smtClean="0">
+                <a:solidFill>
+                  <a:srgbClr val="000000"/>
+                </a:solidFill>
+                <a:latin typeface="ヒラギノ丸ゴ ProN W4"/>
+                <a:ea typeface="ヒラギノ丸ゴ ProN W4"/>
+                <a:cs typeface="ヒラギノ丸ゴ ProN W4"/>
+              </a:rPr>
+              <a:t>向きを反映</a:t>
+            </a:r>
+            <a:endParaRPr kumimoji="1" lang="ja-JP" altLang="en-US" dirty="0">
+              <a:solidFill>
+                <a:srgbClr val="000000"/>
+              </a:solidFill>
+              <a:latin typeface="ヒラギノ丸ゴ ProN W4"/>
+              <a:ea typeface="ヒラギノ丸ゴ ProN W4"/>
+              <a:cs typeface="ヒラギノ丸ゴ ProN W4"/>
+            </a:endParaRPr>
+          </a:p>
+        </p:txBody>
+      </p:sp>
+    </p:spTree>
+    <p:extLst>
+      <p:ext uri="{BB962C8B-B14F-4D97-AF65-F5344CB8AC3E}">
+        <p14:creationId xmlns:p14="http://schemas.microsoft.com/office/powerpoint/2010/main" val="3713998719"/>
+      </p:ext>
+    </p:extLst>
+  </p:cSld>
+  <p:clrMapOvr>
+    <a:masterClrMapping/>
+  </p:clrMapOvr>
+</p:sld>
+</file>
+
+<file path=ppt/slides/slide8.xml><?xml version="1.0" encoding="utf-8"?>
+<p:sld xmlns:a="http://schemas.openxmlformats.org/drawingml/2006/main" xmlns:r="http://schemas.openxmlformats.org/officeDocument/2006/relationships" xmlns:p="http://schemas.openxmlformats.org/presentationml/2006/main">
+  <p:cSld>
+    <p:spTree>
+      <p:nvGrpSpPr>
+        <p:cNvPr id="1" name=""/>
+        <p:cNvGrpSpPr/>
+        <p:nvPr/>
+      </p:nvGrpSpPr>
+      <p:grpSpPr>
+        <a:xfrm>
+          <a:off x="0" y="0"/>
+          <a:ext cx="0" cy="0"/>
+          <a:chOff x="0" y="0"/>
+          <a:chExt cx="0" cy="0"/>
+        </a:xfrm>
+      </p:grpSpPr>
+      <p:sp>
+        <p:nvSpPr>
+          <p:cNvPr id="2" name="タイトル 1"/>
+          <p:cNvSpPr>
+            <a:spLocks noGrp="1"/>
+          </p:cNvSpPr>
+          <p:nvPr>
+            <p:ph type="title"/>
+          </p:nvPr>
+        </p:nvSpPr>
+        <p:spPr/>
+        <p:txBody>
+          <a:bodyPr/>
+          <a:lstStyle/>
+          <a:p>
+            <a:r>
+              <a:rPr lang="en-US" altLang="ja-JP" dirty="0" smtClean="0"/>
               <a:t>orient </a:t>
             </a:r>
             <a:r>
@@ -9018,7 +9985,7 @@
         </p:nvSpPr>
         <p:spPr>
           <a:xfrm>
-            <a:off x="3466007" y="3089873"/>
+            <a:off x="3313607" y="3039920"/>
             <a:ext cx="1161338" cy="637926"/>
           </a:xfrm>
           <a:prstGeom prst="rect">
@@ -9071,7 +10038,7 @@
           <a:p>
             <a:pPr algn="ctr"/>
             <a:r>
-              <a:rPr lang="ja-JP" altLang="en-US" smtClean="0">
+              <a:rPr lang="ja-JP" altLang="en-US" dirty="0" smtClean="0">
                 <a:solidFill>
                   <a:srgbClr val="000000"/>
                 </a:solidFill>

--- a/content/2017/06/11/imicc.pptx
+++ b/content/2017/06/11/imicc.pptx
@@ -8953,7 +8953,7 @@
           <a:lstStyle/>
           <a:p>
             <a:pPr algn="ctr"/>
-            <a:endParaRPr kumimoji="1" lang="ja-JP" altLang="en-US">
+            <a:endParaRPr kumimoji="1" lang="ja-JP" altLang="en-US" dirty="0">
               <a:latin typeface="ヒラギノ丸ゴ ProN W4"/>
               <a:ea typeface="ヒラギノ丸ゴ ProN W4"/>
               <a:cs typeface="ヒラギノ丸ゴ ProN W4"/>
@@ -9314,7 +9314,7 @@
         </p:nvSpPr>
         <p:spPr>
           <a:xfrm>
-            <a:off x="2584040" y="3563801"/>
+            <a:off x="2584040" y="2425881"/>
             <a:ext cx="982597" cy="533359"/>
           </a:xfrm>
           <a:prstGeom prst="rect">
@@ -9364,7 +9364,24 @@
               </a:rPr>
               <a:t>Profile</a:t>
             </a:r>
-            <a:endParaRPr kumimoji="1" lang="ja-JP" altLang="en-US" sz="1400" dirty="0">
+          </a:p>
+          <a:p>
+            <a:pPr algn="ctr"/>
+            <a:r>
+              <a:rPr kumimoji="1" lang="en-US" altLang="en-US" sz="1600" b="1" i="1" u="sng" spc="300" dirty="0" err="1" smtClean="0">
+                <a:solidFill>
+                  <a:srgbClr val="000000"/>
+                </a:solidFill>
+                <a:latin typeface="ヒラギノ丸ゴ ProN W4"/>
+                <a:ea typeface="ヒラギノ丸ゴ ProN W4"/>
+                <a:cs typeface="ヒラギノ丸ゴ ProN W4"/>
+              </a:rPr>
+              <a:t>sRGB</a:t>
+            </a:r>
+            <a:endParaRPr kumimoji="1" lang="ja-JP" altLang="en-US" sz="1600" b="1" i="1" u="sng" spc="300" dirty="0">
+              <a:solidFill>
+                <a:srgbClr val="000000"/>
+              </a:solidFill>
               <a:latin typeface="ヒラギノ丸ゴ ProN W4"/>
               <a:ea typeface="ヒラギノ丸ゴ ProN W4"/>
               <a:cs typeface="ヒラギノ丸ゴ ProN W4"/>
@@ -9380,7 +9397,7 @@
         </p:nvSpPr>
         <p:spPr>
           <a:xfrm>
-            <a:off x="2729018" y="3270461"/>
+            <a:off x="2729018" y="2132541"/>
             <a:ext cx="669792" cy="407385"/>
           </a:xfrm>
           <a:prstGeom prst="rect">
@@ -9805,8 +9822,8 @@
         </p:nvSpPr>
         <p:spPr>
           <a:xfrm>
-            <a:off x="1038714" y="1972618"/>
-            <a:ext cx="2696533" cy="1480842"/>
+            <a:off x="1038715" y="1972618"/>
+            <a:ext cx="1690304" cy="1480842"/>
           </a:xfrm>
           <a:prstGeom prst="mathMultiply">
             <a:avLst>
@@ -9859,8 +9876,8 @@
         </p:nvCxnSpPr>
         <p:spPr>
           <a:xfrm flipV="1">
-            <a:off x="3313607" y="3056111"/>
-            <a:ext cx="1908633" cy="1436218"/>
+            <a:off x="3466007" y="3072637"/>
+            <a:ext cx="1928953" cy="1499363"/>
           </a:xfrm>
           <a:prstGeom prst="straightConnector1">
             <a:avLst/>
@@ -9985,8 +10002,8 @@
         </p:nvSpPr>
         <p:spPr>
           <a:xfrm>
-            <a:off x="3313607" y="3039920"/>
-            <a:ext cx="1161338" cy="637926"/>
+            <a:off x="3124850" y="2968057"/>
+            <a:ext cx="1849120" cy="637926"/>
           </a:xfrm>
           <a:prstGeom prst="rect">
             <a:avLst/>
@@ -10016,6 +10033,28 @@
           <a:p>
             <a:pPr algn="ctr"/>
             <a:r>
+              <a:rPr kumimoji="1" lang="ja-JP" altLang="en-US" dirty="0" smtClean="0">
+                <a:solidFill>
+                  <a:srgbClr val="000000"/>
+                </a:solidFill>
+                <a:latin typeface="ヒラギノ丸ゴ ProN W4"/>
+                <a:ea typeface="ヒラギノ丸ゴ ProN W4"/>
+                <a:cs typeface="ヒラギノ丸ゴ ProN W4"/>
+              </a:rPr>
+              <a:t>元の色空間から</a:t>
+            </a:r>
+            <a:endParaRPr kumimoji="1" lang="en-US" altLang="ja-JP" dirty="0" smtClean="0">
+              <a:solidFill>
+                <a:srgbClr val="000000"/>
+              </a:solidFill>
+              <a:latin typeface="ヒラギノ丸ゴ ProN W4"/>
+              <a:ea typeface="ヒラギノ丸ゴ ProN W4"/>
+              <a:cs typeface="ヒラギノ丸ゴ ProN W4"/>
+            </a:endParaRPr>
+          </a:p>
+          <a:p>
+            <a:pPr algn="ctr"/>
+            <a:r>
               <a:rPr kumimoji="1" lang="en-US" altLang="ja-JP" dirty="0" err="1" smtClean="0">
                 <a:solidFill>
                   <a:srgbClr val="000000"/>
@@ -10026,17 +10065,6 @@
               </a:rPr>
               <a:t>sRGB</a:t>
             </a:r>
-            <a:endParaRPr kumimoji="1" lang="en-US" altLang="ja-JP" dirty="0" smtClean="0">
-              <a:solidFill>
-                <a:srgbClr val="000000"/>
-              </a:solidFill>
-              <a:latin typeface="ヒラギノ丸ゴ ProN W4"/>
-              <a:ea typeface="ヒラギノ丸ゴ ProN W4"/>
-              <a:cs typeface="ヒラギノ丸ゴ ProN W4"/>
-            </a:endParaRPr>
-          </a:p>
-          <a:p>
-            <a:pPr algn="ctr"/>
             <a:r>
               <a:rPr lang="ja-JP" altLang="en-US" dirty="0" smtClean="0">
                 <a:solidFill>
@@ -10046,12 +10074,163 @@
                 <a:ea typeface="ヒラギノ丸ゴ ProN W4"/>
                 <a:cs typeface="ヒラギノ丸ゴ ProN W4"/>
               </a:rPr>
-              <a:t>に変換</a:t>
+              <a:t>に</a:t>
+            </a:r>
+            <a:r>
+              <a:rPr lang="ja-JP" altLang="en-US" dirty="0" smtClean="0">
+                <a:solidFill>
+                  <a:srgbClr val="000000"/>
+                </a:solidFill>
+                <a:latin typeface="ヒラギノ丸ゴ ProN W4"/>
+                <a:ea typeface="ヒラギノ丸ゴ ProN W4"/>
+                <a:cs typeface="ヒラギノ丸ゴ ProN W4"/>
+              </a:rPr>
+              <a:t>変換</a:t>
             </a:r>
             <a:endParaRPr kumimoji="1" lang="ja-JP" altLang="en-US" dirty="0">
               <a:solidFill>
                 <a:srgbClr val="000000"/>
               </a:solidFill>
+              <a:latin typeface="ヒラギノ丸ゴ ProN W4"/>
+              <a:ea typeface="ヒラギノ丸ゴ ProN W4"/>
+              <a:cs typeface="ヒラギノ丸ゴ ProN W4"/>
+            </a:endParaRPr>
+          </a:p>
+        </p:txBody>
+      </p:sp>
+      <p:sp>
+        <p:nvSpPr>
+          <p:cNvPr id="18" name="正方形/長方形 17"/>
+          <p:cNvSpPr/>
+          <p:nvPr/>
+        </p:nvSpPr>
+        <p:spPr>
+          <a:xfrm>
+            <a:off x="2568613" y="3550323"/>
+            <a:ext cx="982597" cy="533359"/>
+          </a:xfrm>
+          <a:prstGeom prst="rect">
+            <a:avLst/>
+          </a:prstGeom>
+        </p:spPr>
+        <p:style>
+          <a:lnRef idx="1">
+            <a:schemeClr val="accent1"/>
+          </a:lnRef>
+          <a:fillRef idx="3">
+            <a:schemeClr val="accent1"/>
+          </a:fillRef>
+          <a:effectRef idx="2">
+            <a:schemeClr val="accent1"/>
+          </a:effectRef>
+          <a:fontRef idx="minor">
+            <a:schemeClr val="lt1"/>
+          </a:fontRef>
+        </p:style>
+        <p:txBody>
+          <a:bodyPr wrap="none" rtlCol="0" anchor="ctr"/>
+          <a:lstStyle/>
+          <a:p>
+            <a:pPr algn="ctr"/>
+            <a:r>
+              <a:rPr kumimoji="1" lang="en-US" altLang="ja-JP" sz="1400" dirty="0" smtClean="0">
+                <a:latin typeface="ヒラギノ丸ゴ ProN W4"/>
+                <a:ea typeface="ヒラギノ丸ゴ ProN W4"/>
+                <a:cs typeface="ヒラギノ丸ゴ ProN W4"/>
+              </a:rPr>
+              <a:t>ICC</a:t>
+            </a:r>
+            <a:r>
+              <a:rPr lang="en-US" altLang="en-US" sz="1400" dirty="0">
+                <a:latin typeface="ヒラギノ丸ゴ ProN W4"/>
+                <a:ea typeface="ヒラギノ丸ゴ ProN W4"/>
+                <a:cs typeface="ヒラギノ丸ゴ ProN W4"/>
+              </a:rPr>
+              <a:t> </a:t>
+            </a:r>
+            <a:r>
+              <a:rPr lang="en-US" altLang="en-US" sz="1400" dirty="0" smtClean="0">
+                <a:latin typeface="ヒラギノ丸ゴ ProN W4"/>
+                <a:ea typeface="ヒラギノ丸ゴ ProN W4"/>
+                <a:cs typeface="ヒラギノ丸ゴ ProN W4"/>
+              </a:rPr>
+              <a:t>Profile</a:t>
+            </a:r>
+            <a:endParaRPr kumimoji="1" lang="ja-JP" altLang="en-US" sz="1400" dirty="0">
+              <a:latin typeface="ヒラギノ丸ゴ ProN W4"/>
+              <a:ea typeface="ヒラギノ丸ゴ ProN W4"/>
+              <a:cs typeface="ヒラギノ丸ゴ ProN W4"/>
+            </a:endParaRPr>
+          </a:p>
+        </p:txBody>
+      </p:sp>
+      <p:sp>
+        <p:nvSpPr>
+          <p:cNvPr id="20" name="正方形/長方形 19"/>
+          <p:cNvSpPr/>
+          <p:nvPr/>
+        </p:nvSpPr>
+        <p:spPr>
+          <a:xfrm>
+            <a:off x="2713591" y="3256983"/>
+            <a:ext cx="669792" cy="407385"/>
+          </a:xfrm>
+          <a:prstGeom prst="rect">
+            <a:avLst/>
+          </a:prstGeom>
+          <a:gradFill>
+            <a:gsLst>
+              <a:gs pos="0">
+                <a:srgbClr val="FF6600"/>
+              </a:gs>
+              <a:gs pos="100000">
+                <a:schemeClr val="accent6">
+                  <a:lumMod val="60000"/>
+                  <a:lumOff val="40000"/>
+                </a:schemeClr>
+              </a:gs>
+            </a:gsLst>
+          </a:gradFill>
+        </p:spPr>
+        <p:style>
+          <a:lnRef idx="1">
+            <a:schemeClr val="accent1"/>
+          </a:lnRef>
+          <a:fillRef idx="3">
+            <a:schemeClr val="accent1"/>
+          </a:fillRef>
+          <a:effectRef idx="2">
+            <a:schemeClr val="accent1"/>
+          </a:effectRef>
+          <a:fontRef idx="minor">
+            <a:schemeClr val="lt1"/>
+          </a:fontRef>
+        </p:style>
+        <p:txBody>
+          <a:bodyPr rtlCol="0" anchor="ctr"/>
+          <a:lstStyle/>
+          <a:p>
+            <a:pPr algn="ctr"/>
+            <a:r>
+              <a:rPr kumimoji="1" lang="en-US" altLang="ja-JP" sz="1200" dirty="0" smtClean="0">
+                <a:latin typeface="ヒラギノ丸ゴ ProN W4"/>
+                <a:ea typeface="ヒラギノ丸ゴ ProN W4"/>
+                <a:cs typeface="ヒラギノ丸ゴ ProN W4"/>
+              </a:rPr>
+              <a:t>APP2</a:t>
+            </a:r>
+          </a:p>
+          <a:p>
+            <a:pPr algn="ctr"/>
+            <a:r>
+              <a:rPr lang="en-US" altLang="ja-JP" sz="1200" dirty="0" smtClean="0">
+                <a:latin typeface="ヒラギノ丸ゴ ProN W4"/>
+                <a:ea typeface="ヒラギノ丸ゴ ProN W4"/>
+                <a:cs typeface="ヒラギノ丸ゴ ProN W4"/>
+              </a:rPr>
+              <a:t>ffe2</a:t>
+            </a:r>
+            <a:endParaRPr kumimoji="1" lang="ja-JP" altLang="en-US" sz="1200" dirty="0">
               <a:latin typeface="ヒラギノ丸ゴ ProN W4"/>
               <a:ea typeface="ヒラギノ丸ゴ ProN W4"/>
               <a:cs typeface="ヒラギノ丸ゴ ProN W4"/>

--- a/content/2017/06/11/imicc.pptx
+++ b/content/2017/06/11/imicc.pptx
@@ -5,7 +5,7 @@
     <p:sldMasterId id="2147483648" r:id="rId1"/>
   </p:sldMasterIdLst>
   <p:notesMasterIdLst>
-    <p:notesMasterId r:id="rId10"/>
+    <p:notesMasterId r:id="rId12"/>
   </p:notesMasterIdLst>
   <p:sldIdLst>
     <p:sldId id="256" r:id="rId2"/>
@@ -13,9 +13,11 @@
     <p:sldId id="258" r:id="rId4"/>
     <p:sldId id="260" r:id="rId5"/>
     <p:sldId id="259" r:id="rId6"/>
-    <p:sldId id="263" r:id="rId7"/>
-    <p:sldId id="261" r:id="rId8"/>
-    <p:sldId id="262" r:id="rId9"/>
+    <p:sldId id="264" r:id="rId7"/>
+    <p:sldId id="263" r:id="rId8"/>
+    <p:sldId id="261" r:id="rId9"/>
+    <p:sldId id="262" r:id="rId10"/>
+    <p:sldId id="265" r:id="rId11"/>
   </p:sldIdLst>
   <p:sldSz cx="9144000" cy="6858000" type="screen4x3"/>
   <p:notesSz cx="6858000" cy="9144000"/>
@@ -199,7 +201,7 @@
           <a:p>
             <a:fld id="{63A57B92-2862-8A43-A19F-8AB1959CFD0E}" type="datetimeFigureOut">
               <a:rPr kumimoji="1" lang="ja-JP" altLang="en-US" smtClean="0"/>
-              <a:t>17/08/05</a:t>
+              <a:t>17/08/06</a:t>
             </a:fld>
             <a:endParaRPr kumimoji="1" lang="ja-JP" altLang="en-US"/>
           </a:p>
@@ -816,7 +818,7 @@
           <a:p>
             <a:fld id="{063EEBA0-F138-8A47-8AF2-8CE3D86DD42A}" type="slidenum">
               <a:rPr kumimoji="1" lang="ja-JP" altLang="en-US" smtClean="0"/>
-              <a:t>6</a:t>
+              <a:t>7</a:t>
             </a:fld>
             <a:endParaRPr kumimoji="1" lang="ja-JP" altLang="en-US"/>
           </a:p>
@@ -900,7 +902,7 @@
           <a:p>
             <a:fld id="{063EEBA0-F138-8A47-8AF2-8CE3D86DD42A}" type="slidenum">
               <a:rPr kumimoji="1" lang="ja-JP" altLang="en-US" smtClean="0"/>
-              <a:t>7</a:t>
+              <a:t>8</a:t>
             </a:fld>
             <a:endParaRPr kumimoji="1" lang="ja-JP" altLang="en-US"/>
           </a:p>
@@ -984,7 +986,7 @@
           <a:p>
             <a:fld id="{063EEBA0-F138-8A47-8AF2-8CE3D86DD42A}" type="slidenum">
               <a:rPr kumimoji="1" lang="ja-JP" altLang="en-US" smtClean="0"/>
-              <a:t>8</a:t>
+              <a:t>9</a:t>
             </a:fld>
             <a:endParaRPr kumimoji="1" lang="ja-JP" altLang="en-US"/>
           </a:p>
@@ -1184,7 +1186,7 @@
           <a:p>
             <a:fld id="{4F0558A2-0B0A-B14F-859A-4B528F94A5F2}" type="datetimeFigureOut">
               <a:rPr kumimoji="1" lang="ja-JP" altLang="en-US" smtClean="0"/>
-              <a:t>17/08/05</a:t>
+              <a:t>17/08/06</a:t>
             </a:fld>
             <a:endParaRPr kumimoji="1" lang="ja-JP" altLang="en-US"/>
           </a:p>
@@ -1386,7 +1388,7 @@
           <a:p>
             <a:fld id="{4F0558A2-0B0A-B14F-859A-4B528F94A5F2}" type="datetimeFigureOut">
               <a:rPr kumimoji="1" lang="ja-JP" altLang="en-US" smtClean="0"/>
-              <a:t>17/08/05</a:t>
+              <a:t>17/08/06</a:t>
             </a:fld>
             <a:endParaRPr kumimoji="1" lang="ja-JP" altLang="en-US"/>
           </a:p>
@@ -1598,7 +1600,7 @@
           <a:p>
             <a:fld id="{4F0558A2-0B0A-B14F-859A-4B528F94A5F2}" type="datetimeFigureOut">
               <a:rPr kumimoji="1" lang="ja-JP" altLang="en-US" smtClean="0"/>
-              <a:t>17/08/05</a:t>
+              <a:t>17/08/06</a:t>
             </a:fld>
             <a:endParaRPr kumimoji="1" lang="ja-JP" altLang="en-US"/>
           </a:p>
@@ -1800,7 +1802,7 @@
           <a:p>
             <a:fld id="{4F0558A2-0B0A-B14F-859A-4B528F94A5F2}" type="datetimeFigureOut">
               <a:rPr kumimoji="1" lang="ja-JP" altLang="en-US" smtClean="0"/>
-              <a:t>17/08/05</a:t>
+              <a:t>17/08/06</a:t>
             </a:fld>
             <a:endParaRPr kumimoji="1" lang="ja-JP" altLang="en-US"/>
           </a:p>
@@ -2046,7 +2048,7 @@
           <a:p>
             <a:fld id="{4F0558A2-0B0A-B14F-859A-4B528F94A5F2}" type="datetimeFigureOut">
               <a:rPr kumimoji="1" lang="ja-JP" altLang="en-US" smtClean="0"/>
-              <a:t>17/08/05</a:t>
+              <a:t>17/08/06</a:t>
             </a:fld>
             <a:endParaRPr kumimoji="1" lang="ja-JP" altLang="en-US"/>
           </a:p>
@@ -2398,7 +2400,7 @@
           <a:p>
             <a:fld id="{4F0558A2-0B0A-B14F-859A-4B528F94A5F2}" type="datetimeFigureOut">
               <a:rPr kumimoji="1" lang="ja-JP" altLang="en-US" smtClean="0"/>
-              <a:t>17/08/05</a:t>
+              <a:t>17/08/06</a:t>
             </a:fld>
             <a:endParaRPr kumimoji="1" lang="ja-JP" altLang="en-US"/>
           </a:p>
@@ -2884,7 +2886,7 @@
           <a:p>
             <a:fld id="{4F0558A2-0B0A-B14F-859A-4B528F94A5F2}" type="datetimeFigureOut">
               <a:rPr kumimoji="1" lang="ja-JP" altLang="en-US" smtClean="0"/>
-              <a:t>17/08/05</a:t>
+              <a:t>17/08/06</a:t>
             </a:fld>
             <a:endParaRPr kumimoji="1" lang="ja-JP" altLang="en-US"/>
           </a:p>
@@ -3002,7 +3004,7 @@
           <a:p>
             <a:fld id="{4F0558A2-0B0A-B14F-859A-4B528F94A5F2}" type="datetimeFigureOut">
               <a:rPr kumimoji="1" lang="ja-JP" altLang="en-US" smtClean="0"/>
-              <a:t>17/08/05</a:t>
+              <a:t>17/08/06</a:t>
             </a:fld>
             <a:endParaRPr kumimoji="1" lang="ja-JP" altLang="en-US"/>
           </a:p>
@@ -3097,7 +3099,7 @@
           <a:p>
             <a:fld id="{4F0558A2-0B0A-B14F-859A-4B528F94A5F2}" type="datetimeFigureOut">
               <a:rPr kumimoji="1" lang="ja-JP" altLang="en-US" smtClean="0"/>
-              <a:t>17/08/05</a:t>
+              <a:t>17/08/06</a:t>
             </a:fld>
             <a:endParaRPr kumimoji="1" lang="ja-JP" altLang="en-US"/>
           </a:p>
@@ -3406,7 +3408,7 @@
           <a:p>
             <a:fld id="{4F0558A2-0B0A-B14F-859A-4B528F94A5F2}" type="datetimeFigureOut">
               <a:rPr kumimoji="1" lang="ja-JP" altLang="en-US" smtClean="0"/>
-              <a:t>17/08/05</a:t>
+              <a:t>17/08/06</a:t>
             </a:fld>
             <a:endParaRPr kumimoji="1" lang="ja-JP" altLang="en-US"/>
           </a:p>
@@ -3659,7 +3661,7 @@
           <a:p>
             <a:fld id="{4F0558A2-0B0A-B14F-859A-4B528F94A5F2}" type="datetimeFigureOut">
               <a:rPr kumimoji="1" lang="ja-JP" altLang="en-US" smtClean="0"/>
-              <a:t>17/08/05</a:t>
+              <a:t>17/08/06</a:t>
             </a:fld>
             <a:endParaRPr kumimoji="1" lang="ja-JP" altLang="en-US"/>
           </a:p>
@@ -3904,7 +3906,7 @@
           <a:p>
             <a:fld id="{4F0558A2-0B0A-B14F-859A-4B528F94A5F2}" type="datetimeFigureOut">
               <a:rPr kumimoji="1" lang="ja-JP" altLang="en-US" smtClean="0"/>
-              <a:t>17/08/05</a:t>
+              <a:t>17/08/06</a:t>
             </a:fld>
             <a:endParaRPr kumimoji="1" lang="ja-JP" altLang="en-US"/>
           </a:p>
@@ -4358,6 +4360,36 @@
 </p:sld>
 </file>
 
+<file path=ppt/slides/slide10.xml><?xml version="1.0" encoding="utf-8"?>
+<p:sld xmlns:a="http://schemas.openxmlformats.org/drawingml/2006/main" xmlns:r="http://schemas.openxmlformats.org/officeDocument/2006/relationships" xmlns:p="http://schemas.openxmlformats.org/presentationml/2006/main">
+  <p:cSld>
+    <p:spTree>
+      <p:nvGrpSpPr>
+        <p:cNvPr id="1" name=""/>
+        <p:cNvGrpSpPr/>
+        <p:nvPr/>
+      </p:nvGrpSpPr>
+      <p:grpSpPr>
+        <a:xfrm>
+          <a:off x="0" y="0"/>
+          <a:ext cx="0" cy="0"/>
+          <a:chOff x="0" y="0"/>
+          <a:chExt cx="0" cy="0"/>
+        </a:xfrm>
+      </p:grpSpPr>
+    </p:spTree>
+    <p:extLst>
+      <p:ext uri="{BB962C8B-B14F-4D97-AF65-F5344CB8AC3E}">
+        <p14:creationId xmlns:p14="http://schemas.microsoft.com/office/powerpoint/2010/main" val="2660339497"/>
+      </p:ext>
+    </p:extLst>
+  </p:cSld>
+  <p:clrMapOvr>
+    <a:masterClrMapping/>
+  </p:clrMapOvr>
+</p:sld>
+</file>
+
 <file path=ppt/slides/slide2.xml><?xml version="1.0" encoding="utf-8"?>
 <p:sld xmlns:a="http://schemas.openxmlformats.org/drawingml/2006/main" xmlns:r="http://schemas.openxmlformats.org/officeDocument/2006/relationships" xmlns:p="http://schemas.openxmlformats.org/presentationml/2006/main">
   <p:cSld>
@@ -4390,7 +4422,7 @@
           <a:bodyPr/>
           <a:lstStyle/>
           <a:p>
-            <a:endParaRPr kumimoji="1" lang="ja-JP" altLang="en-US"/>
+            <a:endParaRPr kumimoji="1" lang="ja-JP" altLang="en-US" dirty="0"/>
           </a:p>
         </p:txBody>
       </p:sp>
@@ -4856,7 +4888,7 @@
       </p:sp>
       <p:pic>
         <p:nvPicPr>
-          <p:cNvPr id="8" name="図 7" descr="lena_std.png"/>
+          <p:cNvPr id="10" name="図 9" descr="saitama1-1.png"/>
           <p:cNvPicPr>
             <a:picLocks noChangeAspect="1"/>
           </p:cNvPicPr>
@@ -4876,8 +4908,8 @@
         </p:blipFill>
         <p:spPr>
           <a:xfrm>
-            <a:off x="4445297" y="3224701"/>
-            <a:ext cx="891502" cy="891502"/>
+            <a:off x="4370275" y="3382494"/>
+            <a:ext cx="1036206" cy="588297"/>
           </a:xfrm>
           <a:prstGeom prst="rect">
             <a:avLst/>
@@ -5611,6 +5643,36 @@
           </a:p>
         </p:txBody>
       </p:sp>
+      <p:pic>
+        <p:nvPicPr>
+          <p:cNvPr id="15" name="図 14" descr="saitama2-2.png"/>
+          <p:cNvPicPr>
+            <a:picLocks noChangeAspect="1"/>
+          </p:cNvPicPr>
+          <p:nvPr/>
+        </p:nvPicPr>
+        <p:blipFill>
+          <a:blip r:embed="rId3">
+            <a:extLst>
+              <a:ext uri="{28A0092B-C50C-407E-A947-70E740481C1C}">
+                <a14:useLocalDpi xmlns:a14="http://schemas.microsoft.com/office/drawing/2010/main" val="0"/>
+              </a:ext>
+            </a:extLst>
+          </a:blip>
+          <a:stretch>
+            <a:fillRect/>
+          </a:stretch>
+        </p:blipFill>
+        <p:spPr>
+          <a:xfrm>
+            <a:off x="4462876" y="2803305"/>
+            <a:ext cx="614663" cy="1082647"/>
+          </a:xfrm>
+          <a:prstGeom prst="rect">
+            <a:avLst/>
+          </a:prstGeom>
+        </p:spPr>
+      </p:pic>
     </p:spTree>
     <p:extLst>
       <p:ext uri="{BB962C8B-B14F-4D97-AF65-F5344CB8AC3E}">
@@ -6497,6 +6559,36 @@
           </a:p>
         </p:txBody>
       </p:sp>
+      <p:pic>
+        <p:nvPicPr>
+          <p:cNvPr id="10" name="図 9" descr="saitama2-1.png"/>
+          <p:cNvPicPr>
+            <a:picLocks noChangeAspect="1"/>
+          </p:cNvPicPr>
+          <p:nvPr/>
+        </p:nvPicPr>
+        <p:blipFill>
+          <a:blip r:embed="rId3">
+            <a:extLst>
+              <a:ext uri="{28A0092B-C50C-407E-A947-70E740481C1C}">
+                <a14:useLocalDpi xmlns:a14="http://schemas.microsoft.com/office/drawing/2010/main" val="0"/>
+              </a:ext>
+            </a:extLst>
+          </a:blip>
+          <a:stretch>
+            <a:fillRect/>
+          </a:stretch>
+        </p:blipFill>
+        <p:spPr>
+          <a:xfrm>
+            <a:off x="4133822" y="2764145"/>
+            <a:ext cx="1264447" cy="717880"/>
+          </a:xfrm>
+          <a:prstGeom prst="rect">
+            <a:avLst/>
+          </a:prstGeom>
+        </p:spPr>
+      </p:pic>
     </p:spTree>
     <p:extLst>
       <p:ext uri="{BB962C8B-B14F-4D97-AF65-F5344CB8AC3E}">
@@ -7290,6 +7382,36 @@
           </a:p>
         </p:txBody>
       </p:sp>
+      <p:pic>
+        <p:nvPicPr>
+          <p:cNvPr id="15" name="図 14" descr="saitama2-2.png"/>
+          <p:cNvPicPr>
+            <a:picLocks noChangeAspect="1"/>
+          </p:cNvPicPr>
+          <p:nvPr/>
+        </p:nvPicPr>
+        <p:blipFill>
+          <a:blip r:embed="rId3">
+            <a:extLst>
+              <a:ext uri="{28A0092B-C50C-407E-A947-70E740481C1C}">
+                <a14:useLocalDpi xmlns:a14="http://schemas.microsoft.com/office/drawing/2010/main" val="0"/>
+              </a:ext>
+            </a:extLst>
+          </a:blip>
+          <a:stretch>
+            <a:fillRect/>
+          </a:stretch>
+        </p:blipFill>
+        <p:spPr>
+          <a:xfrm>
+            <a:off x="4462876" y="2803305"/>
+            <a:ext cx="614663" cy="1082647"/>
+          </a:xfrm>
+          <a:prstGeom prst="rect">
+            <a:avLst/>
+          </a:prstGeom>
+        </p:spPr>
+      </p:pic>
     </p:spTree>
     <p:extLst>
       <p:ext uri="{BB962C8B-B14F-4D97-AF65-F5344CB8AC3E}">
@@ -7304,6 +7426,260 @@
 </file>
 
 <file path=ppt/slides/slide6.xml><?xml version="1.0" encoding="utf-8"?>
+<p:sld xmlns:a="http://schemas.openxmlformats.org/drawingml/2006/main" xmlns:r="http://schemas.openxmlformats.org/officeDocument/2006/relationships" xmlns:p="http://schemas.openxmlformats.org/presentationml/2006/main">
+  <p:cSld>
+    <p:spTree>
+      <p:nvGrpSpPr>
+        <p:cNvPr id="1" name=""/>
+        <p:cNvGrpSpPr/>
+        <p:nvPr/>
+      </p:nvGrpSpPr>
+      <p:grpSpPr>
+        <a:xfrm>
+          <a:off x="0" y="0"/>
+          <a:ext cx="0" cy="0"/>
+          <a:chOff x="0" y="0"/>
+          <a:chExt cx="0" cy="0"/>
+        </a:xfrm>
+      </p:grpSpPr>
+      <p:sp>
+        <p:nvSpPr>
+          <p:cNvPr id="2" name="タイトル 1"/>
+          <p:cNvSpPr>
+            <a:spLocks noGrp="1"/>
+          </p:cNvSpPr>
+          <p:nvPr>
+            <p:ph type="title"/>
+          </p:nvPr>
+        </p:nvSpPr>
+        <p:spPr/>
+        <p:txBody>
+          <a:bodyPr/>
+          <a:lstStyle/>
+          <a:p>
+            <a:endParaRPr kumimoji="1" lang="ja-JP" altLang="en-US" dirty="0"/>
+          </a:p>
+        </p:txBody>
+      </p:sp>
+      <p:sp>
+        <p:nvSpPr>
+          <p:cNvPr id="3" name="コンテンツ プレースホルダー 2"/>
+          <p:cNvSpPr>
+            <a:spLocks noGrp="1"/>
+          </p:cNvSpPr>
+          <p:nvPr>
+            <p:ph idx="1"/>
+          </p:nvPr>
+        </p:nvSpPr>
+        <p:spPr/>
+        <p:txBody>
+          <a:bodyPr/>
+          <a:lstStyle/>
+          <a:p>
+            <a:endParaRPr kumimoji="1" lang="ja-JP" altLang="en-US" dirty="0"/>
+          </a:p>
+        </p:txBody>
+      </p:sp>
+      <p:pic>
+        <p:nvPicPr>
+          <p:cNvPr id="8" name="図 7"/>
+          <p:cNvPicPr>
+            <a:picLocks noChangeAspect="1"/>
+          </p:cNvPicPr>
+          <p:nvPr/>
+        </p:nvPicPr>
+        <p:blipFill>
+          <a:blip r:embed="rId2"/>
+          <a:stretch>
+            <a:fillRect/>
+          </a:stretch>
+        </p:blipFill>
+        <p:spPr>
+          <a:xfrm>
+            <a:off x="1615440" y="1945640"/>
+            <a:ext cx="5052060" cy="4057193"/>
+          </a:xfrm>
+          <a:prstGeom prst="rect">
+            <a:avLst/>
+          </a:prstGeom>
+        </p:spPr>
+      </p:pic>
+      <p:sp>
+        <p:nvSpPr>
+          <p:cNvPr id="9" name="円形吹き出し 8"/>
+          <p:cNvSpPr/>
+          <p:nvPr/>
+        </p:nvSpPr>
+        <p:spPr>
+          <a:xfrm>
+            <a:off x="4947160" y="2336799"/>
+            <a:ext cx="1626360" cy="1503681"/>
+          </a:xfrm>
+          <a:prstGeom prst="wedgeEllipseCallout">
+            <a:avLst>
+              <a:gd name="adj1" fmla="val -29540"/>
+              <a:gd name="adj2" fmla="val 139101"/>
+            </a:avLst>
+          </a:prstGeom>
+          <a:gradFill flip="none" rotWithShape="1">
+            <a:gsLst>
+              <a:gs pos="58000">
+                <a:schemeClr val="accent6">
+                  <a:lumMod val="40000"/>
+                  <a:lumOff val="60000"/>
+                </a:schemeClr>
+              </a:gs>
+              <a:gs pos="0">
+                <a:schemeClr val="accent6">
+                  <a:lumMod val="40000"/>
+                  <a:lumOff val="60000"/>
+                </a:schemeClr>
+              </a:gs>
+              <a:gs pos="90000">
+                <a:schemeClr val="accent6">
+                  <a:lumMod val="60000"/>
+                  <a:lumOff val="40000"/>
+                </a:schemeClr>
+              </a:gs>
+            </a:gsLst>
+            <a:path path="circle">
+              <a:fillToRect l="50000" t="50000" r="50000" b="50000"/>
+            </a:path>
+            <a:tileRect/>
+          </a:gradFill>
+        </p:spPr>
+        <p:style>
+          <a:lnRef idx="1">
+            <a:schemeClr val="accent1"/>
+          </a:lnRef>
+          <a:fillRef idx="3">
+            <a:schemeClr val="accent1"/>
+          </a:fillRef>
+          <a:effectRef idx="2">
+            <a:schemeClr val="accent1"/>
+          </a:effectRef>
+          <a:fontRef idx="minor">
+            <a:schemeClr val="lt1"/>
+          </a:fontRef>
+        </p:style>
+        <p:txBody>
+          <a:bodyPr wrap="none" rtlCol="0" anchor="ctr"/>
+          <a:lstStyle/>
+          <a:p>
+            <a:pPr algn="ctr"/>
+            <a:r>
+              <a:rPr kumimoji="1" lang="ja-JP" altLang="en-US" sz="1600" dirty="0" smtClean="0">
+                <a:solidFill>
+                  <a:srgbClr val="000000"/>
+                </a:solidFill>
+                <a:latin typeface="ヒラギノ丸ゴ ProN W4"/>
+                <a:ea typeface="ヒラギノ丸ゴ ProN W4"/>
+                <a:cs typeface="ヒラギノ丸ゴ ProN W4"/>
+              </a:rPr>
+              <a:t>これだけを</a:t>
+            </a:r>
+            <a:endParaRPr kumimoji="1" lang="en-US" altLang="ja-JP" sz="1600" dirty="0" smtClean="0">
+              <a:solidFill>
+                <a:srgbClr val="000000"/>
+              </a:solidFill>
+              <a:latin typeface="ヒラギノ丸ゴ ProN W4"/>
+              <a:ea typeface="ヒラギノ丸ゴ ProN W4"/>
+              <a:cs typeface="ヒラギノ丸ゴ ProN W4"/>
+            </a:endParaRPr>
+          </a:p>
+          <a:p>
+            <a:pPr algn="ctr"/>
+            <a:r>
+              <a:rPr kumimoji="1" lang="ja-JP" altLang="en-US" sz="1600" dirty="0" smtClean="0">
+                <a:solidFill>
+                  <a:srgbClr val="000000"/>
+                </a:solidFill>
+                <a:latin typeface="ヒラギノ丸ゴ ProN W4"/>
+                <a:ea typeface="ヒラギノ丸ゴ ProN W4"/>
+                <a:cs typeface="ヒラギノ丸ゴ ProN W4"/>
+              </a:rPr>
+              <a:t>消すと</a:t>
+            </a:r>
+            <a:endParaRPr kumimoji="1" lang="en-US" altLang="ja-JP" sz="1600" dirty="0" smtClean="0">
+              <a:solidFill>
+                <a:srgbClr val="000000"/>
+              </a:solidFill>
+              <a:latin typeface="ヒラギノ丸ゴ ProN W4"/>
+              <a:ea typeface="ヒラギノ丸ゴ ProN W4"/>
+              <a:cs typeface="ヒラギノ丸ゴ ProN W4"/>
+            </a:endParaRPr>
+          </a:p>
+          <a:p>
+            <a:pPr algn="ctr"/>
+            <a:r>
+              <a:rPr lang="ja-JP" altLang="en-US" sz="1600" dirty="0" smtClean="0">
+                <a:solidFill>
+                  <a:srgbClr val="000000"/>
+                </a:solidFill>
+                <a:latin typeface="ヒラギノ丸ゴ ProN W4"/>
+                <a:ea typeface="ヒラギノ丸ゴ ProN W4"/>
+                <a:cs typeface="ヒラギノ丸ゴ ProN W4"/>
+              </a:rPr>
+              <a:t>画像を回転</a:t>
+            </a:r>
+            <a:endParaRPr lang="en-US" altLang="ja-JP" sz="1600" dirty="0" smtClean="0">
+              <a:solidFill>
+                <a:srgbClr val="000000"/>
+              </a:solidFill>
+              <a:latin typeface="ヒラギノ丸ゴ ProN W4"/>
+              <a:ea typeface="ヒラギノ丸ゴ ProN W4"/>
+              <a:cs typeface="ヒラギノ丸ゴ ProN W4"/>
+            </a:endParaRPr>
+          </a:p>
+          <a:p>
+            <a:pPr algn="ctr"/>
+            <a:r>
+              <a:rPr kumimoji="1" lang="ja-JP" altLang="en-US" sz="1600" dirty="0" smtClean="0">
+                <a:solidFill>
+                  <a:srgbClr val="000000"/>
+                </a:solidFill>
+                <a:latin typeface="ヒラギノ丸ゴ ProN W4"/>
+                <a:ea typeface="ヒラギノ丸ゴ ProN W4"/>
+                <a:cs typeface="ヒラギノ丸ゴ ProN W4"/>
+              </a:rPr>
+              <a:t>できな</a:t>
+            </a:r>
+            <a:r>
+              <a:rPr lang="ja-JP" altLang="en-US" sz="1600" dirty="0" smtClean="0">
+                <a:solidFill>
+                  <a:srgbClr val="000000"/>
+                </a:solidFill>
+                <a:latin typeface="ヒラギノ丸ゴ ProN W4"/>
+                <a:ea typeface="ヒラギノ丸ゴ ProN W4"/>
+                <a:cs typeface="ヒラギノ丸ゴ ProN W4"/>
+              </a:rPr>
+              <a:t>くなる</a:t>
+            </a:r>
+            <a:endParaRPr kumimoji="1" lang="ja-JP" altLang="en-US" sz="1600" dirty="0">
+              <a:solidFill>
+                <a:srgbClr val="000000"/>
+              </a:solidFill>
+              <a:latin typeface="ヒラギノ丸ゴ ProN W4"/>
+              <a:ea typeface="ヒラギノ丸ゴ ProN W4"/>
+              <a:cs typeface="ヒラギノ丸ゴ ProN W4"/>
+            </a:endParaRPr>
+          </a:p>
+        </p:txBody>
+      </p:sp>
+    </p:spTree>
+    <p:extLst>
+      <p:ext uri="{BB962C8B-B14F-4D97-AF65-F5344CB8AC3E}">
+        <p14:creationId xmlns:p14="http://schemas.microsoft.com/office/powerpoint/2010/main" val="3500188881"/>
+      </p:ext>
+    </p:extLst>
+  </p:cSld>
+  <p:clrMapOvr>
+    <a:masterClrMapping/>
+  </p:clrMapOvr>
+</p:sld>
+</file>
+
+<file path=ppt/slides/slide7.xml><?xml version="1.0" encoding="utf-8"?>
 <p:sld xmlns:a="http://schemas.openxmlformats.org/drawingml/2006/main" xmlns:r="http://schemas.openxmlformats.org/officeDocument/2006/relationships" xmlns:p="http://schemas.openxmlformats.org/presentationml/2006/main">
   <p:cSld>
     <p:spTree>
@@ -8172,6 +8548,36 @@
           </a:p>
         </p:txBody>
       </p:sp>
+      <p:pic>
+        <p:nvPicPr>
+          <p:cNvPr id="18" name="図 17" descr="saitama2-1.png"/>
+          <p:cNvPicPr>
+            <a:picLocks noChangeAspect="1"/>
+          </p:cNvPicPr>
+          <p:nvPr/>
+        </p:nvPicPr>
+        <p:blipFill>
+          <a:blip r:embed="rId3">
+            <a:extLst>
+              <a:ext uri="{28A0092B-C50C-407E-A947-70E740481C1C}">
+                <a14:useLocalDpi xmlns:a14="http://schemas.microsoft.com/office/drawing/2010/main" val="0"/>
+              </a:ext>
+            </a:extLst>
+          </a:blip>
+          <a:stretch>
+            <a:fillRect/>
+          </a:stretch>
+        </p:blipFill>
+        <p:spPr>
+          <a:xfrm>
+            <a:off x="4616896" y="2767978"/>
+            <a:ext cx="1264447" cy="717880"/>
+          </a:xfrm>
+          <a:prstGeom prst="rect">
+            <a:avLst/>
+          </a:prstGeom>
+        </p:spPr>
+      </p:pic>
     </p:spTree>
     <p:extLst>
       <p:ext uri="{BB962C8B-B14F-4D97-AF65-F5344CB8AC3E}">
@@ -8185,7 +8591,7 @@
 </p:sld>
 </file>
 
-<file path=ppt/slides/slide7.xml><?xml version="1.0" encoding="utf-8"?>
+<file path=ppt/slides/slide8.xml><?xml version="1.0" encoding="utf-8"?>
 <p:sld xmlns:a="http://schemas.openxmlformats.org/drawingml/2006/main" xmlns:r="http://schemas.openxmlformats.org/officeDocument/2006/relationships" xmlns:p="http://schemas.openxmlformats.org/presentationml/2006/main">
   <p:cSld>
     <p:spTree>
@@ -9054,6 +9460,36 @@
           </a:p>
         </p:txBody>
       </p:sp>
+      <p:pic>
+        <p:nvPicPr>
+          <p:cNvPr id="17" name="図 16" descr="saitama2-1.png"/>
+          <p:cNvPicPr>
+            <a:picLocks noChangeAspect="1"/>
+          </p:cNvPicPr>
+          <p:nvPr/>
+        </p:nvPicPr>
+        <p:blipFill>
+          <a:blip r:embed="rId3">
+            <a:extLst>
+              <a:ext uri="{28A0092B-C50C-407E-A947-70E740481C1C}">
+                <a14:useLocalDpi xmlns:a14="http://schemas.microsoft.com/office/drawing/2010/main" val="0"/>
+              </a:ext>
+            </a:extLst>
+          </a:blip>
+          <a:stretch>
+            <a:fillRect/>
+          </a:stretch>
+        </p:blipFill>
+        <p:spPr>
+          <a:xfrm>
+            <a:off x="4341746" y="2845921"/>
+            <a:ext cx="1264447" cy="717880"/>
+          </a:xfrm>
+          <a:prstGeom prst="rect">
+            <a:avLst/>
+          </a:prstGeom>
+        </p:spPr>
+      </p:pic>
     </p:spTree>
     <p:extLst>
       <p:ext uri="{BB962C8B-B14F-4D97-AF65-F5344CB8AC3E}">
@@ -9067,7 +9503,7 @@
 </p:sld>
 </file>
 
-<file path=ppt/slides/slide8.xml><?xml version="1.0" encoding="utf-8"?>
+<file path=ppt/slides/slide9.xml><?xml version="1.0" encoding="utf-8"?>
 <p:sld xmlns:a="http://schemas.openxmlformats.org/drawingml/2006/main" xmlns:r="http://schemas.openxmlformats.org/officeDocument/2006/relationships" xmlns:p="http://schemas.openxmlformats.org/presentationml/2006/main">
   <p:cSld>
     <p:spTree>
@@ -9871,13 +10307,15 @@
       <p:cxnSp>
         <p:nvCxnSpPr>
           <p:cNvPr id="15" name="直線矢印コネクタ 14"/>
-          <p:cNvCxnSpPr/>
+          <p:cNvCxnSpPr>
+            <a:stCxn id="14" idx="6"/>
+          </p:cNvCxnSpPr>
           <p:nvPr/>
         </p:nvCxnSpPr>
         <p:spPr>
           <a:xfrm flipV="1">
-            <a:off x="3466007" y="3072637"/>
-            <a:ext cx="1928953" cy="1499363"/>
+            <a:off x="3270075" y="3072638"/>
+            <a:ext cx="2124885" cy="1541037"/>
           </a:xfrm>
           <a:prstGeom prst="straightConnector1">
             <a:avLst/>
@@ -9961,39 +10399,6 @@
           </a:p>
         </p:txBody>
       </p:sp>
-      <p:cxnSp>
-        <p:nvCxnSpPr>
-          <p:cNvPr id="17" name="直線矢印コネクタ 16"/>
-          <p:cNvCxnSpPr/>
-          <p:nvPr/>
-        </p:nvCxnSpPr>
-        <p:spPr>
-          <a:xfrm flipV="1">
-            <a:off x="3466007" y="3056111"/>
-            <a:ext cx="486233" cy="352725"/>
-          </a:xfrm>
-          <a:prstGeom prst="straightConnector1">
-            <a:avLst/>
-          </a:prstGeom>
-          <a:ln>
-            <a:tailEnd type="arrow"/>
-          </a:ln>
-        </p:spPr>
-        <p:style>
-          <a:lnRef idx="2">
-            <a:schemeClr val="accent1"/>
-          </a:lnRef>
-          <a:fillRef idx="0">
-            <a:schemeClr val="accent1"/>
-          </a:fillRef>
-          <a:effectRef idx="1">
-            <a:schemeClr val="accent1"/>
-          </a:effectRef>
-          <a:fontRef idx="minor">
-            <a:schemeClr val="tx1"/>
-          </a:fontRef>
-        </p:style>
-      </p:cxnSp>
       <p:sp>
         <p:nvSpPr>
           <p:cNvPr id="19" name="正方形/長方形 18"/>
@@ -10074,18 +10479,7 @@
                 <a:ea typeface="ヒラギノ丸ゴ ProN W4"/>
                 <a:cs typeface="ヒラギノ丸ゴ ProN W4"/>
               </a:rPr>
-              <a:t>に</a:t>
-            </a:r>
-            <a:r>
-              <a:rPr lang="ja-JP" altLang="en-US" dirty="0" smtClean="0">
-                <a:solidFill>
-                  <a:srgbClr val="000000"/>
-                </a:solidFill>
-                <a:latin typeface="ヒラギノ丸ゴ ProN W4"/>
-                <a:ea typeface="ヒラギノ丸ゴ ProN W4"/>
-                <a:cs typeface="ヒラギノ丸ゴ ProN W4"/>
-              </a:rPr>
-              <a:t>変換</a:t>
+              <a:t>に変換</a:t>
             </a:r>
             <a:endParaRPr kumimoji="1" lang="ja-JP" altLang="en-US" dirty="0">
               <a:solidFill>
@@ -10235,6 +10629,147 @@
               <a:ea typeface="ヒラギノ丸ゴ ProN W4"/>
               <a:cs typeface="ヒラギノ丸ゴ ProN W4"/>
             </a:endParaRPr>
+          </a:p>
+        </p:txBody>
+      </p:sp>
+      <p:pic>
+        <p:nvPicPr>
+          <p:cNvPr id="11" name="図 10" descr="saitama1-1.png"/>
+          <p:cNvPicPr>
+            <a:picLocks noChangeAspect="1"/>
+          </p:cNvPicPr>
+          <p:nvPr/>
+        </p:nvPicPr>
+        <p:blipFill>
+          <a:blip r:embed="rId3">
+            <a:extLst>
+              <a:ext uri="{28A0092B-C50C-407E-A947-70E740481C1C}">
+                <a14:useLocalDpi xmlns:a14="http://schemas.microsoft.com/office/drawing/2010/main" val="0"/>
+              </a:ext>
+            </a:extLst>
+          </a:blip>
+          <a:stretch>
+            <a:fillRect/>
+          </a:stretch>
+        </p:blipFill>
+        <p:spPr>
+          <a:xfrm>
+            <a:off x="4908698" y="1990574"/>
+            <a:ext cx="1036206" cy="588297"/>
+          </a:xfrm>
+          <a:prstGeom prst="rect">
+            <a:avLst/>
+          </a:prstGeom>
+        </p:spPr>
+      </p:pic>
+      <p:pic>
+        <p:nvPicPr>
+          <p:cNvPr id="21" name="図 20" descr="saitama2-1.png"/>
+          <p:cNvPicPr>
+            <a:picLocks noChangeAspect="1"/>
+          </p:cNvPicPr>
+          <p:nvPr/>
+        </p:nvPicPr>
+        <p:blipFill>
+          <a:blip r:embed="rId4">
+            <a:extLst>
+              <a:ext uri="{28A0092B-C50C-407E-A947-70E740481C1C}">
+                <a14:useLocalDpi xmlns:a14="http://schemas.microsoft.com/office/drawing/2010/main" val="0"/>
+              </a:ext>
+            </a:extLst>
+          </a:blip>
+          <a:stretch>
+            <a:fillRect/>
+          </a:stretch>
+        </p:blipFill>
+        <p:spPr>
+          <a:xfrm>
+            <a:off x="3719745" y="1972618"/>
+            <a:ext cx="1036205" cy="588297"/>
+          </a:xfrm>
+          <a:prstGeom prst="rect">
+            <a:avLst/>
+          </a:prstGeom>
+        </p:spPr>
+      </p:pic>
+      <p:cxnSp>
+        <p:nvCxnSpPr>
+          <p:cNvPr id="17" name="直線矢印コネクタ 16"/>
+          <p:cNvCxnSpPr/>
+          <p:nvPr/>
+        </p:nvCxnSpPr>
+        <p:spPr>
+          <a:xfrm flipV="1">
+            <a:off x="3270075" y="2539927"/>
+            <a:ext cx="1485875" cy="1010396"/>
+          </a:xfrm>
+          <a:prstGeom prst="straightConnector1">
+            <a:avLst/>
+          </a:prstGeom>
+          <a:ln>
+            <a:tailEnd type="arrow"/>
+          </a:ln>
+        </p:spPr>
+        <p:style>
+          <a:lnRef idx="2">
+            <a:schemeClr val="accent1"/>
+          </a:lnRef>
+          <a:fillRef idx="0">
+            <a:schemeClr val="accent1"/>
+          </a:fillRef>
+          <a:effectRef idx="1">
+            <a:schemeClr val="accent1"/>
+          </a:effectRef>
+          <a:fontRef idx="minor">
+            <a:schemeClr val="tx1"/>
+          </a:fontRef>
+        </p:style>
+      </p:cxnSp>
+      <p:sp>
+        <p:nvSpPr>
+          <p:cNvPr id="25" name="右矢印 24"/>
+          <p:cNvSpPr/>
+          <p:nvPr/>
+        </p:nvSpPr>
+        <p:spPr>
+          <a:xfrm>
+            <a:off x="4755950" y="2140462"/>
+            <a:ext cx="218020" cy="286770"/>
+          </a:xfrm>
+          <a:prstGeom prst="rightArrow">
+            <a:avLst/>
+          </a:prstGeom>
+          <a:solidFill>
+            <a:schemeClr val="bg1">
+              <a:lumMod val="85000"/>
+            </a:schemeClr>
+          </a:solidFill>
+          <a:ln>
+            <a:solidFill>
+              <a:schemeClr val="tx1"/>
+            </a:solidFill>
+          </a:ln>
+        </p:spPr>
+        <p:style>
+          <a:lnRef idx="1">
+            <a:schemeClr val="accent1"/>
+          </a:lnRef>
+          <a:fillRef idx="3">
+            <a:schemeClr val="accent1"/>
+          </a:fillRef>
+          <a:effectRef idx="2">
+            <a:schemeClr val="accent1"/>
+          </a:effectRef>
+          <a:fontRef idx="minor">
+            <a:schemeClr val="lt1"/>
+          </a:fontRef>
+        </p:style>
+        <p:txBody>
+          <a:bodyPr rtlCol="0" anchor="ctr"/>
+          <a:lstStyle/>
+          <a:p>
+            <a:pPr algn="ctr"/>
+            <a:endParaRPr kumimoji="1" lang="ja-JP" altLang="en-US"/>
           </a:p>
         </p:txBody>
       </p:sp>

--- a/content/2017/06/11/imicc.pptx
+++ b/content/2017/06/11/imicc.pptx
@@ -5,19 +5,20 @@
     <p:sldMasterId id="2147483648" r:id="rId1"/>
   </p:sldMasterIdLst>
   <p:notesMasterIdLst>
-    <p:notesMasterId r:id="rId12"/>
+    <p:notesMasterId r:id="rId13"/>
   </p:notesMasterIdLst>
   <p:sldIdLst>
     <p:sldId id="256" r:id="rId2"/>
     <p:sldId id="257" r:id="rId3"/>
     <p:sldId id="258" r:id="rId4"/>
     <p:sldId id="260" r:id="rId5"/>
-    <p:sldId id="259" r:id="rId6"/>
-    <p:sldId id="264" r:id="rId7"/>
-    <p:sldId id="263" r:id="rId8"/>
-    <p:sldId id="261" r:id="rId9"/>
-    <p:sldId id="262" r:id="rId10"/>
-    <p:sldId id="265" r:id="rId11"/>
+    <p:sldId id="266" r:id="rId6"/>
+    <p:sldId id="259" r:id="rId7"/>
+    <p:sldId id="264" r:id="rId8"/>
+    <p:sldId id="263" r:id="rId9"/>
+    <p:sldId id="261" r:id="rId10"/>
+    <p:sldId id="262" r:id="rId11"/>
+    <p:sldId id="265" r:id="rId12"/>
   </p:sldIdLst>
   <p:sldSz cx="9144000" cy="6858000" type="screen4x3"/>
   <p:notesSz cx="6858000" cy="9144000"/>
@@ -818,7 +819,7 @@
           <a:p>
             <a:fld id="{063EEBA0-F138-8A47-8AF2-8CE3D86DD42A}" type="slidenum">
               <a:rPr kumimoji="1" lang="ja-JP" altLang="en-US" smtClean="0"/>
-              <a:t>7</a:t>
+              <a:t>6</a:t>
             </a:fld>
             <a:endParaRPr kumimoji="1" lang="ja-JP" altLang="en-US"/>
           </a:p>
@@ -987,6 +988,90 @@
             <a:fld id="{063EEBA0-F138-8A47-8AF2-8CE3D86DD42A}" type="slidenum">
               <a:rPr kumimoji="1" lang="ja-JP" altLang="en-US" smtClean="0"/>
               <a:t>9</a:t>
+            </a:fld>
+            <a:endParaRPr kumimoji="1" lang="ja-JP" altLang="en-US"/>
+          </a:p>
+        </p:txBody>
+      </p:sp>
+    </p:spTree>
+    <p:extLst>
+      <p:ext uri="{BB962C8B-B14F-4D97-AF65-F5344CB8AC3E}">
+        <p14:creationId xmlns:p14="http://schemas.microsoft.com/office/powerpoint/2010/main" val="388761849"/>
+      </p:ext>
+    </p:extLst>
+  </p:cSld>
+  <p:clrMapOvr>
+    <a:masterClrMapping/>
+  </p:clrMapOvr>
+</p:notes>
+</file>
+
+<file path=ppt/notesSlides/notesSlide7.xml><?xml version="1.0" encoding="utf-8"?>
+<p:notes xmlns:a="http://schemas.openxmlformats.org/drawingml/2006/main" xmlns:r="http://schemas.openxmlformats.org/officeDocument/2006/relationships" xmlns:p="http://schemas.openxmlformats.org/presentationml/2006/main">
+  <p:cSld>
+    <p:spTree>
+      <p:nvGrpSpPr>
+        <p:cNvPr id="1" name=""/>
+        <p:cNvGrpSpPr/>
+        <p:nvPr/>
+      </p:nvGrpSpPr>
+      <p:grpSpPr>
+        <a:xfrm>
+          <a:off x="0" y="0"/>
+          <a:ext cx="0" cy="0"/>
+          <a:chOff x="0" y="0"/>
+          <a:chExt cx="0" cy="0"/>
+        </a:xfrm>
+      </p:grpSpPr>
+      <p:sp>
+        <p:nvSpPr>
+          <p:cNvPr id="2" name="スライド イメージ プレースホルダー 1"/>
+          <p:cNvSpPr>
+            <a:spLocks noGrp="1" noRot="1" noChangeAspect="1"/>
+          </p:cNvSpPr>
+          <p:nvPr>
+            <p:ph type="sldImg"/>
+          </p:nvPr>
+        </p:nvSpPr>
+        <p:spPr/>
+      </p:sp>
+      <p:sp>
+        <p:nvSpPr>
+          <p:cNvPr id="3" name="ノート プレースホルダー 2"/>
+          <p:cNvSpPr>
+            <a:spLocks noGrp="1"/>
+          </p:cNvSpPr>
+          <p:nvPr>
+            <p:ph type="body" idx="1"/>
+          </p:nvPr>
+        </p:nvSpPr>
+        <p:spPr/>
+        <p:txBody>
+          <a:bodyPr/>
+          <a:lstStyle/>
+          <a:p>
+            <a:endParaRPr kumimoji="1" lang="ja-JP" altLang="en-US" dirty="0"/>
+          </a:p>
+        </p:txBody>
+      </p:sp>
+      <p:sp>
+        <p:nvSpPr>
+          <p:cNvPr id="4" name="スライド番号プレースホルダー 3"/>
+          <p:cNvSpPr>
+            <a:spLocks noGrp="1"/>
+          </p:cNvSpPr>
+          <p:nvPr>
+            <p:ph type="sldNum" sz="quarter" idx="10"/>
+          </p:nvPr>
+        </p:nvSpPr>
+        <p:spPr/>
+        <p:txBody>
+          <a:bodyPr/>
+          <a:lstStyle/>
+          <a:p>
+            <a:fld id="{063EEBA0-F138-8A47-8AF2-8CE3D86DD42A}" type="slidenum">
+              <a:rPr kumimoji="1" lang="ja-JP" altLang="en-US" smtClean="0"/>
+              <a:t>10</a:t>
             </a:fld>
             <a:endParaRPr kumimoji="1" lang="ja-JP" altLang="en-US"/>
           </a:p>
@@ -4377,6 +4462,1289 @@
           <a:chExt cx="0" cy="0"/>
         </a:xfrm>
       </p:grpSpPr>
+      <p:sp>
+        <p:nvSpPr>
+          <p:cNvPr id="2" name="タイトル 1"/>
+          <p:cNvSpPr>
+            <a:spLocks noGrp="1"/>
+          </p:cNvSpPr>
+          <p:nvPr>
+            <p:ph type="title"/>
+          </p:nvPr>
+        </p:nvSpPr>
+        <p:spPr/>
+        <p:txBody>
+          <a:bodyPr/>
+          <a:lstStyle/>
+          <a:p>
+            <a:r>
+              <a:rPr lang="en-US" altLang="ja-JP" dirty="0" smtClean="0"/>
+              <a:t>orient </a:t>
+            </a:r>
+            <a:r>
+              <a:rPr lang="ja-JP" altLang="en-US" dirty="0" smtClean="0"/>
+              <a:t>と</a:t>
+            </a:r>
+            <a:r>
+              <a:rPr lang="en-US" altLang="ja-JP" dirty="0" smtClean="0"/>
+              <a:t> ICC </a:t>
+            </a:r>
+            <a:r>
+              <a:rPr lang="ja-JP" altLang="en-US" dirty="0" smtClean="0"/>
+              <a:t>を反映</a:t>
+            </a:r>
+            <a:endParaRPr kumimoji="1" lang="ja-JP" altLang="en-US" dirty="0"/>
+          </a:p>
+        </p:txBody>
+      </p:sp>
+      <p:sp>
+        <p:nvSpPr>
+          <p:cNvPr id="3" name="コンテンツ プレースホルダー 2"/>
+          <p:cNvSpPr>
+            <a:spLocks noGrp="1"/>
+          </p:cNvSpPr>
+          <p:nvPr>
+            <p:ph idx="1"/>
+          </p:nvPr>
+        </p:nvSpPr>
+        <p:spPr/>
+        <p:txBody>
+          <a:bodyPr/>
+          <a:lstStyle/>
+          <a:p>
+            <a:endParaRPr kumimoji="1" lang="ja-JP" altLang="en-US" dirty="0"/>
+          </a:p>
+        </p:txBody>
+      </p:sp>
+      <p:sp>
+        <p:nvSpPr>
+          <p:cNvPr id="4" name="正方形/長方形 3"/>
+          <p:cNvSpPr/>
+          <p:nvPr/>
+        </p:nvSpPr>
+        <p:spPr>
+          <a:xfrm>
+            <a:off x="962787" y="2253156"/>
+            <a:ext cx="4918555" cy="802955"/>
+          </a:xfrm>
+          <a:prstGeom prst="rect">
+            <a:avLst/>
+          </a:prstGeom>
+          <a:gradFill>
+            <a:gsLst>
+              <a:gs pos="0">
+                <a:srgbClr val="FF6600"/>
+              </a:gs>
+              <a:gs pos="100000">
+                <a:schemeClr val="accent6">
+                  <a:lumMod val="60000"/>
+                  <a:lumOff val="40000"/>
+                </a:schemeClr>
+              </a:gs>
+            </a:gsLst>
+          </a:gradFill>
+        </p:spPr>
+        <p:style>
+          <a:lnRef idx="1">
+            <a:schemeClr val="accent1"/>
+          </a:lnRef>
+          <a:fillRef idx="3">
+            <a:schemeClr val="accent1"/>
+          </a:fillRef>
+          <a:effectRef idx="2">
+            <a:schemeClr val="accent1"/>
+          </a:effectRef>
+          <a:fontRef idx="minor">
+            <a:schemeClr val="lt1"/>
+          </a:fontRef>
+        </p:style>
+        <p:txBody>
+          <a:bodyPr rtlCol="0" anchor="t" anchorCtr="0"/>
+          <a:lstStyle/>
+          <a:p>
+            <a:r>
+              <a:rPr lang="en-US" altLang="ja-JP" dirty="0" smtClean="0">
+                <a:solidFill>
+                  <a:srgbClr val="000000"/>
+                </a:solidFill>
+                <a:latin typeface="ヒラギノ丸ゴ ProN W4"/>
+                <a:ea typeface="ヒラギノ丸ゴ ProN W4"/>
+                <a:cs typeface="ヒラギノ丸ゴ ProN W4"/>
+              </a:rPr>
+              <a:t>JPEG</a:t>
+            </a:r>
+            <a:endParaRPr kumimoji="1" lang="ja-JP" altLang="en-US" dirty="0">
+              <a:solidFill>
+                <a:srgbClr val="000000"/>
+              </a:solidFill>
+              <a:latin typeface="ヒラギノ丸ゴ ProN W4"/>
+              <a:ea typeface="ヒラギノ丸ゴ ProN W4"/>
+              <a:cs typeface="ヒラギノ丸ゴ ProN W4"/>
+            </a:endParaRPr>
+          </a:p>
+        </p:txBody>
+      </p:sp>
+      <p:sp>
+        <p:nvSpPr>
+          <p:cNvPr id="5" name="正方形/長方形 4"/>
+          <p:cNvSpPr/>
+          <p:nvPr/>
+        </p:nvSpPr>
+        <p:spPr>
+          <a:xfrm>
+            <a:off x="1594071" y="3563801"/>
+            <a:ext cx="881885" cy="533359"/>
+          </a:xfrm>
+          <a:prstGeom prst="rect">
+            <a:avLst/>
+          </a:prstGeom>
+        </p:spPr>
+        <p:style>
+          <a:lnRef idx="1">
+            <a:schemeClr val="accent1"/>
+          </a:lnRef>
+          <a:fillRef idx="3">
+            <a:schemeClr val="accent1"/>
+          </a:fillRef>
+          <a:effectRef idx="2">
+            <a:schemeClr val="accent1"/>
+          </a:effectRef>
+          <a:fontRef idx="minor">
+            <a:schemeClr val="lt1"/>
+          </a:fontRef>
+        </p:style>
+        <p:txBody>
+          <a:bodyPr wrap="none" rtlCol="0" anchor="ctr"/>
+          <a:lstStyle/>
+          <a:p>
+            <a:pPr algn="ctr"/>
+            <a:r>
+              <a:rPr kumimoji="1" lang="en-US" altLang="ja-JP" sz="1400" dirty="0" err="1" smtClean="0">
+                <a:latin typeface="ヒラギノ丸ゴ ProN W4"/>
+                <a:ea typeface="ヒラギノ丸ゴ ProN W4"/>
+                <a:cs typeface="ヒラギノ丸ゴ ProN W4"/>
+              </a:rPr>
+              <a:t>Exif</a:t>
+            </a:r>
+            <a:endParaRPr kumimoji="1" lang="ja-JP" altLang="en-US" sz="1400" dirty="0">
+              <a:latin typeface="ヒラギノ丸ゴ ProN W4"/>
+              <a:ea typeface="ヒラギノ丸ゴ ProN W4"/>
+              <a:cs typeface="ヒラギノ丸ゴ ProN W4"/>
+            </a:endParaRPr>
+          </a:p>
+        </p:txBody>
+      </p:sp>
+      <p:sp>
+        <p:nvSpPr>
+          <p:cNvPr id="6" name="正方形/長方形 5"/>
+          <p:cNvSpPr/>
+          <p:nvPr/>
+        </p:nvSpPr>
+        <p:spPr>
+          <a:xfrm>
+            <a:off x="3719745" y="2388951"/>
+            <a:ext cx="1972457" cy="533359"/>
+          </a:xfrm>
+          <a:prstGeom prst="rect">
+            <a:avLst/>
+          </a:prstGeom>
+        </p:spPr>
+        <p:style>
+          <a:lnRef idx="1">
+            <a:schemeClr val="accent1"/>
+          </a:lnRef>
+          <a:fillRef idx="3">
+            <a:schemeClr val="accent1"/>
+          </a:fillRef>
+          <a:effectRef idx="2">
+            <a:schemeClr val="accent1"/>
+          </a:effectRef>
+          <a:fontRef idx="minor">
+            <a:schemeClr val="lt1"/>
+          </a:fontRef>
+        </p:style>
+        <p:txBody>
+          <a:bodyPr wrap="none" rtlCol="0" anchor="ctr"/>
+          <a:lstStyle/>
+          <a:p>
+            <a:pPr algn="ctr"/>
+            <a:r>
+              <a:rPr kumimoji="1" lang="ja-JP" altLang="en-US" sz="1400" dirty="0" smtClean="0">
+                <a:latin typeface="ヒラギノ丸ゴ ProN W4"/>
+                <a:ea typeface="ヒラギノ丸ゴ ProN W4"/>
+                <a:cs typeface="ヒラギノ丸ゴ ProN W4"/>
+              </a:rPr>
+              <a:t>画像データ</a:t>
+            </a:r>
+            <a:endParaRPr kumimoji="1" lang="ja-JP" altLang="en-US" sz="1400" dirty="0">
+              <a:latin typeface="ヒラギノ丸ゴ ProN W4"/>
+              <a:ea typeface="ヒラギノ丸ゴ ProN W4"/>
+              <a:cs typeface="ヒラギノ丸ゴ ProN W4"/>
+            </a:endParaRPr>
+          </a:p>
+        </p:txBody>
+      </p:sp>
+      <p:sp>
+        <p:nvSpPr>
+          <p:cNvPr id="7" name="正方形/長方形 6"/>
+          <p:cNvSpPr/>
+          <p:nvPr/>
+        </p:nvSpPr>
+        <p:spPr>
+          <a:xfrm>
+            <a:off x="2584040" y="2425881"/>
+            <a:ext cx="982597" cy="533359"/>
+          </a:xfrm>
+          <a:prstGeom prst="rect">
+            <a:avLst/>
+          </a:prstGeom>
+        </p:spPr>
+        <p:style>
+          <a:lnRef idx="1">
+            <a:schemeClr val="accent1"/>
+          </a:lnRef>
+          <a:fillRef idx="3">
+            <a:schemeClr val="accent1"/>
+          </a:fillRef>
+          <a:effectRef idx="2">
+            <a:schemeClr val="accent1"/>
+          </a:effectRef>
+          <a:fontRef idx="minor">
+            <a:schemeClr val="lt1"/>
+          </a:fontRef>
+        </p:style>
+        <p:txBody>
+          <a:bodyPr wrap="none" rtlCol="0" anchor="ctr"/>
+          <a:lstStyle/>
+          <a:p>
+            <a:pPr algn="ctr"/>
+            <a:r>
+              <a:rPr kumimoji="1" lang="en-US" altLang="ja-JP" sz="1400" dirty="0" smtClean="0">
+                <a:latin typeface="ヒラギノ丸ゴ ProN W4"/>
+                <a:ea typeface="ヒラギノ丸ゴ ProN W4"/>
+                <a:cs typeface="ヒラギノ丸ゴ ProN W4"/>
+              </a:rPr>
+              <a:t>ICC</a:t>
+            </a:r>
+            <a:r>
+              <a:rPr lang="en-US" altLang="en-US" sz="1400" dirty="0">
+                <a:latin typeface="ヒラギノ丸ゴ ProN W4"/>
+                <a:ea typeface="ヒラギノ丸ゴ ProN W4"/>
+                <a:cs typeface="ヒラギノ丸ゴ ProN W4"/>
+              </a:rPr>
+              <a:t> </a:t>
+            </a:r>
+            <a:r>
+              <a:rPr lang="en-US" altLang="en-US" sz="1400" dirty="0" smtClean="0">
+                <a:latin typeface="ヒラギノ丸ゴ ProN W4"/>
+                <a:ea typeface="ヒラギノ丸ゴ ProN W4"/>
+                <a:cs typeface="ヒラギノ丸ゴ ProN W4"/>
+              </a:rPr>
+              <a:t>Profile</a:t>
+            </a:r>
+          </a:p>
+          <a:p>
+            <a:pPr algn="ctr"/>
+            <a:r>
+              <a:rPr kumimoji="1" lang="en-US" altLang="en-US" sz="1600" b="1" i="1" u="sng" spc="300" dirty="0" err="1" smtClean="0">
+                <a:solidFill>
+                  <a:srgbClr val="000000"/>
+                </a:solidFill>
+                <a:latin typeface="ヒラギノ丸ゴ ProN W4"/>
+                <a:ea typeface="ヒラギノ丸ゴ ProN W4"/>
+                <a:cs typeface="ヒラギノ丸ゴ ProN W4"/>
+              </a:rPr>
+              <a:t>sRGB</a:t>
+            </a:r>
+            <a:endParaRPr kumimoji="1" lang="ja-JP" altLang="en-US" sz="1600" b="1" i="1" u="sng" spc="300" dirty="0">
+              <a:solidFill>
+                <a:srgbClr val="000000"/>
+              </a:solidFill>
+              <a:latin typeface="ヒラギノ丸ゴ ProN W4"/>
+              <a:ea typeface="ヒラギノ丸ゴ ProN W4"/>
+              <a:cs typeface="ヒラギノ丸ゴ ProN W4"/>
+            </a:endParaRPr>
+          </a:p>
+        </p:txBody>
+      </p:sp>
+      <p:sp>
+        <p:nvSpPr>
+          <p:cNvPr id="8" name="正方形/長方形 7"/>
+          <p:cNvSpPr/>
+          <p:nvPr/>
+        </p:nvSpPr>
+        <p:spPr>
+          <a:xfrm>
+            <a:off x="2729018" y="2132541"/>
+            <a:ext cx="669792" cy="407385"/>
+          </a:xfrm>
+          <a:prstGeom prst="rect">
+            <a:avLst/>
+          </a:prstGeom>
+          <a:gradFill>
+            <a:gsLst>
+              <a:gs pos="0">
+                <a:srgbClr val="FF6600"/>
+              </a:gs>
+              <a:gs pos="100000">
+                <a:schemeClr val="accent6">
+                  <a:lumMod val="60000"/>
+                  <a:lumOff val="40000"/>
+                </a:schemeClr>
+              </a:gs>
+            </a:gsLst>
+          </a:gradFill>
+        </p:spPr>
+        <p:style>
+          <a:lnRef idx="1">
+            <a:schemeClr val="accent1"/>
+          </a:lnRef>
+          <a:fillRef idx="3">
+            <a:schemeClr val="accent1"/>
+          </a:fillRef>
+          <a:effectRef idx="2">
+            <a:schemeClr val="accent1"/>
+          </a:effectRef>
+          <a:fontRef idx="minor">
+            <a:schemeClr val="lt1"/>
+          </a:fontRef>
+        </p:style>
+        <p:txBody>
+          <a:bodyPr rtlCol="0" anchor="ctr"/>
+          <a:lstStyle/>
+          <a:p>
+            <a:pPr algn="ctr"/>
+            <a:r>
+              <a:rPr kumimoji="1" lang="en-US" altLang="ja-JP" sz="1200" dirty="0" smtClean="0">
+                <a:latin typeface="ヒラギノ丸ゴ ProN W4"/>
+                <a:ea typeface="ヒラギノ丸ゴ ProN W4"/>
+                <a:cs typeface="ヒラギノ丸ゴ ProN W4"/>
+              </a:rPr>
+              <a:t>APP2</a:t>
+            </a:r>
+          </a:p>
+          <a:p>
+            <a:pPr algn="ctr"/>
+            <a:r>
+              <a:rPr lang="en-US" altLang="ja-JP" sz="1200" dirty="0" smtClean="0">
+                <a:latin typeface="ヒラギノ丸ゴ ProN W4"/>
+                <a:ea typeface="ヒラギノ丸ゴ ProN W4"/>
+                <a:cs typeface="ヒラギノ丸ゴ ProN W4"/>
+              </a:rPr>
+              <a:t>ffe2</a:t>
+            </a:r>
+            <a:endParaRPr kumimoji="1" lang="ja-JP" altLang="en-US" sz="1200" dirty="0">
+              <a:latin typeface="ヒラギノ丸ゴ ProN W4"/>
+              <a:ea typeface="ヒラギノ丸ゴ ProN W4"/>
+              <a:cs typeface="ヒラギノ丸ゴ ProN W4"/>
+            </a:endParaRPr>
+          </a:p>
+        </p:txBody>
+      </p:sp>
+      <p:sp>
+        <p:nvSpPr>
+          <p:cNvPr id="9" name="正方形/長方形 8"/>
+          <p:cNvSpPr/>
+          <p:nvPr/>
+        </p:nvSpPr>
+        <p:spPr>
+          <a:xfrm>
+            <a:off x="1687439" y="3279352"/>
+            <a:ext cx="669792" cy="407385"/>
+          </a:xfrm>
+          <a:prstGeom prst="rect">
+            <a:avLst/>
+          </a:prstGeom>
+          <a:gradFill>
+            <a:gsLst>
+              <a:gs pos="0">
+                <a:srgbClr val="FF6600"/>
+              </a:gs>
+              <a:gs pos="100000">
+                <a:schemeClr val="accent6">
+                  <a:lumMod val="60000"/>
+                  <a:lumOff val="40000"/>
+                </a:schemeClr>
+              </a:gs>
+            </a:gsLst>
+          </a:gradFill>
+        </p:spPr>
+        <p:style>
+          <a:lnRef idx="1">
+            <a:schemeClr val="accent1"/>
+          </a:lnRef>
+          <a:fillRef idx="3">
+            <a:schemeClr val="accent1"/>
+          </a:fillRef>
+          <a:effectRef idx="2">
+            <a:schemeClr val="accent1"/>
+          </a:effectRef>
+          <a:fontRef idx="minor">
+            <a:schemeClr val="lt1"/>
+          </a:fontRef>
+        </p:style>
+        <p:txBody>
+          <a:bodyPr rtlCol="0" anchor="ctr"/>
+          <a:lstStyle/>
+          <a:p>
+            <a:pPr algn="ctr"/>
+            <a:r>
+              <a:rPr kumimoji="1" lang="en-US" altLang="ja-JP" sz="1200" dirty="0" smtClean="0">
+                <a:latin typeface="ヒラギノ丸ゴ ProN W4"/>
+                <a:ea typeface="ヒラギノ丸ゴ ProN W4"/>
+                <a:cs typeface="ヒラギノ丸ゴ ProN W4"/>
+              </a:rPr>
+              <a:t>APP1</a:t>
+            </a:r>
+          </a:p>
+          <a:p>
+            <a:pPr algn="ctr"/>
+            <a:r>
+              <a:rPr lang="en-US" altLang="ja-JP" sz="1200" dirty="0" smtClean="0">
+                <a:latin typeface="ヒラギノ丸ゴ ProN W4"/>
+                <a:ea typeface="ヒラギノ丸ゴ ProN W4"/>
+                <a:cs typeface="ヒラギノ丸ゴ ProN W4"/>
+              </a:rPr>
+              <a:t>ffe1</a:t>
+            </a:r>
+            <a:endParaRPr kumimoji="1" lang="ja-JP" altLang="en-US" sz="1200" dirty="0">
+              <a:latin typeface="ヒラギノ丸ゴ ProN W4"/>
+              <a:ea typeface="ヒラギノ丸ゴ ProN W4"/>
+              <a:cs typeface="ヒラギノ丸ゴ ProN W4"/>
+            </a:endParaRPr>
+          </a:p>
+        </p:txBody>
+      </p:sp>
+      <p:sp>
+        <p:nvSpPr>
+          <p:cNvPr id="12" name="円形吹き出し 11"/>
+          <p:cNvSpPr/>
+          <p:nvPr/>
+        </p:nvSpPr>
+        <p:spPr>
+          <a:xfrm>
+            <a:off x="893320" y="4231958"/>
+            <a:ext cx="794119" cy="507690"/>
+          </a:xfrm>
+          <a:prstGeom prst="wedgeEllipseCallout">
+            <a:avLst>
+              <a:gd name="adj1" fmla="val 46239"/>
+              <a:gd name="adj2" fmla="val -80382"/>
+            </a:avLst>
+          </a:prstGeom>
+          <a:gradFill flip="none" rotWithShape="1">
+            <a:gsLst>
+              <a:gs pos="58000">
+                <a:schemeClr val="accent6">
+                  <a:lumMod val="40000"/>
+                  <a:lumOff val="60000"/>
+                </a:schemeClr>
+              </a:gs>
+              <a:gs pos="0">
+                <a:schemeClr val="accent6">
+                  <a:lumMod val="40000"/>
+                  <a:lumOff val="60000"/>
+                </a:schemeClr>
+              </a:gs>
+              <a:gs pos="90000">
+                <a:schemeClr val="accent6">
+                  <a:lumMod val="60000"/>
+                  <a:lumOff val="40000"/>
+                </a:schemeClr>
+              </a:gs>
+            </a:gsLst>
+            <a:path path="circle">
+              <a:fillToRect l="50000" t="50000" r="50000" b="50000"/>
+            </a:path>
+            <a:tileRect/>
+          </a:gradFill>
+        </p:spPr>
+        <p:style>
+          <a:lnRef idx="1">
+            <a:schemeClr val="accent1"/>
+          </a:lnRef>
+          <a:fillRef idx="3">
+            <a:schemeClr val="accent1"/>
+          </a:fillRef>
+          <a:effectRef idx="2">
+            <a:schemeClr val="accent1"/>
+          </a:effectRef>
+          <a:fontRef idx="minor">
+            <a:schemeClr val="lt1"/>
+          </a:fontRef>
+        </p:style>
+        <p:txBody>
+          <a:bodyPr wrap="none" rtlCol="0" anchor="ctr"/>
+          <a:lstStyle/>
+          <a:p>
+            <a:pPr algn="ctr"/>
+            <a:r>
+              <a:rPr kumimoji="1" lang="ja-JP" altLang="en-US" sz="1600" dirty="0" smtClean="0">
+                <a:solidFill>
+                  <a:srgbClr val="000000"/>
+                </a:solidFill>
+                <a:latin typeface="ヒラギノ丸ゴ ProN W4"/>
+                <a:ea typeface="ヒラギノ丸ゴ ProN W4"/>
+                <a:cs typeface="ヒラギノ丸ゴ ProN W4"/>
+              </a:rPr>
+              <a:t>撮影日時</a:t>
+            </a:r>
+            <a:endParaRPr kumimoji="1" lang="ja-JP" altLang="en-US" sz="1600" dirty="0">
+              <a:solidFill>
+                <a:srgbClr val="000000"/>
+              </a:solidFill>
+              <a:latin typeface="ヒラギノ丸ゴ ProN W4"/>
+              <a:ea typeface="ヒラギノ丸ゴ ProN W4"/>
+              <a:cs typeface="ヒラギノ丸ゴ ProN W4"/>
+            </a:endParaRPr>
+          </a:p>
+        </p:txBody>
+      </p:sp>
+      <p:sp>
+        <p:nvSpPr>
+          <p:cNvPr id="13" name="円形吹き出し 12"/>
+          <p:cNvSpPr/>
+          <p:nvPr/>
+        </p:nvSpPr>
+        <p:spPr>
+          <a:xfrm>
+            <a:off x="1594071" y="4388396"/>
+            <a:ext cx="794119" cy="507690"/>
+          </a:xfrm>
+          <a:prstGeom prst="wedgeEllipseCallout">
+            <a:avLst>
+              <a:gd name="adj1" fmla="val -3665"/>
+              <a:gd name="adj2" fmla="val -124737"/>
+            </a:avLst>
+          </a:prstGeom>
+          <a:gradFill flip="none" rotWithShape="1">
+            <a:gsLst>
+              <a:gs pos="58000">
+                <a:schemeClr val="accent6">
+                  <a:lumMod val="40000"/>
+                  <a:lumOff val="60000"/>
+                </a:schemeClr>
+              </a:gs>
+              <a:gs pos="0">
+                <a:schemeClr val="accent6">
+                  <a:lumMod val="40000"/>
+                  <a:lumOff val="60000"/>
+                </a:schemeClr>
+              </a:gs>
+              <a:gs pos="90000">
+                <a:schemeClr val="accent6">
+                  <a:lumMod val="60000"/>
+                  <a:lumOff val="40000"/>
+                </a:schemeClr>
+              </a:gs>
+            </a:gsLst>
+            <a:path path="circle">
+              <a:fillToRect l="50000" t="50000" r="50000" b="50000"/>
+            </a:path>
+            <a:tileRect/>
+          </a:gradFill>
+        </p:spPr>
+        <p:style>
+          <a:lnRef idx="1">
+            <a:schemeClr val="accent1"/>
+          </a:lnRef>
+          <a:fillRef idx="3">
+            <a:schemeClr val="accent1"/>
+          </a:fillRef>
+          <a:effectRef idx="2">
+            <a:schemeClr val="accent1"/>
+          </a:effectRef>
+          <a:fontRef idx="minor">
+            <a:schemeClr val="lt1"/>
+          </a:fontRef>
+        </p:style>
+        <p:txBody>
+          <a:bodyPr wrap="none" rtlCol="0" anchor="ctr"/>
+          <a:lstStyle/>
+          <a:p>
+            <a:pPr algn="ctr"/>
+            <a:r>
+              <a:rPr kumimoji="1" lang="ja-JP" altLang="en-US" sz="1600" dirty="0" smtClean="0">
+                <a:solidFill>
+                  <a:srgbClr val="000000"/>
+                </a:solidFill>
+                <a:latin typeface="ヒラギノ丸ゴ ProN W4"/>
+                <a:ea typeface="ヒラギノ丸ゴ ProN W4"/>
+                <a:cs typeface="ヒラギノ丸ゴ ProN W4"/>
+              </a:rPr>
+              <a:t>撮影場所</a:t>
+            </a:r>
+            <a:endParaRPr kumimoji="1" lang="ja-JP" altLang="en-US" sz="1600" dirty="0">
+              <a:solidFill>
+                <a:srgbClr val="000000"/>
+              </a:solidFill>
+              <a:latin typeface="ヒラギノ丸ゴ ProN W4"/>
+              <a:ea typeface="ヒラギノ丸ゴ ProN W4"/>
+              <a:cs typeface="ヒラギノ丸ゴ ProN W4"/>
+            </a:endParaRPr>
+          </a:p>
+        </p:txBody>
+      </p:sp>
+      <p:sp>
+        <p:nvSpPr>
+          <p:cNvPr id="14" name="円形吹き出し 13"/>
+          <p:cNvSpPr/>
+          <p:nvPr/>
+        </p:nvSpPr>
+        <p:spPr>
+          <a:xfrm>
+            <a:off x="2475956" y="4359830"/>
+            <a:ext cx="794119" cy="507690"/>
+          </a:xfrm>
+          <a:prstGeom prst="wedgeEllipseCallout">
+            <a:avLst>
+              <a:gd name="adj1" fmla="val -81923"/>
+              <a:gd name="adj2" fmla="val -133608"/>
+            </a:avLst>
+          </a:prstGeom>
+          <a:gradFill flip="none" rotWithShape="1">
+            <a:gsLst>
+              <a:gs pos="58000">
+                <a:schemeClr val="accent6">
+                  <a:lumMod val="40000"/>
+                  <a:lumOff val="60000"/>
+                </a:schemeClr>
+              </a:gs>
+              <a:gs pos="0">
+                <a:schemeClr val="accent6">
+                  <a:lumMod val="40000"/>
+                  <a:lumOff val="60000"/>
+                </a:schemeClr>
+              </a:gs>
+              <a:gs pos="90000">
+                <a:schemeClr val="accent6">
+                  <a:lumMod val="60000"/>
+                  <a:lumOff val="40000"/>
+                </a:schemeClr>
+              </a:gs>
+            </a:gsLst>
+            <a:path path="circle">
+              <a:fillToRect l="50000" t="50000" r="50000" b="50000"/>
+            </a:path>
+            <a:tileRect/>
+          </a:gradFill>
+        </p:spPr>
+        <p:style>
+          <a:lnRef idx="1">
+            <a:schemeClr val="accent1"/>
+          </a:lnRef>
+          <a:fillRef idx="3">
+            <a:schemeClr val="accent1"/>
+          </a:fillRef>
+          <a:effectRef idx="2">
+            <a:schemeClr val="accent1"/>
+          </a:effectRef>
+          <a:fontRef idx="minor">
+            <a:schemeClr val="lt1"/>
+          </a:fontRef>
+        </p:style>
+        <p:txBody>
+          <a:bodyPr wrap="none" rtlCol="0" anchor="ctr"/>
+          <a:lstStyle/>
+          <a:p>
+            <a:pPr algn="ctr"/>
+            <a:r>
+              <a:rPr lang="ja-JP" altLang="en-US" sz="1600" dirty="0" smtClean="0">
+                <a:solidFill>
+                  <a:srgbClr val="000000"/>
+                </a:solidFill>
+                <a:latin typeface="ヒラギノ丸ゴ ProN W4"/>
+                <a:ea typeface="ヒラギノ丸ゴ ProN W4"/>
+                <a:cs typeface="ヒラギノ丸ゴ ProN W4"/>
+              </a:rPr>
+              <a:t>画像の</a:t>
+            </a:r>
+            <a:endParaRPr lang="en-US" altLang="ja-JP" sz="1600" dirty="0" smtClean="0">
+              <a:solidFill>
+                <a:srgbClr val="000000"/>
+              </a:solidFill>
+              <a:latin typeface="ヒラギノ丸ゴ ProN W4"/>
+              <a:ea typeface="ヒラギノ丸ゴ ProN W4"/>
+              <a:cs typeface="ヒラギノ丸ゴ ProN W4"/>
+            </a:endParaRPr>
+          </a:p>
+          <a:p>
+            <a:pPr algn="ctr"/>
+            <a:r>
+              <a:rPr lang="ja-JP" altLang="en-US" sz="1600" dirty="0" smtClean="0">
+                <a:solidFill>
+                  <a:srgbClr val="000000"/>
+                </a:solidFill>
+                <a:latin typeface="ヒラギノ丸ゴ ProN W4"/>
+                <a:ea typeface="ヒラギノ丸ゴ ProN W4"/>
+                <a:cs typeface="ヒラギノ丸ゴ ProN W4"/>
+              </a:rPr>
+              <a:t>向き</a:t>
+            </a:r>
+            <a:endParaRPr kumimoji="1" lang="ja-JP" altLang="en-US" sz="1600" dirty="0">
+              <a:solidFill>
+                <a:srgbClr val="000000"/>
+              </a:solidFill>
+              <a:latin typeface="ヒラギノ丸ゴ ProN W4"/>
+              <a:ea typeface="ヒラギノ丸ゴ ProN W4"/>
+              <a:cs typeface="ヒラギノ丸ゴ ProN W4"/>
+            </a:endParaRPr>
+          </a:p>
+        </p:txBody>
+      </p:sp>
+      <p:sp>
+        <p:nvSpPr>
+          <p:cNvPr id="10" name="乗算記号 9"/>
+          <p:cNvSpPr/>
+          <p:nvPr/>
+        </p:nvSpPr>
+        <p:spPr>
+          <a:xfrm>
+            <a:off x="1038715" y="1972618"/>
+            <a:ext cx="1690304" cy="1480842"/>
+          </a:xfrm>
+          <a:prstGeom prst="mathMultiply">
+            <a:avLst>
+              <a:gd name="adj1" fmla="val 8654"/>
+            </a:avLst>
+          </a:prstGeom>
+          <a:gradFill>
+            <a:gsLst>
+              <a:gs pos="0">
+                <a:srgbClr val="FF0000"/>
+              </a:gs>
+              <a:gs pos="100000">
+                <a:srgbClr val="FF6600"/>
+              </a:gs>
+            </a:gsLst>
+          </a:gradFill>
+        </p:spPr>
+        <p:style>
+          <a:lnRef idx="1">
+            <a:schemeClr val="accent1"/>
+          </a:lnRef>
+          <a:fillRef idx="3">
+            <a:schemeClr val="accent1"/>
+          </a:fillRef>
+          <a:effectRef idx="2">
+            <a:schemeClr val="accent1"/>
+          </a:effectRef>
+          <a:fontRef idx="minor">
+            <a:schemeClr val="lt1"/>
+          </a:fontRef>
+        </p:style>
+        <p:txBody>
+          <a:bodyPr rtlCol="0" anchor="ctr"/>
+          <a:lstStyle/>
+          <a:p>
+            <a:pPr algn="ctr"/>
+            <a:endParaRPr kumimoji="1" lang="ja-JP" altLang="en-US">
+              <a:latin typeface="ヒラギノ丸ゴ ProN W4"/>
+              <a:ea typeface="ヒラギノ丸ゴ ProN W4"/>
+              <a:cs typeface="ヒラギノ丸ゴ ProN W4"/>
+            </a:endParaRPr>
+          </a:p>
+        </p:txBody>
+      </p:sp>
+      <p:cxnSp>
+        <p:nvCxnSpPr>
+          <p:cNvPr id="15" name="直線矢印コネクタ 14"/>
+          <p:cNvCxnSpPr>
+            <a:stCxn id="14" idx="6"/>
+          </p:cNvCxnSpPr>
+          <p:nvPr/>
+        </p:nvCxnSpPr>
+        <p:spPr>
+          <a:xfrm flipV="1">
+            <a:off x="3270075" y="3072638"/>
+            <a:ext cx="2124885" cy="1541037"/>
+          </a:xfrm>
+          <a:prstGeom prst="straightConnector1">
+            <a:avLst/>
+          </a:prstGeom>
+          <a:ln>
+            <a:tailEnd type="arrow"/>
+          </a:ln>
+        </p:spPr>
+        <p:style>
+          <a:lnRef idx="2">
+            <a:schemeClr val="accent1"/>
+          </a:lnRef>
+          <a:fillRef idx="0">
+            <a:schemeClr val="accent1"/>
+          </a:fillRef>
+          <a:effectRef idx="1">
+            <a:schemeClr val="accent1"/>
+          </a:effectRef>
+          <a:fontRef idx="minor">
+            <a:schemeClr val="tx1"/>
+          </a:fontRef>
+        </p:style>
+      </p:cxnSp>
+      <p:sp>
+        <p:nvSpPr>
+          <p:cNvPr id="16" name="正方形/長方形 15"/>
+          <p:cNvSpPr/>
+          <p:nvPr/>
+        </p:nvSpPr>
+        <p:spPr>
+          <a:xfrm>
+            <a:off x="3812632" y="4036638"/>
+            <a:ext cx="1161338" cy="637926"/>
+          </a:xfrm>
+          <a:prstGeom prst="rect">
+            <a:avLst/>
+          </a:prstGeom>
+          <a:noFill/>
+          <a:ln>
+            <a:noFill/>
+          </a:ln>
+        </p:spPr>
+        <p:style>
+          <a:lnRef idx="1">
+            <a:schemeClr val="accent1"/>
+          </a:lnRef>
+          <a:fillRef idx="3">
+            <a:schemeClr val="accent1"/>
+          </a:fillRef>
+          <a:effectRef idx="2">
+            <a:schemeClr val="accent1"/>
+          </a:effectRef>
+          <a:fontRef idx="minor">
+            <a:schemeClr val="lt1"/>
+          </a:fontRef>
+        </p:style>
+        <p:txBody>
+          <a:bodyPr wrap="none" rtlCol="0" anchor="ctr" anchorCtr="0"/>
+          <a:lstStyle/>
+          <a:p>
+            <a:pPr algn="ctr"/>
+            <a:r>
+              <a:rPr kumimoji="1" lang="ja-JP" altLang="en-US" dirty="0" smtClean="0">
+                <a:solidFill>
+                  <a:srgbClr val="000000"/>
+                </a:solidFill>
+                <a:latin typeface="ヒラギノ丸ゴ ProN W4"/>
+                <a:ea typeface="ヒラギノ丸ゴ ProN W4"/>
+                <a:cs typeface="ヒラギノ丸ゴ ProN W4"/>
+              </a:rPr>
+              <a:t>向きを反映</a:t>
+            </a:r>
+            <a:endParaRPr kumimoji="1" lang="ja-JP" altLang="en-US" dirty="0">
+              <a:solidFill>
+                <a:srgbClr val="000000"/>
+              </a:solidFill>
+              <a:latin typeface="ヒラギノ丸ゴ ProN W4"/>
+              <a:ea typeface="ヒラギノ丸ゴ ProN W4"/>
+              <a:cs typeface="ヒラギノ丸ゴ ProN W4"/>
+            </a:endParaRPr>
+          </a:p>
+        </p:txBody>
+      </p:sp>
+      <p:sp>
+        <p:nvSpPr>
+          <p:cNvPr id="19" name="正方形/長方形 18"/>
+          <p:cNvSpPr/>
+          <p:nvPr/>
+        </p:nvSpPr>
+        <p:spPr>
+          <a:xfrm>
+            <a:off x="3124850" y="2968057"/>
+            <a:ext cx="1849120" cy="637926"/>
+          </a:xfrm>
+          <a:prstGeom prst="rect">
+            <a:avLst/>
+          </a:prstGeom>
+          <a:noFill/>
+          <a:ln>
+            <a:noFill/>
+          </a:ln>
+        </p:spPr>
+        <p:style>
+          <a:lnRef idx="1">
+            <a:schemeClr val="accent1"/>
+          </a:lnRef>
+          <a:fillRef idx="3">
+            <a:schemeClr val="accent1"/>
+          </a:fillRef>
+          <a:effectRef idx="2">
+            <a:schemeClr val="accent1"/>
+          </a:effectRef>
+          <a:fontRef idx="minor">
+            <a:schemeClr val="lt1"/>
+          </a:fontRef>
+        </p:style>
+        <p:txBody>
+          <a:bodyPr wrap="none" rtlCol="0" anchor="ctr" anchorCtr="0"/>
+          <a:lstStyle/>
+          <a:p>
+            <a:pPr algn="ctr"/>
+            <a:r>
+              <a:rPr kumimoji="1" lang="ja-JP" altLang="en-US" dirty="0" smtClean="0">
+                <a:solidFill>
+                  <a:srgbClr val="000000"/>
+                </a:solidFill>
+                <a:latin typeface="ヒラギノ丸ゴ ProN W4"/>
+                <a:ea typeface="ヒラギノ丸ゴ ProN W4"/>
+                <a:cs typeface="ヒラギノ丸ゴ ProN W4"/>
+              </a:rPr>
+              <a:t>元の色空間から</a:t>
+            </a:r>
+            <a:endParaRPr kumimoji="1" lang="en-US" altLang="ja-JP" dirty="0" smtClean="0">
+              <a:solidFill>
+                <a:srgbClr val="000000"/>
+              </a:solidFill>
+              <a:latin typeface="ヒラギノ丸ゴ ProN W4"/>
+              <a:ea typeface="ヒラギノ丸ゴ ProN W4"/>
+              <a:cs typeface="ヒラギノ丸ゴ ProN W4"/>
+            </a:endParaRPr>
+          </a:p>
+          <a:p>
+            <a:pPr algn="ctr"/>
+            <a:r>
+              <a:rPr kumimoji="1" lang="en-US" altLang="ja-JP" dirty="0" err="1" smtClean="0">
+                <a:solidFill>
+                  <a:srgbClr val="000000"/>
+                </a:solidFill>
+                <a:latin typeface="ヒラギノ丸ゴ ProN W4"/>
+                <a:ea typeface="ヒラギノ丸ゴ ProN W4"/>
+                <a:cs typeface="ヒラギノ丸ゴ ProN W4"/>
+              </a:rPr>
+              <a:t>sRGB</a:t>
+            </a:r>
+            <a:r>
+              <a:rPr lang="ja-JP" altLang="en-US" dirty="0" smtClean="0">
+                <a:solidFill>
+                  <a:srgbClr val="000000"/>
+                </a:solidFill>
+                <a:latin typeface="ヒラギノ丸ゴ ProN W4"/>
+                <a:ea typeface="ヒラギノ丸ゴ ProN W4"/>
+                <a:cs typeface="ヒラギノ丸ゴ ProN W4"/>
+              </a:rPr>
+              <a:t>に変換</a:t>
+            </a:r>
+            <a:endParaRPr kumimoji="1" lang="ja-JP" altLang="en-US" dirty="0">
+              <a:solidFill>
+                <a:srgbClr val="000000"/>
+              </a:solidFill>
+              <a:latin typeface="ヒラギノ丸ゴ ProN W4"/>
+              <a:ea typeface="ヒラギノ丸ゴ ProN W4"/>
+              <a:cs typeface="ヒラギノ丸ゴ ProN W4"/>
+            </a:endParaRPr>
+          </a:p>
+        </p:txBody>
+      </p:sp>
+      <p:sp>
+        <p:nvSpPr>
+          <p:cNvPr id="18" name="正方形/長方形 17"/>
+          <p:cNvSpPr/>
+          <p:nvPr/>
+        </p:nvSpPr>
+        <p:spPr>
+          <a:xfrm>
+            <a:off x="2568613" y="3550323"/>
+            <a:ext cx="982597" cy="533359"/>
+          </a:xfrm>
+          <a:prstGeom prst="rect">
+            <a:avLst/>
+          </a:prstGeom>
+        </p:spPr>
+        <p:style>
+          <a:lnRef idx="1">
+            <a:schemeClr val="accent1"/>
+          </a:lnRef>
+          <a:fillRef idx="3">
+            <a:schemeClr val="accent1"/>
+          </a:fillRef>
+          <a:effectRef idx="2">
+            <a:schemeClr val="accent1"/>
+          </a:effectRef>
+          <a:fontRef idx="minor">
+            <a:schemeClr val="lt1"/>
+          </a:fontRef>
+        </p:style>
+        <p:txBody>
+          <a:bodyPr wrap="none" rtlCol="0" anchor="ctr"/>
+          <a:lstStyle/>
+          <a:p>
+            <a:pPr algn="ctr"/>
+            <a:r>
+              <a:rPr kumimoji="1" lang="en-US" altLang="ja-JP" sz="1400" dirty="0" smtClean="0">
+                <a:latin typeface="ヒラギノ丸ゴ ProN W4"/>
+                <a:ea typeface="ヒラギノ丸ゴ ProN W4"/>
+                <a:cs typeface="ヒラギノ丸ゴ ProN W4"/>
+              </a:rPr>
+              <a:t>ICC</a:t>
+            </a:r>
+            <a:r>
+              <a:rPr lang="en-US" altLang="en-US" sz="1400" dirty="0">
+                <a:latin typeface="ヒラギノ丸ゴ ProN W4"/>
+                <a:ea typeface="ヒラギノ丸ゴ ProN W4"/>
+                <a:cs typeface="ヒラギノ丸ゴ ProN W4"/>
+              </a:rPr>
+              <a:t> </a:t>
+            </a:r>
+            <a:r>
+              <a:rPr lang="en-US" altLang="en-US" sz="1400" dirty="0" smtClean="0">
+                <a:latin typeface="ヒラギノ丸ゴ ProN W4"/>
+                <a:ea typeface="ヒラギノ丸ゴ ProN W4"/>
+                <a:cs typeface="ヒラギノ丸ゴ ProN W4"/>
+              </a:rPr>
+              <a:t>Profile</a:t>
+            </a:r>
+            <a:endParaRPr kumimoji="1" lang="ja-JP" altLang="en-US" sz="1400" dirty="0">
+              <a:latin typeface="ヒラギノ丸ゴ ProN W4"/>
+              <a:ea typeface="ヒラギノ丸ゴ ProN W4"/>
+              <a:cs typeface="ヒラギノ丸ゴ ProN W4"/>
+            </a:endParaRPr>
+          </a:p>
+        </p:txBody>
+      </p:sp>
+      <p:sp>
+        <p:nvSpPr>
+          <p:cNvPr id="20" name="正方形/長方形 19"/>
+          <p:cNvSpPr/>
+          <p:nvPr/>
+        </p:nvSpPr>
+        <p:spPr>
+          <a:xfrm>
+            <a:off x="2713591" y="3256983"/>
+            <a:ext cx="669792" cy="407385"/>
+          </a:xfrm>
+          <a:prstGeom prst="rect">
+            <a:avLst/>
+          </a:prstGeom>
+          <a:gradFill>
+            <a:gsLst>
+              <a:gs pos="0">
+                <a:srgbClr val="FF6600"/>
+              </a:gs>
+              <a:gs pos="100000">
+                <a:schemeClr val="accent6">
+                  <a:lumMod val="60000"/>
+                  <a:lumOff val="40000"/>
+                </a:schemeClr>
+              </a:gs>
+            </a:gsLst>
+          </a:gradFill>
+        </p:spPr>
+        <p:style>
+          <a:lnRef idx="1">
+            <a:schemeClr val="accent1"/>
+          </a:lnRef>
+          <a:fillRef idx="3">
+            <a:schemeClr val="accent1"/>
+          </a:fillRef>
+          <a:effectRef idx="2">
+            <a:schemeClr val="accent1"/>
+          </a:effectRef>
+          <a:fontRef idx="minor">
+            <a:schemeClr val="lt1"/>
+          </a:fontRef>
+        </p:style>
+        <p:txBody>
+          <a:bodyPr rtlCol="0" anchor="ctr"/>
+          <a:lstStyle/>
+          <a:p>
+            <a:pPr algn="ctr"/>
+            <a:r>
+              <a:rPr kumimoji="1" lang="en-US" altLang="ja-JP" sz="1200" dirty="0" smtClean="0">
+                <a:latin typeface="ヒラギノ丸ゴ ProN W4"/>
+                <a:ea typeface="ヒラギノ丸ゴ ProN W4"/>
+                <a:cs typeface="ヒラギノ丸ゴ ProN W4"/>
+              </a:rPr>
+              <a:t>APP2</a:t>
+            </a:r>
+          </a:p>
+          <a:p>
+            <a:pPr algn="ctr"/>
+            <a:r>
+              <a:rPr lang="en-US" altLang="ja-JP" sz="1200" dirty="0" smtClean="0">
+                <a:latin typeface="ヒラギノ丸ゴ ProN W4"/>
+                <a:ea typeface="ヒラギノ丸ゴ ProN W4"/>
+                <a:cs typeface="ヒラギノ丸ゴ ProN W4"/>
+              </a:rPr>
+              <a:t>ffe2</a:t>
+            </a:r>
+            <a:endParaRPr kumimoji="1" lang="ja-JP" altLang="en-US" sz="1200" dirty="0">
+              <a:latin typeface="ヒラギノ丸ゴ ProN W4"/>
+              <a:ea typeface="ヒラギノ丸ゴ ProN W4"/>
+              <a:cs typeface="ヒラギノ丸ゴ ProN W4"/>
+            </a:endParaRPr>
+          </a:p>
+        </p:txBody>
+      </p:sp>
+      <p:pic>
+        <p:nvPicPr>
+          <p:cNvPr id="11" name="図 10" descr="saitama1-1.png"/>
+          <p:cNvPicPr>
+            <a:picLocks noChangeAspect="1"/>
+          </p:cNvPicPr>
+          <p:nvPr/>
+        </p:nvPicPr>
+        <p:blipFill>
+          <a:blip r:embed="rId3">
+            <a:extLst>
+              <a:ext uri="{28A0092B-C50C-407E-A947-70E740481C1C}">
+                <a14:useLocalDpi xmlns:a14="http://schemas.microsoft.com/office/drawing/2010/main" val="0"/>
+              </a:ext>
+            </a:extLst>
+          </a:blip>
+          <a:stretch>
+            <a:fillRect/>
+          </a:stretch>
+        </p:blipFill>
+        <p:spPr>
+          <a:xfrm>
+            <a:off x="4908698" y="1990574"/>
+            <a:ext cx="1036206" cy="588297"/>
+          </a:xfrm>
+          <a:prstGeom prst="rect">
+            <a:avLst/>
+          </a:prstGeom>
+        </p:spPr>
+      </p:pic>
+      <p:pic>
+        <p:nvPicPr>
+          <p:cNvPr id="21" name="図 20" descr="saitama2-1.png"/>
+          <p:cNvPicPr>
+            <a:picLocks noChangeAspect="1"/>
+          </p:cNvPicPr>
+          <p:nvPr/>
+        </p:nvPicPr>
+        <p:blipFill>
+          <a:blip r:embed="rId4">
+            <a:extLst>
+              <a:ext uri="{28A0092B-C50C-407E-A947-70E740481C1C}">
+                <a14:useLocalDpi xmlns:a14="http://schemas.microsoft.com/office/drawing/2010/main" val="0"/>
+              </a:ext>
+            </a:extLst>
+          </a:blip>
+          <a:stretch>
+            <a:fillRect/>
+          </a:stretch>
+        </p:blipFill>
+        <p:spPr>
+          <a:xfrm>
+            <a:off x="3719745" y="1972618"/>
+            <a:ext cx="1036205" cy="588297"/>
+          </a:xfrm>
+          <a:prstGeom prst="rect">
+            <a:avLst/>
+          </a:prstGeom>
+        </p:spPr>
+      </p:pic>
+      <p:cxnSp>
+        <p:nvCxnSpPr>
+          <p:cNvPr id="17" name="直線矢印コネクタ 16"/>
+          <p:cNvCxnSpPr/>
+          <p:nvPr/>
+        </p:nvCxnSpPr>
+        <p:spPr>
+          <a:xfrm flipV="1">
+            <a:off x="3270075" y="2539927"/>
+            <a:ext cx="1485875" cy="1010396"/>
+          </a:xfrm>
+          <a:prstGeom prst="straightConnector1">
+            <a:avLst/>
+          </a:prstGeom>
+          <a:ln>
+            <a:tailEnd type="arrow"/>
+          </a:ln>
+        </p:spPr>
+        <p:style>
+          <a:lnRef idx="2">
+            <a:schemeClr val="accent1"/>
+          </a:lnRef>
+          <a:fillRef idx="0">
+            <a:schemeClr val="accent1"/>
+          </a:fillRef>
+          <a:effectRef idx="1">
+            <a:schemeClr val="accent1"/>
+          </a:effectRef>
+          <a:fontRef idx="minor">
+            <a:schemeClr val="tx1"/>
+          </a:fontRef>
+        </p:style>
+      </p:cxnSp>
+      <p:sp>
+        <p:nvSpPr>
+          <p:cNvPr id="25" name="右矢印 24"/>
+          <p:cNvSpPr/>
+          <p:nvPr/>
+        </p:nvSpPr>
+        <p:spPr>
+          <a:xfrm>
+            <a:off x="4755950" y="2140462"/>
+            <a:ext cx="218020" cy="286770"/>
+          </a:xfrm>
+          <a:prstGeom prst="rightArrow">
+            <a:avLst/>
+          </a:prstGeom>
+          <a:solidFill>
+            <a:schemeClr val="bg1">
+              <a:lumMod val="85000"/>
+            </a:schemeClr>
+          </a:solidFill>
+          <a:ln>
+            <a:solidFill>
+              <a:schemeClr val="tx1"/>
+            </a:solidFill>
+          </a:ln>
+        </p:spPr>
+        <p:style>
+          <a:lnRef idx="1">
+            <a:schemeClr val="accent1"/>
+          </a:lnRef>
+          <a:fillRef idx="3">
+            <a:schemeClr val="accent1"/>
+          </a:fillRef>
+          <a:effectRef idx="2">
+            <a:schemeClr val="accent1"/>
+          </a:effectRef>
+          <a:fontRef idx="minor">
+            <a:schemeClr val="lt1"/>
+          </a:fontRef>
+        </p:style>
+        <p:txBody>
+          <a:bodyPr rtlCol="0" anchor="ctr"/>
+          <a:lstStyle/>
+          <a:p>
+            <a:pPr algn="ctr"/>
+            <a:endParaRPr kumimoji="1" lang="ja-JP" altLang="en-US"/>
+          </a:p>
+        </p:txBody>
+      </p:sp>
+    </p:spTree>
+    <p:extLst>
+      <p:ext uri="{BB962C8B-B14F-4D97-AF65-F5344CB8AC3E}">
+        <p14:creationId xmlns:p14="http://schemas.microsoft.com/office/powerpoint/2010/main" val="3926396620"/>
+      </p:ext>
+    </p:extLst>
+  </p:cSld>
+  <p:clrMapOvr>
+    <a:masterClrMapping/>
+  </p:clrMapOvr>
+</p:sld>
+</file>
+
+<file path=ppt/slides/slide11.xml><?xml version="1.0" encoding="utf-8"?>
+<p:sld xmlns:a="http://schemas.openxmlformats.org/drawingml/2006/main" xmlns:r="http://schemas.openxmlformats.org/officeDocument/2006/relationships" xmlns:p="http://schemas.openxmlformats.org/presentationml/2006/main">
+  <p:cSld>
+    <p:spTree>
+      <p:nvGrpSpPr>
+        <p:cNvPr id="1" name=""/>
+        <p:cNvGrpSpPr/>
+        <p:nvPr/>
+      </p:nvGrpSpPr>
+      <p:grpSpPr>
+        <a:xfrm>
+          <a:off x="0" y="0"/>
+          <a:ext cx="0" cy="0"/>
+          <a:chOff x="0" y="0"/>
+          <a:chExt cx="0" cy="0"/>
+        </a:xfrm>
+      </p:grpSpPr>
     </p:spTree>
     <p:extLst>
       <p:ext uri="{BB962C8B-B14F-4D97-AF65-F5344CB8AC3E}">
@@ -6631,20 +7999,26 @@
         </p:nvSpPr>
         <p:spPr/>
         <p:txBody>
-          <a:bodyPr/>
-          <a:lstStyle/>
-          <a:p>
-            <a:r>
-              <a:rPr lang="en-US" altLang="ja-JP" dirty="0" smtClean="0"/>
-              <a:t>-s</a:t>
+          <a:bodyPr>
+            <a:normAutofit/>
+          </a:bodyPr>
+          <a:lstStyle/>
+          <a:p>
+            <a:r>
+              <a:rPr kumimoji="1" lang="ja-JP" altLang="en-US" dirty="0" smtClean="0"/>
+              <a:t>単純に</a:t>
             </a:r>
             <a:r>
               <a:rPr kumimoji="1" lang="en-US" altLang="ja-JP" dirty="0" smtClean="0"/>
-              <a:t>trip </a:t>
+              <a:t>ICC</a:t>
             </a:r>
             <a:r>
               <a:rPr kumimoji="1" lang="ja-JP" altLang="en-US" dirty="0" smtClean="0"/>
-              <a:t>メタデータを全て削除</a:t>
+              <a:t> </a:t>
+            </a:r>
+            <a:r>
+              <a:rPr kumimoji="1" lang="ja-JP" altLang="en-US" dirty="0" smtClean="0"/>
+              <a:t>プロファイルを残す</a:t>
             </a:r>
             <a:endParaRPr kumimoji="1" lang="ja-JP" altLang="en-US" dirty="0"/>
           </a:p>
@@ -6745,7 +8119,7 @@
         </p:nvSpPr>
         <p:spPr>
           <a:xfrm>
-            <a:off x="1594071" y="3563801"/>
+            <a:off x="1673698" y="3482025"/>
             <a:ext cx="881885" cy="533359"/>
           </a:xfrm>
           <a:prstGeom prst="rect">
@@ -6845,7 +8219,7 @@
         </p:nvSpPr>
         <p:spPr>
           <a:xfrm>
-            <a:off x="2584040" y="3563801"/>
+            <a:off x="2584040" y="2387954"/>
             <a:ext cx="982597" cy="533359"/>
           </a:xfrm>
           <a:prstGeom prst="rect">
@@ -6911,7 +8285,7 @@
         </p:nvSpPr>
         <p:spPr>
           <a:xfrm>
-            <a:off x="2729018" y="3270461"/>
+            <a:off x="2729018" y="2094614"/>
             <a:ext cx="669792" cy="407385"/>
           </a:xfrm>
           <a:prstGeom prst="rect">
@@ -6985,7 +8359,7 @@
         </p:nvSpPr>
         <p:spPr>
           <a:xfrm>
-            <a:off x="1687439" y="3279352"/>
+            <a:off x="1767066" y="3197576"/>
             <a:ext cx="669792" cy="407385"/>
           </a:xfrm>
           <a:prstGeom prst="rect">
@@ -7059,7 +8433,7 @@
         </p:nvSpPr>
         <p:spPr>
           <a:xfrm>
-            <a:off x="893320" y="4231958"/>
+            <a:off x="972947" y="4150182"/>
             <a:ext cx="794119" cy="507690"/>
           </a:xfrm>
           <a:prstGeom prst="wedgeEllipseCallout">
@@ -7144,7 +8518,7 @@
         </p:nvSpPr>
         <p:spPr>
           <a:xfrm>
-            <a:off x="1594071" y="4388396"/>
+            <a:off x="1673698" y="4306620"/>
             <a:ext cx="794119" cy="507690"/>
           </a:xfrm>
           <a:prstGeom prst="wedgeEllipseCallout">
@@ -7229,7 +8603,7 @@
         </p:nvSpPr>
         <p:spPr>
           <a:xfrm>
-            <a:off x="2475956" y="4359830"/>
+            <a:off x="2555583" y="4278054"/>
             <a:ext cx="794119" cy="507690"/>
           </a:xfrm>
           <a:prstGeom prst="wedgeEllipseCallout">
@@ -7330,14 +8704,14 @@
       </p:sp>
       <p:sp>
         <p:nvSpPr>
-          <p:cNvPr id="10" name="乗算記号 9"/>
+          <p:cNvPr id="15" name="乗算記号 14"/>
           <p:cNvSpPr/>
           <p:nvPr/>
         </p:nvSpPr>
         <p:spPr>
           <a:xfrm>
-            <a:off x="1038714" y="1972618"/>
-            <a:ext cx="2696533" cy="1480842"/>
+            <a:off x="962787" y="2137463"/>
+            <a:ext cx="2061549" cy="1065506"/>
           </a:xfrm>
           <a:prstGeom prst="mathMultiply">
             <a:avLst>
@@ -7384,7 +8758,7 @@
       </p:sp>
       <p:pic>
         <p:nvPicPr>
-          <p:cNvPr id="15" name="図 14" descr="saitama2-2.png"/>
+          <p:cNvPr id="18" name="図 17" descr="saitama2-2.png"/>
           <p:cNvPicPr>
             <a:picLocks noChangeAspect="1"/>
           </p:cNvPicPr>
@@ -7415,7 +8789,7 @@
     </p:spTree>
     <p:extLst>
       <p:ext uri="{BB962C8B-B14F-4D97-AF65-F5344CB8AC3E}">
-        <p14:creationId xmlns:p14="http://schemas.microsoft.com/office/powerpoint/2010/main" val="2239230513"/>
+        <p14:creationId xmlns:p14="http://schemas.microsoft.com/office/powerpoint/2010/main" val="290530923"/>
       </p:ext>
     </p:extLst>
   </p:cSld>
@@ -7457,6 +8831,18 @@
           <a:bodyPr/>
           <a:lstStyle/>
           <a:p>
+            <a:r>
+              <a:rPr lang="en-US" altLang="ja-JP" dirty="0" smtClean="0"/>
+              <a:t>-s</a:t>
+            </a:r>
+            <a:r>
+              <a:rPr kumimoji="1" lang="en-US" altLang="ja-JP" dirty="0" smtClean="0"/>
+              <a:t>trip </a:t>
+            </a:r>
+            <a:r>
+              <a:rPr kumimoji="1" lang="ja-JP" altLang="en-US" dirty="0" smtClean="0"/>
+              <a:t>メタデータを全て削除</a:t>
+            </a:r>
             <a:endParaRPr kumimoji="1" lang="ja-JP" altLang="en-US" dirty="0"/>
           </a:p>
         </p:txBody>
@@ -7480,45 +8866,403 @@
           </a:p>
         </p:txBody>
       </p:sp>
-      <p:pic>
-        <p:nvPicPr>
-          <p:cNvPr id="8" name="図 7"/>
-          <p:cNvPicPr>
-            <a:picLocks noChangeAspect="1"/>
-          </p:cNvPicPr>
+      <p:sp>
+        <p:nvSpPr>
+          <p:cNvPr id="4" name="正方形/長方形 3"/>
+          <p:cNvSpPr/>
           <p:nvPr/>
-        </p:nvPicPr>
-        <p:blipFill>
-          <a:blip r:embed="rId2"/>
-          <a:stretch>
-            <a:fillRect/>
-          </a:stretch>
-        </p:blipFill>
+        </p:nvSpPr>
         <p:spPr>
           <a:xfrm>
-            <a:off x="1615440" y="1945640"/>
-            <a:ext cx="5052060" cy="4057193"/>
+            <a:off x="962787" y="2253156"/>
+            <a:ext cx="4918555" cy="802955"/>
           </a:xfrm>
           <a:prstGeom prst="rect">
             <a:avLst/>
           </a:prstGeom>
-        </p:spPr>
-      </p:pic>
-      <p:sp>
-        <p:nvSpPr>
-          <p:cNvPr id="9" name="円形吹き出し 8"/>
+          <a:gradFill>
+            <a:gsLst>
+              <a:gs pos="0">
+                <a:srgbClr val="FF6600"/>
+              </a:gs>
+              <a:gs pos="100000">
+                <a:schemeClr val="accent6">
+                  <a:lumMod val="60000"/>
+                  <a:lumOff val="40000"/>
+                </a:schemeClr>
+              </a:gs>
+            </a:gsLst>
+          </a:gradFill>
+        </p:spPr>
+        <p:style>
+          <a:lnRef idx="1">
+            <a:schemeClr val="accent1"/>
+          </a:lnRef>
+          <a:fillRef idx="3">
+            <a:schemeClr val="accent1"/>
+          </a:fillRef>
+          <a:effectRef idx="2">
+            <a:schemeClr val="accent1"/>
+          </a:effectRef>
+          <a:fontRef idx="minor">
+            <a:schemeClr val="lt1"/>
+          </a:fontRef>
+        </p:style>
+        <p:txBody>
+          <a:bodyPr rtlCol="0" anchor="t" anchorCtr="0"/>
+          <a:lstStyle/>
+          <a:p>
+            <a:r>
+              <a:rPr lang="en-US" altLang="ja-JP" dirty="0" smtClean="0">
+                <a:solidFill>
+                  <a:srgbClr val="000000"/>
+                </a:solidFill>
+                <a:latin typeface="ヒラギノ丸ゴ ProN W4"/>
+                <a:ea typeface="ヒラギノ丸ゴ ProN W4"/>
+                <a:cs typeface="ヒラギノ丸ゴ ProN W4"/>
+              </a:rPr>
+              <a:t>JPEG</a:t>
+            </a:r>
+            <a:endParaRPr kumimoji="1" lang="ja-JP" altLang="en-US" dirty="0">
+              <a:solidFill>
+                <a:srgbClr val="000000"/>
+              </a:solidFill>
+              <a:latin typeface="ヒラギノ丸ゴ ProN W4"/>
+              <a:ea typeface="ヒラギノ丸ゴ ProN W4"/>
+              <a:cs typeface="ヒラギノ丸ゴ ProN W4"/>
+            </a:endParaRPr>
+          </a:p>
+        </p:txBody>
+      </p:sp>
+      <p:sp>
+        <p:nvSpPr>
+          <p:cNvPr id="5" name="正方形/長方形 4"/>
           <p:cNvSpPr/>
           <p:nvPr/>
         </p:nvSpPr>
         <p:spPr>
           <a:xfrm>
-            <a:off x="4947160" y="2336799"/>
-            <a:ext cx="1626360" cy="1503681"/>
+            <a:off x="1594071" y="3563801"/>
+            <a:ext cx="881885" cy="533359"/>
+          </a:xfrm>
+          <a:prstGeom prst="rect">
+            <a:avLst/>
+          </a:prstGeom>
+        </p:spPr>
+        <p:style>
+          <a:lnRef idx="1">
+            <a:schemeClr val="accent1"/>
+          </a:lnRef>
+          <a:fillRef idx="3">
+            <a:schemeClr val="accent1"/>
+          </a:fillRef>
+          <a:effectRef idx="2">
+            <a:schemeClr val="accent1"/>
+          </a:effectRef>
+          <a:fontRef idx="minor">
+            <a:schemeClr val="lt1"/>
+          </a:fontRef>
+        </p:style>
+        <p:txBody>
+          <a:bodyPr wrap="none" rtlCol="0" anchor="ctr"/>
+          <a:lstStyle/>
+          <a:p>
+            <a:pPr algn="ctr"/>
+            <a:r>
+              <a:rPr kumimoji="1" lang="en-US" altLang="ja-JP" sz="1400" dirty="0" err="1" smtClean="0">
+                <a:latin typeface="ヒラギノ丸ゴ ProN W4"/>
+                <a:ea typeface="ヒラギノ丸ゴ ProN W4"/>
+                <a:cs typeface="ヒラギノ丸ゴ ProN W4"/>
+              </a:rPr>
+              <a:t>Exif</a:t>
+            </a:r>
+            <a:endParaRPr kumimoji="1" lang="ja-JP" altLang="en-US" sz="1400" dirty="0">
+              <a:latin typeface="ヒラギノ丸ゴ ProN W4"/>
+              <a:ea typeface="ヒラギノ丸ゴ ProN W4"/>
+              <a:cs typeface="ヒラギノ丸ゴ ProN W4"/>
+            </a:endParaRPr>
+          </a:p>
+        </p:txBody>
+      </p:sp>
+      <p:sp>
+        <p:nvSpPr>
+          <p:cNvPr id="6" name="正方形/長方形 5"/>
+          <p:cNvSpPr/>
+          <p:nvPr/>
+        </p:nvSpPr>
+        <p:spPr>
+          <a:xfrm>
+            <a:off x="3719745" y="2388951"/>
+            <a:ext cx="1972457" cy="533359"/>
+          </a:xfrm>
+          <a:prstGeom prst="rect">
+            <a:avLst/>
+          </a:prstGeom>
+        </p:spPr>
+        <p:style>
+          <a:lnRef idx="1">
+            <a:schemeClr val="accent1"/>
+          </a:lnRef>
+          <a:fillRef idx="3">
+            <a:schemeClr val="accent1"/>
+          </a:fillRef>
+          <a:effectRef idx="2">
+            <a:schemeClr val="accent1"/>
+          </a:effectRef>
+          <a:fontRef idx="minor">
+            <a:schemeClr val="lt1"/>
+          </a:fontRef>
+        </p:style>
+        <p:txBody>
+          <a:bodyPr wrap="none" rtlCol="0" anchor="ctr"/>
+          <a:lstStyle/>
+          <a:p>
+            <a:pPr algn="ctr"/>
+            <a:r>
+              <a:rPr kumimoji="1" lang="ja-JP" altLang="en-US" sz="1400" dirty="0" smtClean="0">
+                <a:latin typeface="ヒラギノ丸ゴ ProN W4"/>
+                <a:ea typeface="ヒラギノ丸ゴ ProN W4"/>
+                <a:cs typeface="ヒラギノ丸ゴ ProN W4"/>
+              </a:rPr>
+              <a:t>画像データ</a:t>
+            </a:r>
+            <a:endParaRPr kumimoji="1" lang="ja-JP" altLang="en-US" sz="1400" dirty="0">
+              <a:latin typeface="ヒラギノ丸ゴ ProN W4"/>
+              <a:ea typeface="ヒラギノ丸ゴ ProN W4"/>
+              <a:cs typeface="ヒラギノ丸ゴ ProN W4"/>
+            </a:endParaRPr>
+          </a:p>
+        </p:txBody>
+      </p:sp>
+      <p:sp>
+        <p:nvSpPr>
+          <p:cNvPr id="7" name="正方形/長方形 6"/>
+          <p:cNvSpPr/>
+          <p:nvPr/>
+        </p:nvSpPr>
+        <p:spPr>
+          <a:xfrm>
+            <a:off x="2584040" y="3563801"/>
+            <a:ext cx="982597" cy="533359"/>
+          </a:xfrm>
+          <a:prstGeom prst="rect">
+            <a:avLst/>
+          </a:prstGeom>
+        </p:spPr>
+        <p:style>
+          <a:lnRef idx="1">
+            <a:schemeClr val="accent1"/>
+          </a:lnRef>
+          <a:fillRef idx="3">
+            <a:schemeClr val="accent1"/>
+          </a:fillRef>
+          <a:effectRef idx="2">
+            <a:schemeClr val="accent1"/>
+          </a:effectRef>
+          <a:fontRef idx="minor">
+            <a:schemeClr val="lt1"/>
+          </a:fontRef>
+        </p:style>
+        <p:txBody>
+          <a:bodyPr wrap="none" rtlCol="0" anchor="ctr"/>
+          <a:lstStyle/>
+          <a:p>
+            <a:pPr algn="ctr"/>
+            <a:r>
+              <a:rPr kumimoji="1" lang="en-US" altLang="ja-JP" sz="1400" dirty="0" smtClean="0">
+                <a:latin typeface="ヒラギノ丸ゴ ProN W4"/>
+                <a:ea typeface="ヒラギノ丸ゴ ProN W4"/>
+                <a:cs typeface="ヒラギノ丸ゴ ProN W4"/>
+              </a:rPr>
+              <a:t>ICC</a:t>
+            </a:r>
+            <a:r>
+              <a:rPr lang="en-US" altLang="en-US" sz="1400" dirty="0">
+                <a:latin typeface="ヒラギノ丸ゴ ProN W4"/>
+                <a:ea typeface="ヒラギノ丸ゴ ProN W4"/>
+                <a:cs typeface="ヒラギノ丸ゴ ProN W4"/>
+              </a:rPr>
+              <a:t> </a:t>
+            </a:r>
+            <a:r>
+              <a:rPr lang="en-US" altLang="en-US" sz="1400" dirty="0" smtClean="0">
+                <a:latin typeface="ヒラギノ丸ゴ ProN W4"/>
+                <a:ea typeface="ヒラギノ丸ゴ ProN W4"/>
+                <a:cs typeface="ヒラギノ丸ゴ ProN W4"/>
+              </a:rPr>
+              <a:t>Profile</a:t>
+            </a:r>
+            <a:endParaRPr kumimoji="1" lang="ja-JP" altLang="en-US" sz="1400" dirty="0">
+              <a:latin typeface="ヒラギノ丸ゴ ProN W4"/>
+              <a:ea typeface="ヒラギノ丸ゴ ProN W4"/>
+              <a:cs typeface="ヒラギノ丸ゴ ProN W4"/>
+            </a:endParaRPr>
+          </a:p>
+        </p:txBody>
+      </p:sp>
+      <p:sp>
+        <p:nvSpPr>
+          <p:cNvPr id="8" name="正方形/長方形 7"/>
+          <p:cNvSpPr/>
+          <p:nvPr/>
+        </p:nvSpPr>
+        <p:spPr>
+          <a:xfrm>
+            <a:off x="2729018" y="3270461"/>
+            <a:ext cx="669792" cy="407385"/>
+          </a:xfrm>
+          <a:prstGeom prst="rect">
+            <a:avLst/>
+          </a:prstGeom>
+          <a:gradFill>
+            <a:gsLst>
+              <a:gs pos="0">
+                <a:srgbClr val="FF6600"/>
+              </a:gs>
+              <a:gs pos="100000">
+                <a:schemeClr val="accent6">
+                  <a:lumMod val="60000"/>
+                  <a:lumOff val="40000"/>
+                </a:schemeClr>
+              </a:gs>
+            </a:gsLst>
+          </a:gradFill>
+        </p:spPr>
+        <p:style>
+          <a:lnRef idx="1">
+            <a:schemeClr val="accent1"/>
+          </a:lnRef>
+          <a:fillRef idx="3">
+            <a:schemeClr val="accent1"/>
+          </a:fillRef>
+          <a:effectRef idx="2">
+            <a:schemeClr val="accent1"/>
+          </a:effectRef>
+          <a:fontRef idx="minor">
+            <a:schemeClr val="lt1"/>
+          </a:fontRef>
+        </p:style>
+        <p:txBody>
+          <a:bodyPr rtlCol="0" anchor="ctr"/>
+          <a:lstStyle/>
+          <a:p>
+            <a:pPr algn="ctr"/>
+            <a:r>
+              <a:rPr kumimoji="1" lang="en-US" altLang="ja-JP" sz="1200" dirty="0" smtClean="0">
+                <a:latin typeface="ヒラギノ丸ゴ ProN W4"/>
+                <a:ea typeface="ヒラギノ丸ゴ ProN W4"/>
+                <a:cs typeface="ヒラギノ丸ゴ ProN W4"/>
+              </a:rPr>
+              <a:t>APP2</a:t>
+            </a:r>
+          </a:p>
+          <a:p>
+            <a:pPr algn="ctr"/>
+            <a:r>
+              <a:rPr lang="en-US" altLang="ja-JP" sz="1200" dirty="0" smtClean="0">
+                <a:latin typeface="ヒラギノ丸ゴ ProN W4"/>
+                <a:ea typeface="ヒラギノ丸ゴ ProN W4"/>
+                <a:cs typeface="ヒラギノ丸ゴ ProN W4"/>
+              </a:rPr>
+              <a:t>ffe2</a:t>
+            </a:r>
+            <a:endParaRPr kumimoji="1" lang="ja-JP" altLang="en-US" sz="1200" dirty="0">
+              <a:latin typeface="ヒラギノ丸ゴ ProN W4"/>
+              <a:ea typeface="ヒラギノ丸ゴ ProN W4"/>
+              <a:cs typeface="ヒラギノ丸ゴ ProN W4"/>
+            </a:endParaRPr>
+          </a:p>
+        </p:txBody>
+      </p:sp>
+      <p:sp>
+        <p:nvSpPr>
+          <p:cNvPr id="9" name="正方形/長方形 8"/>
+          <p:cNvSpPr/>
+          <p:nvPr/>
+        </p:nvSpPr>
+        <p:spPr>
+          <a:xfrm>
+            <a:off x="1687439" y="3279352"/>
+            <a:ext cx="669792" cy="407385"/>
+          </a:xfrm>
+          <a:prstGeom prst="rect">
+            <a:avLst/>
+          </a:prstGeom>
+          <a:gradFill>
+            <a:gsLst>
+              <a:gs pos="0">
+                <a:srgbClr val="FF6600"/>
+              </a:gs>
+              <a:gs pos="100000">
+                <a:schemeClr val="accent6">
+                  <a:lumMod val="60000"/>
+                  <a:lumOff val="40000"/>
+                </a:schemeClr>
+              </a:gs>
+            </a:gsLst>
+          </a:gradFill>
+        </p:spPr>
+        <p:style>
+          <a:lnRef idx="1">
+            <a:schemeClr val="accent1"/>
+          </a:lnRef>
+          <a:fillRef idx="3">
+            <a:schemeClr val="accent1"/>
+          </a:fillRef>
+          <a:effectRef idx="2">
+            <a:schemeClr val="accent1"/>
+          </a:effectRef>
+          <a:fontRef idx="minor">
+            <a:schemeClr val="lt1"/>
+          </a:fontRef>
+        </p:style>
+        <p:txBody>
+          <a:bodyPr rtlCol="0" anchor="ctr"/>
+          <a:lstStyle/>
+          <a:p>
+            <a:pPr algn="ctr"/>
+            <a:r>
+              <a:rPr kumimoji="1" lang="en-US" altLang="ja-JP" sz="1200" dirty="0" smtClean="0">
+                <a:latin typeface="ヒラギノ丸ゴ ProN W4"/>
+                <a:ea typeface="ヒラギノ丸ゴ ProN W4"/>
+                <a:cs typeface="ヒラギノ丸ゴ ProN W4"/>
+              </a:rPr>
+              <a:t>APP1</a:t>
+            </a:r>
+          </a:p>
+          <a:p>
+            <a:pPr algn="ctr"/>
+            <a:r>
+              <a:rPr lang="en-US" altLang="ja-JP" sz="1200" dirty="0" smtClean="0">
+                <a:latin typeface="ヒラギノ丸ゴ ProN W4"/>
+                <a:ea typeface="ヒラギノ丸ゴ ProN W4"/>
+                <a:cs typeface="ヒラギノ丸ゴ ProN W4"/>
+              </a:rPr>
+              <a:t>ffe1</a:t>
+            </a:r>
+            <a:endParaRPr kumimoji="1" lang="ja-JP" altLang="en-US" sz="1200" dirty="0">
+              <a:latin typeface="ヒラギノ丸ゴ ProN W4"/>
+              <a:ea typeface="ヒラギノ丸ゴ ProN W4"/>
+              <a:cs typeface="ヒラギノ丸ゴ ProN W4"/>
+            </a:endParaRPr>
+          </a:p>
+        </p:txBody>
+      </p:sp>
+      <p:sp>
+        <p:nvSpPr>
+          <p:cNvPr id="12" name="円形吹き出し 11"/>
+          <p:cNvSpPr/>
+          <p:nvPr/>
+        </p:nvSpPr>
+        <p:spPr>
+          <a:xfrm>
+            <a:off x="893320" y="4231958"/>
+            <a:ext cx="794119" cy="507690"/>
           </a:xfrm>
           <a:prstGeom prst="wedgeEllipseCallout">
             <a:avLst>
-              <a:gd name="adj1" fmla="val -29540"/>
-              <a:gd name="adj2" fmla="val 139101"/>
+              <a:gd name="adj1" fmla="val 46239"/>
+              <a:gd name="adj2" fmla="val -80382"/>
             </a:avLst>
           </a:prstGeom>
           <a:gradFill flip="none" rotWithShape="1">
@@ -7576,9 +9320,9 @@
                 <a:ea typeface="ヒラギノ丸ゴ ProN W4"/>
                 <a:cs typeface="ヒラギノ丸ゴ ProN W4"/>
               </a:rPr>
-              <a:t>これだけを</a:t>
-            </a:r>
-            <a:endParaRPr kumimoji="1" lang="en-US" altLang="ja-JP" sz="1600" dirty="0" smtClean="0">
+              <a:t>撮影日時</a:t>
+            </a:r>
+            <a:endParaRPr kumimoji="1" lang="ja-JP" altLang="en-US" sz="1600" dirty="0">
               <a:solidFill>
                 <a:srgbClr val="000000"/>
               </a:solidFill>
@@ -7587,6 +9331,69 @@
               <a:cs typeface="ヒラギノ丸ゴ ProN W4"/>
             </a:endParaRPr>
           </a:p>
+        </p:txBody>
+      </p:sp>
+      <p:sp>
+        <p:nvSpPr>
+          <p:cNvPr id="13" name="円形吹き出し 12"/>
+          <p:cNvSpPr/>
+          <p:nvPr/>
+        </p:nvSpPr>
+        <p:spPr>
+          <a:xfrm>
+            <a:off x="1594071" y="4388396"/>
+            <a:ext cx="794119" cy="507690"/>
+          </a:xfrm>
+          <a:prstGeom prst="wedgeEllipseCallout">
+            <a:avLst>
+              <a:gd name="adj1" fmla="val -3665"/>
+              <a:gd name="adj2" fmla="val -124737"/>
+            </a:avLst>
+          </a:prstGeom>
+          <a:gradFill flip="none" rotWithShape="1">
+            <a:gsLst>
+              <a:gs pos="58000">
+                <a:schemeClr val="accent6">
+                  <a:lumMod val="40000"/>
+                  <a:lumOff val="60000"/>
+                </a:schemeClr>
+              </a:gs>
+              <a:gs pos="0">
+                <a:schemeClr val="accent6">
+                  <a:lumMod val="40000"/>
+                  <a:lumOff val="60000"/>
+                </a:schemeClr>
+              </a:gs>
+              <a:gs pos="90000">
+                <a:schemeClr val="accent6">
+                  <a:lumMod val="60000"/>
+                  <a:lumOff val="40000"/>
+                </a:schemeClr>
+              </a:gs>
+            </a:gsLst>
+            <a:path path="circle">
+              <a:fillToRect l="50000" t="50000" r="50000" b="50000"/>
+            </a:path>
+            <a:tileRect/>
+          </a:gradFill>
+        </p:spPr>
+        <p:style>
+          <a:lnRef idx="1">
+            <a:schemeClr val="accent1"/>
+          </a:lnRef>
+          <a:fillRef idx="3">
+            <a:schemeClr val="accent1"/>
+          </a:fillRef>
+          <a:effectRef idx="2">
+            <a:schemeClr val="accent1"/>
+          </a:effectRef>
+          <a:fontRef idx="minor">
+            <a:schemeClr val="lt1"/>
+          </a:fontRef>
+        </p:style>
+        <p:txBody>
+          <a:bodyPr wrap="none" rtlCol="0" anchor="ctr"/>
+          <a:lstStyle/>
           <a:p>
             <a:pPr algn="ctr"/>
             <a:r>
@@ -7598,9 +9405,9 @@
                 <a:ea typeface="ヒラギノ丸ゴ ProN W4"/>
                 <a:cs typeface="ヒラギノ丸ゴ ProN W4"/>
               </a:rPr>
-              <a:t>消すと</a:t>
-            </a:r>
-            <a:endParaRPr kumimoji="1" lang="en-US" altLang="ja-JP" sz="1600" dirty="0" smtClean="0">
+              <a:t>撮影場所</a:t>
+            </a:r>
+            <a:endParaRPr kumimoji="1" lang="ja-JP" altLang="en-US" sz="1600" dirty="0">
               <a:solidFill>
                 <a:srgbClr val="000000"/>
               </a:solidFill>
@@ -7609,6 +9416,69 @@
               <a:cs typeface="ヒラギノ丸ゴ ProN W4"/>
             </a:endParaRPr>
           </a:p>
+        </p:txBody>
+      </p:sp>
+      <p:sp>
+        <p:nvSpPr>
+          <p:cNvPr id="14" name="円形吹き出し 13"/>
+          <p:cNvSpPr/>
+          <p:nvPr/>
+        </p:nvSpPr>
+        <p:spPr>
+          <a:xfrm>
+            <a:off x="2475956" y="4359830"/>
+            <a:ext cx="794119" cy="507690"/>
+          </a:xfrm>
+          <a:prstGeom prst="wedgeEllipseCallout">
+            <a:avLst>
+              <a:gd name="adj1" fmla="val -81923"/>
+              <a:gd name="adj2" fmla="val -133608"/>
+            </a:avLst>
+          </a:prstGeom>
+          <a:gradFill flip="none" rotWithShape="1">
+            <a:gsLst>
+              <a:gs pos="58000">
+                <a:schemeClr val="accent6">
+                  <a:lumMod val="40000"/>
+                  <a:lumOff val="60000"/>
+                </a:schemeClr>
+              </a:gs>
+              <a:gs pos="0">
+                <a:schemeClr val="accent6">
+                  <a:lumMod val="40000"/>
+                  <a:lumOff val="60000"/>
+                </a:schemeClr>
+              </a:gs>
+              <a:gs pos="90000">
+                <a:schemeClr val="accent6">
+                  <a:lumMod val="60000"/>
+                  <a:lumOff val="40000"/>
+                </a:schemeClr>
+              </a:gs>
+            </a:gsLst>
+            <a:path path="circle">
+              <a:fillToRect l="50000" t="50000" r="50000" b="50000"/>
+            </a:path>
+            <a:tileRect/>
+          </a:gradFill>
+        </p:spPr>
+        <p:style>
+          <a:lnRef idx="1">
+            <a:schemeClr val="accent1"/>
+          </a:lnRef>
+          <a:fillRef idx="3">
+            <a:schemeClr val="accent1"/>
+          </a:fillRef>
+          <a:effectRef idx="2">
+            <a:schemeClr val="accent1"/>
+          </a:effectRef>
+          <a:fontRef idx="minor">
+            <a:schemeClr val="lt1"/>
+          </a:fontRef>
+        </p:style>
+        <p:txBody>
+          <a:bodyPr wrap="none" rtlCol="0" anchor="ctr"/>
+          <a:lstStyle/>
           <a:p>
             <a:pPr algn="ctr"/>
             <a:r>
@@ -7620,7 +9490,7 @@
                 <a:ea typeface="ヒラギノ丸ゴ ProN W4"/>
                 <a:cs typeface="ヒラギノ丸ゴ ProN W4"/>
               </a:rPr>
-              <a:t>画像を回転</a:t>
+              <a:t>画像の</a:t>
             </a:r>
             <a:endParaRPr lang="en-US" altLang="ja-JP" sz="1600" dirty="0" smtClean="0">
               <a:solidFill>
@@ -7634,17 +9504,6 @@
           <a:p>
             <a:pPr algn="ctr"/>
             <a:r>
-              <a:rPr kumimoji="1" lang="ja-JP" altLang="en-US" sz="1600" dirty="0" smtClean="0">
-                <a:solidFill>
-                  <a:srgbClr val="000000"/>
-                </a:solidFill>
-                <a:latin typeface="ヒラギノ丸ゴ ProN W4"/>
-                <a:ea typeface="ヒラギノ丸ゴ ProN W4"/>
-                <a:cs typeface="ヒラギノ丸ゴ ProN W4"/>
-              </a:rPr>
-              <a:t>できな</a:t>
-            </a:r>
-            <a:r>
               <a:rPr lang="ja-JP" altLang="en-US" sz="1600" dirty="0" smtClean="0">
                 <a:solidFill>
                   <a:srgbClr val="000000"/>
@@ -7653,7 +9512,7 @@
                 <a:ea typeface="ヒラギノ丸ゴ ProN W4"/>
                 <a:cs typeface="ヒラギノ丸ゴ ProN W4"/>
               </a:rPr>
-              <a:t>くなる</a:t>
+              <a:t>向き</a:t>
             </a:r>
             <a:endParaRPr kumimoji="1" lang="ja-JP" altLang="en-US" sz="1600" dirty="0">
               <a:solidFill>
@@ -7666,10 +9525,94 @@
           </a:p>
         </p:txBody>
       </p:sp>
+      <p:sp>
+        <p:nvSpPr>
+          <p:cNvPr id="10" name="乗算記号 9"/>
+          <p:cNvSpPr/>
+          <p:nvPr/>
+        </p:nvSpPr>
+        <p:spPr>
+          <a:xfrm>
+            <a:off x="1038714" y="1972618"/>
+            <a:ext cx="2696533" cy="1480842"/>
+          </a:xfrm>
+          <a:prstGeom prst="mathMultiply">
+            <a:avLst>
+              <a:gd name="adj1" fmla="val 8654"/>
+            </a:avLst>
+          </a:prstGeom>
+          <a:gradFill>
+            <a:gsLst>
+              <a:gs pos="0">
+                <a:srgbClr val="FF0000"/>
+              </a:gs>
+              <a:gs pos="100000">
+                <a:srgbClr val="FF6600"/>
+              </a:gs>
+            </a:gsLst>
+          </a:gradFill>
+        </p:spPr>
+        <p:style>
+          <a:lnRef idx="1">
+            <a:schemeClr val="accent1"/>
+          </a:lnRef>
+          <a:fillRef idx="3">
+            <a:schemeClr val="accent1"/>
+          </a:fillRef>
+          <a:effectRef idx="2">
+            <a:schemeClr val="accent1"/>
+          </a:effectRef>
+          <a:fontRef idx="minor">
+            <a:schemeClr val="lt1"/>
+          </a:fontRef>
+        </p:style>
+        <p:txBody>
+          <a:bodyPr rtlCol="0" anchor="ctr"/>
+          <a:lstStyle/>
+          <a:p>
+            <a:pPr algn="ctr"/>
+            <a:endParaRPr kumimoji="1" lang="ja-JP" altLang="en-US">
+              <a:latin typeface="ヒラギノ丸ゴ ProN W4"/>
+              <a:ea typeface="ヒラギノ丸ゴ ProN W4"/>
+              <a:cs typeface="ヒラギノ丸ゴ ProN W4"/>
+            </a:endParaRPr>
+          </a:p>
+        </p:txBody>
+      </p:sp>
+      <p:pic>
+        <p:nvPicPr>
+          <p:cNvPr id="15" name="図 14" descr="saitama2-2.png"/>
+          <p:cNvPicPr>
+            <a:picLocks noChangeAspect="1"/>
+          </p:cNvPicPr>
+          <p:nvPr/>
+        </p:nvPicPr>
+        <p:blipFill>
+          <a:blip r:embed="rId3">
+            <a:extLst>
+              <a:ext uri="{28A0092B-C50C-407E-A947-70E740481C1C}">
+                <a14:useLocalDpi xmlns:a14="http://schemas.microsoft.com/office/drawing/2010/main" val="0"/>
+              </a:ext>
+            </a:extLst>
+          </a:blip>
+          <a:stretch>
+            <a:fillRect/>
+          </a:stretch>
+        </p:blipFill>
+        <p:spPr>
+          <a:xfrm>
+            <a:off x="4462876" y="2803305"/>
+            <a:ext cx="614663" cy="1082647"/>
+          </a:xfrm>
+          <a:prstGeom prst="rect">
+            <a:avLst/>
+          </a:prstGeom>
+        </p:spPr>
+      </p:pic>
     </p:spTree>
     <p:extLst>
       <p:ext uri="{BB962C8B-B14F-4D97-AF65-F5344CB8AC3E}">
-        <p14:creationId xmlns:p14="http://schemas.microsoft.com/office/powerpoint/2010/main" val="3500188881"/>
+        <p14:creationId xmlns:p14="http://schemas.microsoft.com/office/powerpoint/2010/main" val="2239230513"/>
       </p:ext>
     </p:extLst>
   </p:cSld>
@@ -7711,14 +9654,6 @@
           <a:bodyPr/>
           <a:lstStyle/>
           <a:p>
-            <a:r>
-              <a:rPr lang="en-US" altLang="ja-JP" dirty="0"/>
-              <a:t>-auto-orient </a:t>
-            </a:r>
-            <a:r>
-              <a:rPr lang="ja-JP" altLang="en-US" dirty="0"/>
-              <a:t>向きを反映</a:t>
-            </a:r>
             <a:endParaRPr kumimoji="1" lang="ja-JP" altLang="en-US" dirty="0"/>
           </a:p>
         </p:txBody>
@@ -7742,403 +9677,45 @@
           </a:p>
         </p:txBody>
       </p:sp>
-      <p:sp>
-        <p:nvSpPr>
-          <p:cNvPr id="4" name="正方形/長方形 3"/>
-          <p:cNvSpPr/>
+      <p:pic>
+        <p:nvPicPr>
+          <p:cNvPr id="8" name="図 7"/>
+          <p:cNvPicPr>
+            <a:picLocks noChangeAspect="1"/>
+          </p:cNvPicPr>
           <p:nvPr/>
-        </p:nvSpPr>
+        </p:nvPicPr>
+        <p:blipFill>
+          <a:blip r:embed="rId2"/>
+          <a:stretch>
+            <a:fillRect/>
+          </a:stretch>
+        </p:blipFill>
         <p:spPr>
           <a:xfrm>
-            <a:off x="893321" y="2253156"/>
-            <a:ext cx="4988022" cy="802955"/>
+            <a:off x="1615440" y="1945640"/>
+            <a:ext cx="5052060" cy="4057193"/>
           </a:xfrm>
           <a:prstGeom prst="rect">
             <a:avLst/>
           </a:prstGeom>
-          <a:gradFill>
-            <a:gsLst>
-              <a:gs pos="0">
-                <a:srgbClr val="FF6600"/>
-              </a:gs>
-              <a:gs pos="100000">
-                <a:schemeClr val="accent6">
-                  <a:lumMod val="60000"/>
-                  <a:lumOff val="40000"/>
-                </a:schemeClr>
-              </a:gs>
-            </a:gsLst>
-          </a:gradFill>
-        </p:spPr>
-        <p:style>
-          <a:lnRef idx="1">
-            <a:schemeClr val="accent1"/>
-          </a:lnRef>
-          <a:fillRef idx="3">
-            <a:schemeClr val="accent1"/>
-          </a:fillRef>
-          <a:effectRef idx="2">
-            <a:schemeClr val="accent1"/>
-          </a:effectRef>
-          <a:fontRef idx="minor">
-            <a:schemeClr val="lt1"/>
-          </a:fontRef>
-        </p:style>
-        <p:txBody>
-          <a:bodyPr rtlCol="0" anchor="t" anchorCtr="0"/>
-          <a:lstStyle/>
-          <a:p>
-            <a:r>
-              <a:rPr lang="en-US" altLang="ja-JP" dirty="0" smtClean="0">
-                <a:solidFill>
-                  <a:srgbClr val="000000"/>
-                </a:solidFill>
-                <a:latin typeface="ヒラギノ丸ゴ ProN W4"/>
-                <a:ea typeface="ヒラギノ丸ゴ ProN W4"/>
-                <a:cs typeface="ヒラギノ丸ゴ ProN W4"/>
-              </a:rPr>
-              <a:t>JPEG</a:t>
-            </a:r>
-            <a:endParaRPr kumimoji="1" lang="ja-JP" altLang="en-US" dirty="0">
-              <a:solidFill>
-                <a:srgbClr val="000000"/>
-              </a:solidFill>
-              <a:latin typeface="ヒラギノ丸ゴ ProN W4"/>
-              <a:ea typeface="ヒラギノ丸ゴ ProN W4"/>
-              <a:cs typeface="ヒラギノ丸ゴ ProN W4"/>
-            </a:endParaRPr>
-          </a:p>
-        </p:txBody>
-      </p:sp>
-      <p:sp>
-        <p:nvSpPr>
-          <p:cNvPr id="5" name="正方形/長方形 4"/>
+        </p:spPr>
+      </p:pic>
+      <p:sp>
+        <p:nvSpPr>
+          <p:cNvPr id="9" name="円形吹き出し 8"/>
           <p:cNvSpPr/>
           <p:nvPr/>
         </p:nvSpPr>
         <p:spPr>
           <a:xfrm>
-            <a:off x="1594071" y="2387954"/>
-            <a:ext cx="881885" cy="533359"/>
-          </a:xfrm>
-          <a:prstGeom prst="rect">
-            <a:avLst/>
-          </a:prstGeom>
-        </p:spPr>
-        <p:style>
-          <a:lnRef idx="1">
-            <a:schemeClr val="accent1"/>
-          </a:lnRef>
-          <a:fillRef idx="3">
-            <a:schemeClr val="accent1"/>
-          </a:fillRef>
-          <a:effectRef idx="2">
-            <a:schemeClr val="accent1"/>
-          </a:effectRef>
-          <a:fontRef idx="minor">
-            <a:schemeClr val="lt1"/>
-          </a:fontRef>
-        </p:style>
-        <p:txBody>
-          <a:bodyPr wrap="none" rtlCol="0" anchor="ctr"/>
-          <a:lstStyle/>
-          <a:p>
-            <a:pPr algn="ctr"/>
-            <a:r>
-              <a:rPr kumimoji="1" lang="en-US" altLang="ja-JP" sz="1400" dirty="0" err="1" smtClean="0">
-                <a:latin typeface="ヒラギノ丸ゴ ProN W4"/>
-                <a:ea typeface="ヒラギノ丸ゴ ProN W4"/>
-                <a:cs typeface="ヒラギノ丸ゴ ProN W4"/>
-              </a:rPr>
-              <a:t>Exif</a:t>
-            </a:r>
-            <a:endParaRPr kumimoji="1" lang="ja-JP" altLang="en-US" sz="1400" dirty="0">
-              <a:latin typeface="ヒラギノ丸ゴ ProN W4"/>
-              <a:ea typeface="ヒラギノ丸ゴ ProN W4"/>
-              <a:cs typeface="ヒラギノ丸ゴ ProN W4"/>
-            </a:endParaRPr>
-          </a:p>
-        </p:txBody>
-      </p:sp>
-      <p:sp>
-        <p:nvSpPr>
-          <p:cNvPr id="6" name="正方形/長方形 5"/>
-          <p:cNvSpPr/>
-          <p:nvPr/>
-        </p:nvSpPr>
-        <p:spPr>
-          <a:xfrm>
-            <a:off x="3719745" y="2388951"/>
-            <a:ext cx="1972457" cy="533359"/>
-          </a:xfrm>
-          <a:prstGeom prst="rect">
-            <a:avLst/>
-          </a:prstGeom>
-        </p:spPr>
-        <p:style>
-          <a:lnRef idx="1">
-            <a:schemeClr val="accent1"/>
-          </a:lnRef>
-          <a:fillRef idx="3">
-            <a:schemeClr val="accent1"/>
-          </a:fillRef>
-          <a:effectRef idx="2">
-            <a:schemeClr val="accent1"/>
-          </a:effectRef>
-          <a:fontRef idx="minor">
-            <a:schemeClr val="lt1"/>
-          </a:fontRef>
-        </p:style>
-        <p:txBody>
-          <a:bodyPr wrap="none" rtlCol="0" anchor="ctr"/>
-          <a:lstStyle/>
-          <a:p>
-            <a:pPr algn="ctr"/>
-            <a:r>
-              <a:rPr kumimoji="1" lang="ja-JP" altLang="en-US" sz="1400" dirty="0" smtClean="0">
-                <a:latin typeface="ヒラギノ丸ゴ ProN W4"/>
-                <a:ea typeface="ヒラギノ丸ゴ ProN W4"/>
-                <a:cs typeface="ヒラギノ丸ゴ ProN W4"/>
-              </a:rPr>
-              <a:t>画像データ</a:t>
-            </a:r>
-            <a:endParaRPr kumimoji="1" lang="ja-JP" altLang="en-US" sz="1400" dirty="0">
-              <a:latin typeface="ヒラギノ丸ゴ ProN W4"/>
-              <a:ea typeface="ヒラギノ丸ゴ ProN W4"/>
-              <a:cs typeface="ヒラギノ丸ゴ ProN W4"/>
-            </a:endParaRPr>
-          </a:p>
-        </p:txBody>
-      </p:sp>
-      <p:sp>
-        <p:nvSpPr>
-          <p:cNvPr id="7" name="正方形/長方形 6"/>
-          <p:cNvSpPr/>
-          <p:nvPr/>
-        </p:nvSpPr>
-        <p:spPr>
-          <a:xfrm>
-            <a:off x="2584040" y="2387954"/>
-            <a:ext cx="982597" cy="533359"/>
-          </a:xfrm>
-          <a:prstGeom prst="rect">
-            <a:avLst/>
-          </a:prstGeom>
-        </p:spPr>
-        <p:style>
-          <a:lnRef idx="1">
-            <a:schemeClr val="accent1"/>
-          </a:lnRef>
-          <a:fillRef idx="3">
-            <a:schemeClr val="accent1"/>
-          </a:fillRef>
-          <a:effectRef idx="2">
-            <a:schemeClr val="accent1"/>
-          </a:effectRef>
-          <a:fontRef idx="minor">
-            <a:schemeClr val="lt1"/>
-          </a:fontRef>
-        </p:style>
-        <p:txBody>
-          <a:bodyPr wrap="none" rtlCol="0" anchor="ctr"/>
-          <a:lstStyle/>
-          <a:p>
-            <a:pPr algn="ctr"/>
-            <a:r>
-              <a:rPr kumimoji="1" lang="en-US" altLang="ja-JP" sz="1400" dirty="0" smtClean="0">
-                <a:latin typeface="ヒラギノ丸ゴ ProN W4"/>
-                <a:ea typeface="ヒラギノ丸ゴ ProN W4"/>
-                <a:cs typeface="ヒラギノ丸ゴ ProN W4"/>
-              </a:rPr>
-              <a:t>ICC</a:t>
-            </a:r>
-            <a:r>
-              <a:rPr lang="en-US" altLang="en-US" sz="1400" dirty="0">
-                <a:latin typeface="ヒラギノ丸ゴ ProN W4"/>
-                <a:ea typeface="ヒラギノ丸ゴ ProN W4"/>
-                <a:cs typeface="ヒラギノ丸ゴ ProN W4"/>
-              </a:rPr>
-              <a:t> </a:t>
-            </a:r>
-            <a:r>
-              <a:rPr lang="en-US" altLang="en-US" sz="1400" dirty="0" smtClean="0">
-                <a:latin typeface="ヒラギノ丸ゴ ProN W4"/>
-                <a:ea typeface="ヒラギノ丸ゴ ProN W4"/>
-                <a:cs typeface="ヒラギノ丸ゴ ProN W4"/>
-              </a:rPr>
-              <a:t>Profile</a:t>
-            </a:r>
-            <a:endParaRPr kumimoji="1" lang="ja-JP" altLang="en-US" sz="1400" dirty="0">
-              <a:latin typeface="ヒラギノ丸ゴ ProN W4"/>
-              <a:ea typeface="ヒラギノ丸ゴ ProN W4"/>
-              <a:cs typeface="ヒラギノ丸ゴ ProN W4"/>
-            </a:endParaRPr>
-          </a:p>
-        </p:txBody>
-      </p:sp>
-      <p:sp>
-        <p:nvSpPr>
-          <p:cNvPr id="8" name="正方形/長方形 7"/>
-          <p:cNvSpPr/>
-          <p:nvPr/>
-        </p:nvSpPr>
-        <p:spPr>
-          <a:xfrm>
-            <a:off x="2729018" y="2094614"/>
-            <a:ext cx="669792" cy="407385"/>
-          </a:xfrm>
-          <a:prstGeom prst="rect">
-            <a:avLst/>
-          </a:prstGeom>
-          <a:gradFill>
-            <a:gsLst>
-              <a:gs pos="0">
-                <a:srgbClr val="FF6600"/>
-              </a:gs>
-              <a:gs pos="100000">
-                <a:schemeClr val="accent6">
-                  <a:lumMod val="60000"/>
-                  <a:lumOff val="40000"/>
-                </a:schemeClr>
-              </a:gs>
-            </a:gsLst>
-          </a:gradFill>
-        </p:spPr>
-        <p:style>
-          <a:lnRef idx="1">
-            <a:schemeClr val="accent1"/>
-          </a:lnRef>
-          <a:fillRef idx="3">
-            <a:schemeClr val="accent1"/>
-          </a:fillRef>
-          <a:effectRef idx="2">
-            <a:schemeClr val="accent1"/>
-          </a:effectRef>
-          <a:fontRef idx="minor">
-            <a:schemeClr val="lt1"/>
-          </a:fontRef>
-        </p:style>
-        <p:txBody>
-          <a:bodyPr rtlCol="0" anchor="ctr"/>
-          <a:lstStyle/>
-          <a:p>
-            <a:pPr algn="ctr"/>
-            <a:r>
-              <a:rPr kumimoji="1" lang="en-US" altLang="ja-JP" sz="1200" dirty="0" smtClean="0">
-                <a:latin typeface="ヒラギノ丸ゴ ProN W4"/>
-                <a:ea typeface="ヒラギノ丸ゴ ProN W4"/>
-                <a:cs typeface="ヒラギノ丸ゴ ProN W4"/>
-              </a:rPr>
-              <a:t>APP2</a:t>
-            </a:r>
-          </a:p>
-          <a:p>
-            <a:pPr algn="ctr"/>
-            <a:r>
-              <a:rPr lang="en-US" altLang="ja-JP" sz="1200" dirty="0" smtClean="0">
-                <a:latin typeface="ヒラギノ丸ゴ ProN W4"/>
-                <a:ea typeface="ヒラギノ丸ゴ ProN W4"/>
-                <a:cs typeface="ヒラギノ丸ゴ ProN W4"/>
-              </a:rPr>
-              <a:t>ffe2</a:t>
-            </a:r>
-            <a:endParaRPr kumimoji="1" lang="ja-JP" altLang="en-US" sz="1200" dirty="0">
-              <a:latin typeface="ヒラギノ丸ゴ ProN W4"/>
-              <a:ea typeface="ヒラギノ丸ゴ ProN W4"/>
-              <a:cs typeface="ヒラギノ丸ゴ ProN W4"/>
-            </a:endParaRPr>
-          </a:p>
-        </p:txBody>
-      </p:sp>
-      <p:sp>
-        <p:nvSpPr>
-          <p:cNvPr id="9" name="正方形/長方形 8"/>
-          <p:cNvSpPr/>
-          <p:nvPr/>
-        </p:nvSpPr>
-        <p:spPr>
-          <a:xfrm>
-            <a:off x="1687439" y="2103505"/>
-            <a:ext cx="669792" cy="407385"/>
-          </a:xfrm>
-          <a:prstGeom prst="rect">
-            <a:avLst/>
-          </a:prstGeom>
-          <a:gradFill>
-            <a:gsLst>
-              <a:gs pos="0">
-                <a:srgbClr val="FF6600"/>
-              </a:gs>
-              <a:gs pos="100000">
-                <a:schemeClr val="accent6">
-                  <a:lumMod val="60000"/>
-                  <a:lumOff val="40000"/>
-                </a:schemeClr>
-              </a:gs>
-            </a:gsLst>
-          </a:gradFill>
-        </p:spPr>
-        <p:style>
-          <a:lnRef idx="1">
-            <a:schemeClr val="accent1"/>
-          </a:lnRef>
-          <a:fillRef idx="3">
-            <a:schemeClr val="accent1"/>
-          </a:fillRef>
-          <a:effectRef idx="2">
-            <a:schemeClr val="accent1"/>
-          </a:effectRef>
-          <a:fontRef idx="minor">
-            <a:schemeClr val="lt1"/>
-          </a:fontRef>
-        </p:style>
-        <p:txBody>
-          <a:bodyPr rtlCol="0" anchor="ctr"/>
-          <a:lstStyle/>
-          <a:p>
-            <a:pPr algn="ctr"/>
-            <a:r>
-              <a:rPr kumimoji="1" lang="en-US" altLang="ja-JP" sz="1200" dirty="0" smtClean="0">
-                <a:latin typeface="ヒラギノ丸ゴ ProN W4"/>
-                <a:ea typeface="ヒラギノ丸ゴ ProN W4"/>
-                <a:cs typeface="ヒラギノ丸ゴ ProN W4"/>
-              </a:rPr>
-              <a:t>APP1</a:t>
-            </a:r>
-          </a:p>
-          <a:p>
-            <a:pPr algn="ctr"/>
-            <a:r>
-              <a:rPr lang="en-US" altLang="ja-JP" sz="1200" dirty="0" smtClean="0">
-                <a:latin typeface="ヒラギノ丸ゴ ProN W4"/>
-                <a:ea typeface="ヒラギノ丸ゴ ProN W4"/>
-                <a:cs typeface="ヒラギノ丸ゴ ProN W4"/>
-              </a:rPr>
-              <a:t>ffe1</a:t>
-            </a:r>
-            <a:endParaRPr kumimoji="1" lang="ja-JP" altLang="en-US" sz="1200" dirty="0">
-              <a:latin typeface="ヒラギノ丸ゴ ProN W4"/>
-              <a:ea typeface="ヒラギノ丸ゴ ProN W4"/>
-              <a:cs typeface="ヒラギノ丸ゴ ProN W4"/>
-            </a:endParaRPr>
-          </a:p>
-        </p:txBody>
-      </p:sp>
-      <p:sp>
-        <p:nvSpPr>
-          <p:cNvPr id="12" name="円形吹き出し 11"/>
-          <p:cNvSpPr/>
-          <p:nvPr/>
-        </p:nvSpPr>
-        <p:spPr>
-          <a:xfrm>
-            <a:off x="893320" y="3056111"/>
-            <a:ext cx="794119" cy="507690"/>
+            <a:off x="4947160" y="2336799"/>
+            <a:ext cx="1626360" cy="1503681"/>
           </a:xfrm>
           <a:prstGeom prst="wedgeEllipseCallout">
             <a:avLst>
-              <a:gd name="adj1" fmla="val 46239"/>
-              <a:gd name="adj2" fmla="val -80382"/>
+              <a:gd name="adj1" fmla="val -29540"/>
+              <a:gd name="adj2" fmla="val 139101"/>
             </a:avLst>
           </a:prstGeom>
           <a:gradFill flip="none" rotWithShape="1">
@@ -8196,7 +9773,84 @@
                 <a:ea typeface="ヒラギノ丸ゴ ProN W4"/>
                 <a:cs typeface="ヒラギノ丸ゴ ProN W4"/>
               </a:rPr>
-              <a:t>撮影日時</a:t>
+              <a:t>これだけを</a:t>
+            </a:r>
+            <a:endParaRPr kumimoji="1" lang="en-US" altLang="ja-JP" sz="1600" dirty="0" smtClean="0">
+              <a:solidFill>
+                <a:srgbClr val="000000"/>
+              </a:solidFill>
+              <a:latin typeface="ヒラギノ丸ゴ ProN W4"/>
+              <a:ea typeface="ヒラギノ丸ゴ ProN W4"/>
+              <a:cs typeface="ヒラギノ丸ゴ ProN W4"/>
+            </a:endParaRPr>
+          </a:p>
+          <a:p>
+            <a:pPr algn="ctr"/>
+            <a:r>
+              <a:rPr kumimoji="1" lang="ja-JP" altLang="en-US" sz="1600" dirty="0" smtClean="0">
+                <a:solidFill>
+                  <a:srgbClr val="000000"/>
+                </a:solidFill>
+                <a:latin typeface="ヒラギノ丸ゴ ProN W4"/>
+                <a:ea typeface="ヒラギノ丸ゴ ProN W4"/>
+                <a:cs typeface="ヒラギノ丸ゴ ProN W4"/>
+              </a:rPr>
+              <a:t>消すと</a:t>
+            </a:r>
+            <a:endParaRPr kumimoji="1" lang="en-US" altLang="ja-JP" sz="1600" dirty="0" smtClean="0">
+              <a:solidFill>
+                <a:srgbClr val="000000"/>
+              </a:solidFill>
+              <a:latin typeface="ヒラギノ丸ゴ ProN W4"/>
+              <a:ea typeface="ヒラギノ丸ゴ ProN W4"/>
+              <a:cs typeface="ヒラギノ丸ゴ ProN W4"/>
+            </a:endParaRPr>
+          </a:p>
+          <a:p>
+            <a:pPr algn="ctr"/>
+            <a:r>
+              <a:rPr lang="ja-JP" altLang="en-US" sz="1600" dirty="0" smtClean="0">
+                <a:solidFill>
+                  <a:srgbClr val="000000"/>
+                </a:solidFill>
+                <a:latin typeface="ヒラギノ丸ゴ ProN W4"/>
+                <a:ea typeface="ヒラギノ丸ゴ ProN W4"/>
+                <a:cs typeface="ヒラギノ丸ゴ ProN W4"/>
+              </a:rPr>
+              <a:t>画像を回転</a:t>
+            </a:r>
+            <a:endParaRPr lang="en-US" altLang="ja-JP" sz="1600" dirty="0" smtClean="0">
+              <a:solidFill>
+                <a:srgbClr val="000000"/>
+              </a:solidFill>
+              <a:latin typeface="ヒラギノ丸ゴ ProN W4"/>
+              <a:ea typeface="ヒラギノ丸ゴ ProN W4"/>
+              <a:cs typeface="ヒラギノ丸ゴ ProN W4"/>
+            </a:endParaRPr>
+          </a:p>
+          <a:p>
+            <a:pPr algn="ctr"/>
+            <a:r>
+              <a:rPr kumimoji="1" lang="ja-JP" altLang="en-US" sz="1600" dirty="0" smtClean="0">
+                <a:solidFill>
+                  <a:srgbClr val="000000"/>
+                </a:solidFill>
+                <a:latin typeface="ヒラギノ丸ゴ ProN W4"/>
+                <a:ea typeface="ヒラギノ丸ゴ ProN W4"/>
+                <a:cs typeface="ヒラギノ丸ゴ ProN W4"/>
+              </a:rPr>
+              <a:t>できな</a:t>
+            </a:r>
+            <a:r>
+              <a:rPr lang="ja-JP" altLang="en-US" sz="1600" dirty="0" smtClean="0">
+                <a:solidFill>
+                  <a:srgbClr val="000000"/>
+                </a:solidFill>
+                <a:latin typeface="ヒラギノ丸ゴ ProN W4"/>
+                <a:ea typeface="ヒラギノ丸ゴ ProN W4"/>
+                <a:cs typeface="ヒラギノ丸ゴ ProN W4"/>
+              </a:rPr>
+              <a:t>くなる</a:t>
             </a:r>
             <a:endParaRPr kumimoji="1" lang="ja-JP" altLang="en-US" sz="1600" dirty="0">
               <a:solidFill>
@@ -8209,379 +9863,10 @@
           </a:p>
         </p:txBody>
       </p:sp>
-      <p:sp>
-        <p:nvSpPr>
-          <p:cNvPr id="13" name="円形吹き出し 12"/>
-          <p:cNvSpPr/>
-          <p:nvPr/>
-        </p:nvSpPr>
-        <p:spPr>
-          <a:xfrm>
-            <a:off x="1594071" y="3212549"/>
-            <a:ext cx="794119" cy="507690"/>
-          </a:xfrm>
-          <a:prstGeom prst="wedgeEllipseCallout">
-            <a:avLst>
-              <a:gd name="adj1" fmla="val -3665"/>
-              <a:gd name="adj2" fmla="val -124737"/>
-            </a:avLst>
-          </a:prstGeom>
-          <a:gradFill flip="none" rotWithShape="1">
-            <a:gsLst>
-              <a:gs pos="58000">
-                <a:schemeClr val="accent6">
-                  <a:lumMod val="40000"/>
-                  <a:lumOff val="60000"/>
-                </a:schemeClr>
-              </a:gs>
-              <a:gs pos="0">
-                <a:schemeClr val="accent6">
-                  <a:lumMod val="40000"/>
-                  <a:lumOff val="60000"/>
-                </a:schemeClr>
-              </a:gs>
-              <a:gs pos="90000">
-                <a:schemeClr val="accent6">
-                  <a:lumMod val="60000"/>
-                  <a:lumOff val="40000"/>
-                </a:schemeClr>
-              </a:gs>
-            </a:gsLst>
-            <a:path path="circle">
-              <a:fillToRect l="50000" t="50000" r="50000" b="50000"/>
-            </a:path>
-            <a:tileRect/>
-          </a:gradFill>
-        </p:spPr>
-        <p:style>
-          <a:lnRef idx="1">
-            <a:schemeClr val="accent1"/>
-          </a:lnRef>
-          <a:fillRef idx="3">
-            <a:schemeClr val="accent1"/>
-          </a:fillRef>
-          <a:effectRef idx="2">
-            <a:schemeClr val="accent1"/>
-          </a:effectRef>
-          <a:fontRef idx="minor">
-            <a:schemeClr val="lt1"/>
-          </a:fontRef>
-        </p:style>
-        <p:txBody>
-          <a:bodyPr wrap="none" rtlCol="0" anchor="ctr"/>
-          <a:lstStyle/>
-          <a:p>
-            <a:pPr algn="ctr"/>
-            <a:r>
-              <a:rPr kumimoji="1" lang="ja-JP" altLang="en-US" sz="1600" dirty="0" smtClean="0">
-                <a:solidFill>
-                  <a:srgbClr val="000000"/>
-                </a:solidFill>
-                <a:latin typeface="ヒラギノ丸ゴ ProN W4"/>
-                <a:ea typeface="ヒラギノ丸ゴ ProN W4"/>
-                <a:cs typeface="ヒラギノ丸ゴ ProN W4"/>
-              </a:rPr>
-              <a:t>撮影場所</a:t>
-            </a:r>
-            <a:endParaRPr kumimoji="1" lang="ja-JP" altLang="en-US" sz="1600" dirty="0">
-              <a:solidFill>
-                <a:srgbClr val="000000"/>
-              </a:solidFill>
-              <a:latin typeface="ヒラギノ丸ゴ ProN W4"/>
-              <a:ea typeface="ヒラギノ丸ゴ ProN W4"/>
-              <a:cs typeface="ヒラギノ丸ゴ ProN W4"/>
-            </a:endParaRPr>
-          </a:p>
-        </p:txBody>
-      </p:sp>
-      <p:sp>
-        <p:nvSpPr>
-          <p:cNvPr id="14" name="円形吹き出し 13"/>
-          <p:cNvSpPr/>
-          <p:nvPr/>
-        </p:nvSpPr>
-        <p:spPr>
-          <a:xfrm>
-            <a:off x="2475956" y="3183983"/>
-            <a:ext cx="794119" cy="507690"/>
-          </a:xfrm>
-          <a:prstGeom prst="wedgeEllipseCallout">
-            <a:avLst>
-              <a:gd name="adj1" fmla="val -81923"/>
-              <a:gd name="adj2" fmla="val -133608"/>
-            </a:avLst>
-          </a:prstGeom>
-          <a:gradFill flip="none" rotWithShape="1">
-            <a:gsLst>
-              <a:gs pos="58000">
-                <a:schemeClr val="accent6">
-                  <a:lumMod val="40000"/>
-                  <a:lumOff val="60000"/>
-                </a:schemeClr>
-              </a:gs>
-              <a:gs pos="0">
-                <a:schemeClr val="accent6">
-                  <a:lumMod val="40000"/>
-                  <a:lumOff val="60000"/>
-                </a:schemeClr>
-              </a:gs>
-              <a:gs pos="90000">
-                <a:schemeClr val="accent6">
-                  <a:lumMod val="60000"/>
-                  <a:lumOff val="40000"/>
-                </a:schemeClr>
-              </a:gs>
-            </a:gsLst>
-            <a:path path="circle">
-              <a:fillToRect l="50000" t="50000" r="50000" b="50000"/>
-            </a:path>
-            <a:tileRect/>
-          </a:gradFill>
-        </p:spPr>
-        <p:style>
-          <a:lnRef idx="1">
-            <a:schemeClr val="accent1"/>
-          </a:lnRef>
-          <a:fillRef idx="3">
-            <a:schemeClr val="accent1"/>
-          </a:fillRef>
-          <a:effectRef idx="2">
-            <a:schemeClr val="accent1"/>
-          </a:effectRef>
-          <a:fontRef idx="minor">
-            <a:schemeClr val="lt1"/>
-          </a:fontRef>
-        </p:style>
-        <p:txBody>
-          <a:bodyPr wrap="none" rtlCol="0" anchor="ctr"/>
-          <a:lstStyle/>
-          <a:p>
-            <a:pPr algn="ctr"/>
-            <a:r>
-              <a:rPr lang="ja-JP" altLang="en-US" sz="1600" dirty="0" smtClean="0">
-                <a:solidFill>
-                  <a:srgbClr val="000000"/>
-                </a:solidFill>
-                <a:latin typeface="ヒラギノ丸ゴ ProN W4"/>
-                <a:ea typeface="ヒラギノ丸ゴ ProN W4"/>
-                <a:cs typeface="ヒラギノ丸ゴ ProN W4"/>
-              </a:rPr>
-              <a:t>画像の</a:t>
-            </a:r>
-            <a:endParaRPr lang="en-US" altLang="ja-JP" sz="1600" dirty="0" smtClean="0">
-              <a:solidFill>
-                <a:srgbClr val="000000"/>
-              </a:solidFill>
-              <a:latin typeface="ヒラギノ丸ゴ ProN W4"/>
-              <a:ea typeface="ヒラギノ丸ゴ ProN W4"/>
-              <a:cs typeface="ヒラギノ丸ゴ ProN W4"/>
-            </a:endParaRPr>
-          </a:p>
-          <a:p>
-            <a:pPr algn="ctr"/>
-            <a:r>
-              <a:rPr lang="ja-JP" altLang="en-US" sz="1600" dirty="0" smtClean="0">
-                <a:solidFill>
-                  <a:srgbClr val="000000"/>
-                </a:solidFill>
-                <a:latin typeface="ヒラギノ丸ゴ ProN W4"/>
-                <a:ea typeface="ヒラギノ丸ゴ ProN W4"/>
-                <a:cs typeface="ヒラギノ丸ゴ ProN W4"/>
-              </a:rPr>
-              <a:t>向き</a:t>
-            </a:r>
-            <a:endParaRPr kumimoji="1" lang="ja-JP" altLang="en-US" sz="1600" dirty="0">
-              <a:solidFill>
-                <a:srgbClr val="000000"/>
-              </a:solidFill>
-              <a:latin typeface="ヒラギノ丸ゴ ProN W4"/>
-              <a:ea typeface="ヒラギノ丸ゴ ProN W4"/>
-              <a:cs typeface="ヒラギノ丸ゴ ProN W4"/>
-            </a:endParaRPr>
-          </a:p>
-        </p:txBody>
-      </p:sp>
-      <p:cxnSp>
-        <p:nvCxnSpPr>
-          <p:cNvPr id="15" name="直線矢印コネクタ 14"/>
-          <p:cNvCxnSpPr/>
-          <p:nvPr/>
-        </p:nvCxnSpPr>
-        <p:spPr>
-          <a:xfrm flipV="1">
-            <a:off x="3270075" y="2922310"/>
-            <a:ext cx="743125" cy="471131"/>
-          </a:xfrm>
-          <a:prstGeom prst="straightConnector1">
-            <a:avLst/>
-          </a:prstGeom>
-          <a:ln>
-            <a:tailEnd type="arrow"/>
-          </a:ln>
-        </p:spPr>
-        <p:style>
-          <a:lnRef idx="2">
-            <a:schemeClr val="accent1"/>
-          </a:lnRef>
-          <a:fillRef idx="0">
-            <a:schemeClr val="accent1"/>
-          </a:fillRef>
-          <a:effectRef idx="1">
-            <a:schemeClr val="accent1"/>
-          </a:effectRef>
-          <a:fontRef idx="minor">
-            <a:schemeClr val="tx1"/>
-          </a:fontRef>
-        </p:style>
-      </p:cxnSp>
-      <p:sp>
-        <p:nvSpPr>
-          <p:cNvPr id="16" name="正方形/長方形 15"/>
-          <p:cNvSpPr/>
-          <p:nvPr/>
-        </p:nvSpPr>
-        <p:spPr>
-          <a:xfrm>
-            <a:off x="3566637" y="3082313"/>
-            <a:ext cx="1161338" cy="637926"/>
-          </a:xfrm>
-          <a:prstGeom prst="rect">
-            <a:avLst/>
-          </a:prstGeom>
-          <a:noFill/>
-          <a:ln>
-            <a:noFill/>
-          </a:ln>
-        </p:spPr>
-        <p:style>
-          <a:lnRef idx="1">
-            <a:schemeClr val="accent1"/>
-          </a:lnRef>
-          <a:fillRef idx="3">
-            <a:schemeClr val="accent1"/>
-          </a:fillRef>
-          <a:effectRef idx="2">
-            <a:schemeClr val="accent1"/>
-          </a:effectRef>
-          <a:fontRef idx="minor">
-            <a:schemeClr val="lt1"/>
-          </a:fontRef>
-        </p:style>
-        <p:txBody>
-          <a:bodyPr wrap="none" rtlCol="0" anchor="ctr" anchorCtr="0"/>
-          <a:lstStyle/>
-          <a:p>
-            <a:pPr algn="ctr"/>
-            <a:r>
-              <a:rPr kumimoji="1" lang="ja-JP" altLang="en-US" dirty="0" smtClean="0">
-                <a:solidFill>
-                  <a:srgbClr val="000000"/>
-                </a:solidFill>
-                <a:latin typeface="ヒラギノ丸ゴ ProN W4"/>
-                <a:ea typeface="ヒラギノ丸ゴ ProN W4"/>
-                <a:cs typeface="ヒラギノ丸ゴ ProN W4"/>
-              </a:rPr>
-              <a:t>向きを反映</a:t>
-            </a:r>
-            <a:endParaRPr kumimoji="1" lang="ja-JP" altLang="en-US" dirty="0">
-              <a:solidFill>
-                <a:srgbClr val="000000"/>
-              </a:solidFill>
-              <a:latin typeface="ヒラギノ丸ゴ ProN W4"/>
-              <a:ea typeface="ヒラギノ丸ゴ ProN W4"/>
-              <a:cs typeface="ヒラギノ丸ゴ ProN W4"/>
-            </a:endParaRPr>
-          </a:p>
-        </p:txBody>
-      </p:sp>
-      <p:sp>
-        <p:nvSpPr>
-          <p:cNvPr id="17" name="乗算記号 16"/>
-          <p:cNvSpPr/>
-          <p:nvPr/>
-        </p:nvSpPr>
-        <p:spPr>
-          <a:xfrm>
-            <a:off x="2026658" y="3056111"/>
-            <a:ext cx="1693087" cy="951461"/>
-          </a:xfrm>
-          <a:prstGeom prst="mathMultiply">
-            <a:avLst>
-              <a:gd name="adj1" fmla="val 8654"/>
-            </a:avLst>
-          </a:prstGeom>
-          <a:gradFill>
-            <a:gsLst>
-              <a:gs pos="0">
-                <a:srgbClr val="FF0000"/>
-              </a:gs>
-              <a:gs pos="100000">
-                <a:srgbClr val="FF6600"/>
-              </a:gs>
-            </a:gsLst>
-          </a:gradFill>
-        </p:spPr>
-        <p:style>
-          <a:lnRef idx="1">
-            <a:schemeClr val="accent1"/>
-          </a:lnRef>
-          <a:fillRef idx="3">
-            <a:schemeClr val="accent1"/>
-          </a:fillRef>
-          <a:effectRef idx="2">
-            <a:schemeClr val="accent1"/>
-          </a:effectRef>
-          <a:fontRef idx="minor">
-            <a:schemeClr val="lt1"/>
-          </a:fontRef>
-        </p:style>
-        <p:txBody>
-          <a:bodyPr rtlCol="0" anchor="ctr"/>
-          <a:lstStyle/>
-          <a:p>
-            <a:pPr algn="ctr"/>
-            <a:endParaRPr kumimoji="1" lang="ja-JP" altLang="en-US">
-              <a:latin typeface="ヒラギノ丸ゴ ProN W4"/>
-              <a:ea typeface="ヒラギノ丸ゴ ProN W4"/>
-              <a:cs typeface="ヒラギノ丸ゴ ProN W4"/>
-            </a:endParaRPr>
-          </a:p>
-        </p:txBody>
-      </p:sp>
-      <p:pic>
-        <p:nvPicPr>
-          <p:cNvPr id="18" name="図 17" descr="saitama2-1.png"/>
-          <p:cNvPicPr>
-            <a:picLocks noChangeAspect="1"/>
-          </p:cNvPicPr>
-          <p:nvPr/>
-        </p:nvPicPr>
-        <p:blipFill>
-          <a:blip r:embed="rId3">
-            <a:extLst>
-              <a:ext uri="{28A0092B-C50C-407E-A947-70E740481C1C}">
-                <a14:useLocalDpi xmlns:a14="http://schemas.microsoft.com/office/drawing/2010/main" val="0"/>
-              </a:ext>
-            </a:extLst>
-          </a:blip>
-          <a:stretch>
-            <a:fillRect/>
-          </a:stretch>
-        </p:blipFill>
-        <p:spPr>
-          <a:xfrm>
-            <a:off x="4616896" y="2767978"/>
-            <a:ext cx="1264447" cy="717880"/>
-          </a:xfrm>
-          <a:prstGeom prst="rect">
-            <a:avLst/>
-          </a:prstGeom>
-        </p:spPr>
-      </p:pic>
     </p:spTree>
     <p:extLst>
       <p:ext uri="{BB962C8B-B14F-4D97-AF65-F5344CB8AC3E}">
-        <p14:creationId xmlns:p14="http://schemas.microsoft.com/office/powerpoint/2010/main" val="233287878"/>
+        <p14:creationId xmlns:p14="http://schemas.microsoft.com/office/powerpoint/2010/main" val="3500188881"/>
       </p:ext>
     </p:extLst>
   </p:cSld>
@@ -8624,11 +9909,11 @@
           <a:lstStyle/>
           <a:p>
             <a:r>
-              <a:rPr lang="en-US" altLang="ja-JP" dirty="0" smtClean="0"/>
+              <a:rPr lang="en-US" altLang="ja-JP" dirty="0"/>
               <a:t>-auto-orient </a:t>
             </a:r>
             <a:r>
-              <a:rPr lang="ja-JP" altLang="en-US" dirty="0" smtClean="0"/>
+              <a:rPr lang="ja-JP" altLang="en-US" dirty="0"/>
               <a:t>向きを反映</a:t>
             </a:r>
             <a:endParaRPr kumimoji="1" lang="ja-JP" altLang="en-US" dirty="0"/>
@@ -8662,8 +9947,8 @@
         </p:nvSpPr>
         <p:spPr>
           <a:xfrm>
-            <a:off x="962787" y="2253156"/>
-            <a:ext cx="4918555" cy="802955"/>
+            <a:off x="893321" y="2253156"/>
+            <a:ext cx="4988022" cy="802955"/>
           </a:xfrm>
           <a:prstGeom prst="rect">
             <a:avLst/>
@@ -8730,7 +10015,7 @@
         </p:nvSpPr>
         <p:spPr>
           <a:xfrm>
-            <a:off x="1594071" y="3563801"/>
+            <a:off x="1594071" y="2387954"/>
             <a:ext cx="881885" cy="533359"/>
           </a:xfrm>
           <a:prstGeom prst="rect">
@@ -8830,7 +10115,7 @@
         </p:nvSpPr>
         <p:spPr>
           <a:xfrm>
-            <a:off x="2584040" y="3563801"/>
+            <a:off x="2584040" y="2387954"/>
             <a:ext cx="982597" cy="533359"/>
           </a:xfrm>
           <a:prstGeom prst="rect">
@@ -8896,7 +10181,7 @@
         </p:nvSpPr>
         <p:spPr>
           <a:xfrm>
-            <a:off x="2729018" y="3270461"/>
+            <a:off x="2729018" y="2094614"/>
             <a:ext cx="669792" cy="407385"/>
           </a:xfrm>
           <a:prstGeom prst="rect">
@@ -8970,7 +10255,7 @@
         </p:nvSpPr>
         <p:spPr>
           <a:xfrm>
-            <a:off x="1687439" y="3279352"/>
+            <a:off x="1687439" y="2103505"/>
             <a:ext cx="669792" cy="407385"/>
           </a:xfrm>
           <a:prstGeom prst="rect">
@@ -9044,7 +10329,7 @@
         </p:nvSpPr>
         <p:spPr>
           <a:xfrm>
-            <a:off x="893320" y="4231958"/>
+            <a:off x="893320" y="3056111"/>
             <a:ext cx="794119" cy="507690"/>
           </a:xfrm>
           <a:prstGeom prst="wedgeEllipseCallout">
@@ -9129,7 +10414,7 @@
         </p:nvSpPr>
         <p:spPr>
           <a:xfrm>
-            <a:off x="1594071" y="4388396"/>
+            <a:off x="1594071" y="3212549"/>
             <a:ext cx="794119" cy="507690"/>
           </a:xfrm>
           <a:prstGeom prst="wedgeEllipseCallout">
@@ -9214,7 +10499,7 @@
         </p:nvSpPr>
         <p:spPr>
           <a:xfrm>
-            <a:off x="2475956" y="4359830"/>
+            <a:off x="2475956" y="3183983"/>
             <a:ext cx="794119" cy="507690"/>
           </a:xfrm>
           <a:prstGeom prst="wedgeEllipseCallout">
@@ -9313,16 +10598,109 @@
           </a:p>
         </p:txBody>
       </p:sp>
-      <p:sp>
-        <p:nvSpPr>
-          <p:cNvPr id="10" name="乗算記号 9"/>
+      <p:cxnSp>
+        <p:nvCxnSpPr>
+          <p:cNvPr id="15" name="直線矢印コネクタ 14"/>
+          <p:cNvCxnSpPr/>
+          <p:nvPr/>
+        </p:nvCxnSpPr>
+        <p:spPr>
+          <a:xfrm flipV="1">
+            <a:off x="3270075" y="2922310"/>
+            <a:ext cx="743125" cy="471131"/>
+          </a:xfrm>
+          <a:prstGeom prst="straightConnector1">
+            <a:avLst/>
+          </a:prstGeom>
+          <a:ln>
+            <a:tailEnd type="arrow"/>
+          </a:ln>
+        </p:spPr>
+        <p:style>
+          <a:lnRef idx="2">
+            <a:schemeClr val="accent1"/>
+          </a:lnRef>
+          <a:fillRef idx="0">
+            <a:schemeClr val="accent1"/>
+          </a:fillRef>
+          <a:effectRef idx="1">
+            <a:schemeClr val="accent1"/>
+          </a:effectRef>
+          <a:fontRef idx="minor">
+            <a:schemeClr val="tx1"/>
+          </a:fontRef>
+        </p:style>
+      </p:cxnSp>
+      <p:sp>
+        <p:nvSpPr>
+          <p:cNvPr id="16" name="正方形/長方形 15"/>
           <p:cNvSpPr/>
           <p:nvPr/>
         </p:nvSpPr>
         <p:spPr>
           <a:xfrm>
-            <a:off x="1038714" y="1972618"/>
-            <a:ext cx="2696533" cy="1480842"/>
+            <a:off x="3566637" y="3082313"/>
+            <a:ext cx="1161338" cy="637926"/>
+          </a:xfrm>
+          <a:prstGeom prst="rect">
+            <a:avLst/>
+          </a:prstGeom>
+          <a:noFill/>
+          <a:ln>
+            <a:noFill/>
+          </a:ln>
+        </p:spPr>
+        <p:style>
+          <a:lnRef idx="1">
+            <a:schemeClr val="accent1"/>
+          </a:lnRef>
+          <a:fillRef idx="3">
+            <a:schemeClr val="accent1"/>
+          </a:fillRef>
+          <a:effectRef idx="2">
+            <a:schemeClr val="accent1"/>
+          </a:effectRef>
+          <a:fontRef idx="minor">
+            <a:schemeClr val="lt1"/>
+          </a:fontRef>
+        </p:style>
+        <p:txBody>
+          <a:bodyPr wrap="none" rtlCol="0" anchor="ctr" anchorCtr="0"/>
+          <a:lstStyle/>
+          <a:p>
+            <a:pPr algn="ctr"/>
+            <a:r>
+              <a:rPr kumimoji="1" lang="ja-JP" altLang="en-US" dirty="0" smtClean="0">
+                <a:solidFill>
+                  <a:srgbClr val="000000"/>
+                </a:solidFill>
+                <a:latin typeface="ヒラギノ丸ゴ ProN W4"/>
+                <a:ea typeface="ヒラギノ丸ゴ ProN W4"/>
+                <a:cs typeface="ヒラギノ丸ゴ ProN W4"/>
+              </a:rPr>
+              <a:t>向きを反映</a:t>
+            </a:r>
+            <a:endParaRPr kumimoji="1" lang="ja-JP" altLang="en-US" dirty="0">
+              <a:solidFill>
+                <a:srgbClr val="000000"/>
+              </a:solidFill>
+              <a:latin typeface="ヒラギノ丸ゴ ProN W4"/>
+              <a:ea typeface="ヒラギノ丸ゴ ProN W4"/>
+              <a:cs typeface="ヒラギノ丸ゴ ProN W4"/>
+            </a:endParaRPr>
+          </a:p>
+        </p:txBody>
+      </p:sp>
+      <p:sp>
+        <p:nvSpPr>
+          <p:cNvPr id="17" name="乗算記号 16"/>
+          <p:cNvSpPr/>
+          <p:nvPr/>
+        </p:nvSpPr>
+        <p:spPr>
+          <a:xfrm>
+            <a:off x="2026658" y="3056111"/>
+            <a:ext cx="1693087" cy="951461"/>
           </a:xfrm>
           <a:prstGeom prst="mathMultiply">
             <a:avLst>
@@ -9359,7 +10737,7 @@
           <a:lstStyle/>
           <a:p>
             <a:pPr algn="ctr"/>
-            <a:endParaRPr kumimoji="1" lang="ja-JP" altLang="en-US" dirty="0">
+            <a:endParaRPr kumimoji="1" lang="ja-JP" altLang="en-US">
               <a:latin typeface="ヒラギノ丸ゴ ProN W4"/>
               <a:ea typeface="ヒラギノ丸ゴ ProN W4"/>
               <a:cs typeface="ヒラギノ丸ゴ ProN W4"/>
@@ -9367,102 +10745,9 @@
           </a:p>
         </p:txBody>
       </p:sp>
-      <p:cxnSp>
-        <p:nvCxnSpPr>
-          <p:cNvPr id="15" name="直線矢印コネクタ 14"/>
-          <p:cNvCxnSpPr/>
-          <p:nvPr/>
-        </p:nvCxnSpPr>
-        <p:spPr>
-          <a:xfrm flipV="1">
-            <a:off x="3313607" y="3270387"/>
-            <a:ext cx="843280" cy="1221942"/>
-          </a:xfrm>
-          <a:prstGeom prst="straightConnector1">
-            <a:avLst/>
-          </a:prstGeom>
-          <a:ln>
-            <a:tailEnd type="arrow"/>
-          </a:ln>
-        </p:spPr>
-        <p:style>
-          <a:lnRef idx="2">
-            <a:schemeClr val="accent1"/>
-          </a:lnRef>
-          <a:fillRef idx="0">
-            <a:schemeClr val="accent1"/>
-          </a:fillRef>
-          <a:effectRef idx="1">
-            <a:schemeClr val="accent1"/>
-          </a:effectRef>
-          <a:fontRef idx="minor">
-            <a:schemeClr val="tx1"/>
-          </a:fontRef>
-        </p:style>
-      </p:cxnSp>
-      <p:sp>
-        <p:nvSpPr>
-          <p:cNvPr id="16" name="正方形/長方形 15"/>
-          <p:cNvSpPr/>
-          <p:nvPr/>
-        </p:nvSpPr>
-        <p:spPr>
-          <a:xfrm>
-            <a:off x="3812632" y="3717675"/>
-            <a:ext cx="1161338" cy="637926"/>
-          </a:xfrm>
-          <a:prstGeom prst="rect">
-            <a:avLst/>
-          </a:prstGeom>
-          <a:noFill/>
-          <a:ln>
-            <a:noFill/>
-          </a:ln>
-        </p:spPr>
-        <p:style>
-          <a:lnRef idx="1">
-            <a:schemeClr val="accent1"/>
-          </a:lnRef>
-          <a:fillRef idx="3">
-            <a:schemeClr val="accent1"/>
-          </a:fillRef>
-          <a:effectRef idx="2">
-            <a:schemeClr val="accent1"/>
-          </a:effectRef>
-          <a:fontRef idx="minor">
-            <a:schemeClr val="lt1"/>
-          </a:fontRef>
-        </p:style>
-        <p:txBody>
-          <a:bodyPr wrap="none" rtlCol="0" anchor="ctr" anchorCtr="0"/>
-          <a:lstStyle/>
-          <a:p>
-            <a:pPr algn="ctr"/>
-            <a:r>
-              <a:rPr kumimoji="1" lang="ja-JP" altLang="en-US" dirty="0" smtClean="0">
-                <a:solidFill>
-                  <a:srgbClr val="000000"/>
-                </a:solidFill>
-                <a:latin typeface="ヒラギノ丸ゴ ProN W4"/>
-                <a:ea typeface="ヒラギノ丸ゴ ProN W4"/>
-                <a:cs typeface="ヒラギノ丸ゴ ProN W4"/>
-              </a:rPr>
-              <a:t>向きを反映</a:t>
-            </a:r>
-            <a:endParaRPr kumimoji="1" lang="ja-JP" altLang="en-US" dirty="0">
-              <a:solidFill>
-                <a:srgbClr val="000000"/>
-              </a:solidFill>
-              <a:latin typeface="ヒラギノ丸ゴ ProN W4"/>
-              <a:ea typeface="ヒラギノ丸ゴ ProN W4"/>
-              <a:cs typeface="ヒラギノ丸ゴ ProN W4"/>
-            </a:endParaRPr>
-          </a:p>
-        </p:txBody>
-      </p:sp>
       <p:pic>
         <p:nvPicPr>
-          <p:cNvPr id="17" name="図 16" descr="saitama2-1.png"/>
+          <p:cNvPr id="18" name="図 17" descr="saitama2-1.png"/>
           <p:cNvPicPr>
             <a:picLocks noChangeAspect="1"/>
           </p:cNvPicPr>
@@ -9482,7 +10767,7 @@
         </p:blipFill>
         <p:spPr>
           <a:xfrm>
-            <a:off x="4341746" y="2845921"/>
+            <a:off x="4616896" y="2767978"/>
             <a:ext cx="1264447" cy="717880"/>
           </a:xfrm>
           <a:prstGeom prst="rect">
@@ -9493,7 +10778,7 @@
     </p:spTree>
     <p:extLst>
       <p:ext uri="{BB962C8B-B14F-4D97-AF65-F5344CB8AC3E}">
-        <p14:creationId xmlns:p14="http://schemas.microsoft.com/office/powerpoint/2010/main" val="3713998719"/>
+        <p14:creationId xmlns:p14="http://schemas.microsoft.com/office/powerpoint/2010/main" val="233287878"/>
       </p:ext>
     </p:extLst>
   </p:cSld>
@@ -9537,19 +10822,11 @@
           <a:p>
             <a:r>
               <a:rPr lang="en-US" altLang="ja-JP" dirty="0" smtClean="0"/>
-              <a:t>orient </a:t>
+              <a:t>-auto-orient </a:t>
             </a:r>
             <a:r>
               <a:rPr lang="ja-JP" altLang="en-US" dirty="0" smtClean="0"/>
-              <a:t>と</a:t>
-            </a:r>
-            <a:r>
-              <a:rPr lang="en-US" altLang="ja-JP" dirty="0" smtClean="0"/>
-              <a:t> ICC </a:t>
-            </a:r>
-            <a:r>
-              <a:rPr lang="ja-JP" altLang="en-US" dirty="0" smtClean="0"/>
-              <a:t>を反映</a:t>
+              <a:t>向きを反映</a:t>
             </a:r>
             <a:endParaRPr kumimoji="1" lang="ja-JP" altLang="en-US" dirty="0"/>
           </a:p>
@@ -9750,7 +11027,7 @@
         </p:nvSpPr>
         <p:spPr>
           <a:xfrm>
-            <a:off x="2584040" y="2425881"/>
+            <a:off x="2584040" y="3563801"/>
             <a:ext cx="982597" cy="533359"/>
           </a:xfrm>
           <a:prstGeom prst="rect">
@@ -9800,24 +11077,7 @@
               </a:rPr>
               <a:t>Profile</a:t>
             </a:r>
-          </a:p>
-          <a:p>
-            <a:pPr algn="ctr"/>
-            <a:r>
-              <a:rPr kumimoji="1" lang="en-US" altLang="en-US" sz="1600" b="1" i="1" u="sng" spc="300" dirty="0" err="1" smtClean="0">
-                <a:solidFill>
-                  <a:srgbClr val="000000"/>
-                </a:solidFill>
-                <a:latin typeface="ヒラギノ丸ゴ ProN W4"/>
-                <a:ea typeface="ヒラギノ丸ゴ ProN W4"/>
-                <a:cs typeface="ヒラギノ丸ゴ ProN W4"/>
-              </a:rPr>
-              <a:t>sRGB</a:t>
-            </a:r>
-            <a:endParaRPr kumimoji="1" lang="ja-JP" altLang="en-US" sz="1600" b="1" i="1" u="sng" spc="300" dirty="0">
-              <a:solidFill>
-                <a:srgbClr val="000000"/>
-              </a:solidFill>
+            <a:endParaRPr kumimoji="1" lang="ja-JP" altLang="en-US" sz="1400" dirty="0">
               <a:latin typeface="ヒラギノ丸ゴ ProN W4"/>
               <a:ea typeface="ヒラギノ丸ゴ ProN W4"/>
               <a:cs typeface="ヒラギノ丸ゴ ProN W4"/>
@@ -9833,7 +11093,7 @@
         </p:nvSpPr>
         <p:spPr>
           <a:xfrm>
-            <a:off x="2729018" y="2132541"/>
+            <a:off x="2729018" y="3270461"/>
             <a:ext cx="669792" cy="407385"/>
           </a:xfrm>
           <a:prstGeom prst="rect">
@@ -10258,8 +11518,8 @@
         </p:nvSpPr>
         <p:spPr>
           <a:xfrm>
-            <a:off x="1038715" y="1972618"/>
-            <a:ext cx="1690304" cy="1480842"/>
+            <a:off x="1038714" y="1972618"/>
+            <a:ext cx="2696533" cy="1480842"/>
           </a:xfrm>
           <a:prstGeom prst="mathMultiply">
             <a:avLst>
@@ -10296,7 +11556,7 @@
           <a:lstStyle/>
           <a:p>
             <a:pPr algn="ctr"/>
-            <a:endParaRPr kumimoji="1" lang="ja-JP" altLang="en-US">
+            <a:endParaRPr kumimoji="1" lang="ja-JP" altLang="en-US" dirty="0">
               <a:latin typeface="ヒラギノ丸ゴ ProN W4"/>
               <a:ea typeface="ヒラギノ丸ゴ ProN W4"/>
               <a:cs typeface="ヒラギノ丸ゴ ProN W4"/>
@@ -10307,15 +11567,13 @@
       <p:cxnSp>
         <p:nvCxnSpPr>
           <p:cNvPr id="15" name="直線矢印コネクタ 14"/>
-          <p:cNvCxnSpPr>
-            <a:stCxn id="14" idx="6"/>
-          </p:cNvCxnSpPr>
+          <p:cNvCxnSpPr/>
           <p:nvPr/>
         </p:nvCxnSpPr>
         <p:spPr>
           <a:xfrm flipV="1">
-            <a:off x="3270075" y="3072638"/>
-            <a:ext cx="2124885" cy="1541037"/>
+            <a:off x="3313607" y="3270387"/>
+            <a:ext cx="843280" cy="1221942"/>
           </a:xfrm>
           <a:prstGeom prst="straightConnector1">
             <a:avLst/>
@@ -10347,7 +11605,7 @@
         </p:nvSpPr>
         <p:spPr>
           <a:xfrm>
-            <a:off x="3812632" y="4036638"/>
+            <a:off x="3812632" y="3717675"/>
             <a:ext cx="1161338" cy="637926"/>
           </a:xfrm>
           <a:prstGeom prst="rect">
@@ -10399,242 +11657,9 @@
           </a:p>
         </p:txBody>
       </p:sp>
-      <p:sp>
-        <p:nvSpPr>
-          <p:cNvPr id="19" name="正方形/長方形 18"/>
-          <p:cNvSpPr/>
-          <p:nvPr/>
-        </p:nvSpPr>
-        <p:spPr>
-          <a:xfrm>
-            <a:off x="3124850" y="2968057"/>
-            <a:ext cx="1849120" cy="637926"/>
-          </a:xfrm>
-          <a:prstGeom prst="rect">
-            <a:avLst/>
-          </a:prstGeom>
-          <a:noFill/>
-          <a:ln>
-            <a:noFill/>
-          </a:ln>
-        </p:spPr>
-        <p:style>
-          <a:lnRef idx="1">
-            <a:schemeClr val="accent1"/>
-          </a:lnRef>
-          <a:fillRef idx="3">
-            <a:schemeClr val="accent1"/>
-          </a:fillRef>
-          <a:effectRef idx="2">
-            <a:schemeClr val="accent1"/>
-          </a:effectRef>
-          <a:fontRef idx="minor">
-            <a:schemeClr val="lt1"/>
-          </a:fontRef>
-        </p:style>
-        <p:txBody>
-          <a:bodyPr wrap="none" rtlCol="0" anchor="ctr" anchorCtr="0"/>
-          <a:lstStyle/>
-          <a:p>
-            <a:pPr algn="ctr"/>
-            <a:r>
-              <a:rPr kumimoji="1" lang="ja-JP" altLang="en-US" dirty="0" smtClean="0">
-                <a:solidFill>
-                  <a:srgbClr val="000000"/>
-                </a:solidFill>
-                <a:latin typeface="ヒラギノ丸ゴ ProN W4"/>
-                <a:ea typeface="ヒラギノ丸ゴ ProN W4"/>
-                <a:cs typeface="ヒラギノ丸ゴ ProN W4"/>
-              </a:rPr>
-              <a:t>元の色空間から</a:t>
-            </a:r>
-            <a:endParaRPr kumimoji="1" lang="en-US" altLang="ja-JP" dirty="0" smtClean="0">
-              <a:solidFill>
-                <a:srgbClr val="000000"/>
-              </a:solidFill>
-              <a:latin typeface="ヒラギノ丸ゴ ProN W4"/>
-              <a:ea typeface="ヒラギノ丸ゴ ProN W4"/>
-              <a:cs typeface="ヒラギノ丸ゴ ProN W4"/>
-            </a:endParaRPr>
-          </a:p>
-          <a:p>
-            <a:pPr algn="ctr"/>
-            <a:r>
-              <a:rPr kumimoji="1" lang="en-US" altLang="ja-JP" dirty="0" err="1" smtClean="0">
-                <a:solidFill>
-                  <a:srgbClr val="000000"/>
-                </a:solidFill>
-                <a:latin typeface="ヒラギノ丸ゴ ProN W4"/>
-                <a:ea typeface="ヒラギノ丸ゴ ProN W4"/>
-                <a:cs typeface="ヒラギノ丸ゴ ProN W4"/>
-              </a:rPr>
-              <a:t>sRGB</a:t>
-            </a:r>
-            <a:r>
-              <a:rPr lang="ja-JP" altLang="en-US" dirty="0" smtClean="0">
-                <a:solidFill>
-                  <a:srgbClr val="000000"/>
-                </a:solidFill>
-                <a:latin typeface="ヒラギノ丸ゴ ProN W4"/>
-                <a:ea typeface="ヒラギノ丸ゴ ProN W4"/>
-                <a:cs typeface="ヒラギノ丸ゴ ProN W4"/>
-              </a:rPr>
-              <a:t>に変換</a:t>
-            </a:r>
-            <a:endParaRPr kumimoji="1" lang="ja-JP" altLang="en-US" dirty="0">
-              <a:solidFill>
-                <a:srgbClr val="000000"/>
-              </a:solidFill>
-              <a:latin typeface="ヒラギノ丸ゴ ProN W4"/>
-              <a:ea typeface="ヒラギノ丸ゴ ProN W4"/>
-              <a:cs typeface="ヒラギノ丸ゴ ProN W4"/>
-            </a:endParaRPr>
-          </a:p>
-        </p:txBody>
-      </p:sp>
-      <p:sp>
-        <p:nvSpPr>
-          <p:cNvPr id="18" name="正方形/長方形 17"/>
-          <p:cNvSpPr/>
-          <p:nvPr/>
-        </p:nvSpPr>
-        <p:spPr>
-          <a:xfrm>
-            <a:off x="2568613" y="3550323"/>
-            <a:ext cx="982597" cy="533359"/>
-          </a:xfrm>
-          <a:prstGeom prst="rect">
-            <a:avLst/>
-          </a:prstGeom>
-        </p:spPr>
-        <p:style>
-          <a:lnRef idx="1">
-            <a:schemeClr val="accent1"/>
-          </a:lnRef>
-          <a:fillRef idx="3">
-            <a:schemeClr val="accent1"/>
-          </a:fillRef>
-          <a:effectRef idx="2">
-            <a:schemeClr val="accent1"/>
-          </a:effectRef>
-          <a:fontRef idx="minor">
-            <a:schemeClr val="lt1"/>
-          </a:fontRef>
-        </p:style>
-        <p:txBody>
-          <a:bodyPr wrap="none" rtlCol="0" anchor="ctr"/>
-          <a:lstStyle/>
-          <a:p>
-            <a:pPr algn="ctr"/>
-            <a:r>
-              <a:rPr kumimoji="1" lang="en-US" altLang="ja-JP" sz="1400" dirty="0" smtClean="0">
-                <a:latin typeface="ヒラギノ丸ゴ ProN W4"/>
-                <a:ea typeface="ヒラギノ丸ゴ ProN W4"/>
-                <a:cs typeface="ヒラギノ丸ゴ ProN W4"/>
-              </a:rPr>
-              <a:t>ICC</a:t>
-            </a:r>
-            <a:r>
-              <a:rPr lang="en-US" altLang="en-US" sz="1400" dirty="0">
-                <a:latin typeface="ヒラギノ丸ゴ ProN W4"/>
-                <a:ea typeface="ヒラギノ丸ゴ ProN W4"/>
-                <a:cs typeface="ヒラギノ丸ゴ ProN W4"/>
-              </a:rPr>
-              <a:t> </a:t>
-            </a:r>
-            <a:r>
-              <a:rPr lang="en-US" altLang="en-US" sz="1400" dirty="0" smtClean="0">
-                <a:latin typeface="ヒラギノ丸ゴ ProN W4"/>
-                <a:ea typeface="ヒラギノ丸ゴ ProN W4"/>
-                <a:cs typeface="ヒラギノ丸ゴ ProN W4"/>
-              </a:rPr>
-              <a:t>Profile</a:t>
-            </a:r>
-            <a:endParaRPr kumimoji="1" lang="ja-JP" altLang="en-US" sz="1400" dirty="0">
-              <a:latin typeface="ヒラギノ丸ゴ ProN W4"/>
-              <a:ea typeface="ヒラギノ丸ゴ ProN W4"/>
-              <a:cs typeface="ヒラギノ丸ゴ ProN W4"/>
-            </a:endParaRPr>
-          </a:p>
-        </p:txBody>
-      </p:sp>
-      <p:sp>
-        <p:nvSpPr>
-          <p:cNvPr id="20" name="正方形/長方形 19"/>
-          <p:cNvSpPr/>
-          <p:nvPr/>
-        </p:nvSpPr>
-        <p:spPr>
-          <a:xfrm>
-            <a:off x="2713591" y="3256983"/>
-            <a:ext cx="669792" cy="407385"/>
-          </a:xfrm>
-          <a:prstGeom prst="rect">
-            <a:avLst/>
-          </a:prstGeom>
-          <a:gradFill>
-            <a:gsLst>
-              <a:gs pos="0">
-                <a:srgbClr val="FF6600"/>
-              </a:gs>
-              <a:gs pos="100000">
-                <a:schemeClr val="accent6">
-                  <a:lumMod val="60000"/>
-                  <a:lumOff val="40000"/>
-                </a:schemeClr>
-              </a:gs>
-            </a:gsLst>
-          </a:gradFill>
-        </p:spPr>
-        <p:style>
-          <a:lnRef idx="1">
-            <a:schemeClr val="accent1"/>
-          </a:lnRef>
-          <a:fillRef idx="3">
-            <a:schemeClr val="accent1"/>
-          </a:fillRef>
-          <a:effectRef idx="2">
-            <a:schemeClr val="accent1"/>
-          </a:effectRef>
-          <a:fontRef idx="minor">
-            <a:schemeClr val="lt1"/>
-          </a:fontRef>
-        </p:style>
-        <p:txBody>
-          <a:bodyPr rtlCol="0" anchor="ctr"/>
-          <a:lstStyle/>
-          <a:p>
-            <a:pPr algn="ctr"/>
-            <a:r>
-              <a:rPr kumimoji="1" lang="en-US" altLang="ja-JP" sz="1200" dirty="0" smtClean="0">
-                <a:latin typeface="ヒラギノ丸ゴ ProN W4"/>
-                <a:ea typeface="ヒラギノ丸ゴ ProN W4"/>
-                <a:cs typeface="ヒラギノ丸ゴ ProN W4"/>
-              </a:rPr>
-              <a:t>APP2</a:t>
-            </a:r>
-          </a:p>
-          <a:p>
-            <a:pPr algn="ctr"/>
-            <a:r>
-              <a:rPr lang="en-US" altLang="ja-JP" sz="1200" dirty="0" smtClean="0">
-                <a:latin typeface="ヒラギノ丸ゴ ProN W4"/>
-                <a:ea typeface="ヒラギノ丸ゴ ProN W4"/>
-                <a:cs typeface="ヒラギノ丸ゴ ProN W4"/>
-              </a:rPr>
-              <a:t>ffe2</a:t>
-            </a:r>
-            <a:endParaRPr kumimoji="1" lang="ja-JP" altLang="en-US" sz="1200" dirty="0">
-              <a:latin typeface="ヒラギノ丸ゴ ProN W4"/>
-              <a:ea typeface="ヒラギノ丸ゴ ProN W4"/>
-              <a:cs typeface="ヒラギノ丸ゴ ProN W4"/>
-            </a:endParaRPr>
-          </a:p>
-        </p:txBody>
-      </p:sp>
       <p:pic>
         <p:nvPicPr>
-          <p:cNvPr id="11" name="図 10" descr="saitama1-1.png"/>
+          <p:cNvPr id="17" name="図 16" descr="saitama2-1.png"/>
           <p:cNvPicPr>
             <a:picLocks noChangeAspect="1"/>
           </p:cNvPicPr>
@@ -10654,129 +11679,18 @@
         </p:blipFill>
         <p:spPr>
           <a:xfrm>
-            <a:off x="4908698" y="1990574"/>
-            <a:ext cx="1036206" cy="588297"/>
+            <a:off x="4341746" y="2845921"/>
+            <a:ext cx="1264447" cy="717880"/>
           </a:xfrm>
           <a:prstGeom prst="rect">
             <a:avLst/>
           </a:prstGeom>
         </p:spPr>
       </p:pic>
-      <p:pic>
-        <p:nvPicPr>
-          <p:cNvPr id="21" name="図 20" descr="saitama2-1.png"/>
-          <p:cNvPicPr>
-            <a:picLocks noChangeAspect="1"/>
-          </p:cNvPicPr>
-          <p:nvPr/>
-        </p:nvPicPr>
-        <p:blipFill>
-          <a:blip r:embed="rId4">
-            <a:extLst>
-              <a:ext uri="{28A0092B-C50C-407E-A947-70E740481C1C}">
-                <a14:useLocalDpi xmlns:a14="http://schemas.microsoft.com/office/drawing/2010/main" val="0"/>
-              </a:ext>
-            </a:extLst>
-          </a:blip>
-          <a:stretch>
-            <a:fillRect/>
-          </a:stretch>
-        </p:blipFill>
-        <p:spPr>
-          <a:xfrm>
-            <a:off x="3719745" y="1972618"/>
-            <a:ext cx="1036205" cy="588297"/>
-          </a:xfrm>
-          <a:prstGeom prst="rect">
-            <a:avLst/>
-          </a:prstGeom>
-        </p:spPr>
-      </p:pic>
-      <p:cxnSp>
-        <p:nvCxnSpPr>
-          <p:cNvPr id="17" name="直線矢印コネクタ 16"/>
-          <p:cNvCxnSpPr/>
-          <p:nvPr/>
-        </p:nvCxnSpPr>
-        <p:spPr>
-          <a:xfrm flipV="1">
-            <a:off x="3270075" y="2539927"/>
-            <a:ext cx="1485875" cy="1010396"/>
-          </a:xfrm>
-          <a:prstGeom prst="straightConnector1">
-            <a:avLst/>
-          </a:prstGeom>
-          <a:ln>
-            <a:tailEnd type="arrow"/>
-          </a:ln>
-        </p:spPr>
-        <p:style>
-          <a:lnRef idx="2">
-            <a:schemeClr val="accent1"/>
-          </a:lnRef>
-          <a:fillRef idx="0">
-            <a:schemeClr val="accent1"/>
-          </a:fillRef>
-          <a:effectRef idx="1">
-            <a:schemeClr val="accent1"/>
-          </a:effectRef>
-          <a:fontRef idx="minor">
-            <a:schemeClr val="tx1"/>
-          </a:fontRef>
-        </p:style>
-      </p:cxnSp>
-      <p:sp>
-        <p:nvSpPr>
-          <p:cNvPr id="25" name="右矢印 24"/>
-          <p:cNvSpPr/>
-          <p:nvPr/>
-        </p:nvSpPr>
-        <p:spPr>
-          <a:xfrm>
-            <a:off x="4755950" y="2140462"/>
-            <a:ext cx="218020" cy="286770"/>
-          </a:xfrm>
-          <a:prstGeom prst="rightArrow">
-            <a:avLst/>
-          </a:prstGeom>
-          <a:solidFill>
-            <a:schemeClr val="bg1">
-              <a:lumMod val="85000"/>
-            </a:schemeClr>
-          </a:solidFill>
-          <a:ln>
-            <a:solidFill>
-              <a:schemeClr val="tx1"/>
-            </a:solidFill>
-          </a:ln>
-        </p:spPr>
-        <p:style>
-          <a:lnRef idx="1">
-            <a:schemeClr val="accent1"/>
-          </a:lnRef>
-          <a:fillRef idx="3">
-            <a:schemeClr val="accent1"/>
-          </a:fillRef>
-          <a:effectRef idx="2">
-            <a:schemeClr val="accent1"/>
-          </a:effectRef>
-          <a:fontRef idx="minor">
-            <a:schemeClr val="lt1"/>
-          </a:fontRef>
-        </p:style>
-        <p:txBody>
-          <a:bodyPr rtlCol="0" anchor="ctr"/>
-          <a:lstStyle/>
-          <a:p>
-            <a:pPr algn="ctr"/>
-            <a:endParaRPr kumimoji="1" lang="ja-JP" altLang="en-US"/>
-          </a:p>
-        </p:txBody>
-      </p:sp>
     </p:spTree>
     <p:extLst>
       <p:ext uri="{BB962C8B-B14F-4D97-AF65-F5344CB8AC3E}">
-        <p14:creationId xmlns:p14="http://schemas.microsoft.com/office/powerpoint/2010/main" val="3926396620"/>
+        <p14:creationId xmlns:p14="http://schemas.microsoft.com/office/powerpoint/2010/main" val="3713998719"/>
       </p:ext>
     </p:extLst>
   </p:cSld>
